--- a/hadoop/administration/cloudera/ppts/02AmazonWebServices.pptx
+++ b/hadoop/administration/cloudera/ppts/02AmazonWebServices.pptx
@@ -2,30 +2,32 @@
 <file path=ppt/presentation.xml><?xml version="1.0" encoding="utf-8"?>
 <p:presentation xmlns:a="http://schemas.openxmlformats.org/drawingml/2006/main" xmlns:r="http://schemas.openxmlformats.org/officeDocument/2006/relationships" xmlns:p="http://schemas.openxmlformats.org/presentationml/2006/main" saveSubsetFonts="1">
   <p:sldMasterIdLst>
-    <p:sldMasterId id="2147483708" r:id="rId1"/>
+    <p:sldMasterId id="2147483720" r:id="rId1"/>
   </p:sldMasterIdLst>
   <p:notesMasterIdLst>
-    <p:notesMasterId r:id="rId20"/>
+    <p:notesMasterId r:id="rId22"/>
   </p:notesMasterIdLst>
   <p:sldIdLst>
-    <p:sldId id="265" r:id="rId2"/>
-    <p:sldId id="281" r:id="rId3"/>
-    <p:sldId id="282" r:id="rId4"/>
-    <p:sldId id="283" r:id="rId5"/>
-    <p:sldId id="284" r:id="rId6"/>
-    <p:sldId id="285" r:id="rId7"/>
-    <p:sldId id="286" r:id="rId8"/>
-    <p:sldId id="293" r:id="rId9"/>
-    <p:sldId id="292" r:id="rId10"/>
-    <p:sldId id="287" r:id="rId11"/>
-    <p:sldId id="288" r:id="rId12"/>
-    <p:sldId id="294" r:id="rId13"/>
-    <p:sldId id="295" r:id="rId14"/>
+    <p:sldId id="281" r:id="rId2"/>
+    <p:sldId id="282" r:id="rId3"/>
+    <p:sldId id="283" r:id="rId4"/>
+    <p:sldId id="284" r:id="rId5"/>
+    <p:sldId id="285" r:id="rId6"/>
+    <p:sldId id="293" r:id="rId7"/>
+    <p:sldId id="292" r:id="rId8"/>
+    <p:sldId id="287" r:id="rId9"/>
+    <p:sldId id="288" r:id="rId10"/>
+    <p:sldId id="294" r:id="rId11"/>
+    <p:sldId id="298" r:id="rId12"/>
+    <p:sldId id="295" r:id="rId13"/>
+    <p:sldId id="286" r:id="rId14"/>
     <p:sldId id="289" r:id="rId15"/>
-    <p:sldId id="290" r:id="rId16"/>
-    <p:sldId id="291" r:id="rId17"/>
-    <p:sldId id="275" r:id="rId18"/>
-    <p:sldId id="267" r:id="rId19"/>
+    <p:sldId id="296" r:id="rId16"/>
+    <p:sldId id="297" r:id="rId17"/>
+    <p:sldId id="290" r:id="rId18"/>
+    <p:sldId id="291" r:id="rId19"/>
+    <p:sldId id="275" r:id="rId20"/>
+    <p:sldId id="267" r:id="rId21"/>
   </p:sldIdLst>
   <p:sldSz cx="9144000" cy="6858000" type="screen4x3"/>
   <p:notesSz cx="6858000" cy="9144000"/>
@@ -126,7 +128,7 @@
   </p:defaultTextStyle>
   <p:extLst>
     <p:ext uri="{EFAFB233-063F-42B5-8137-9DF3F51BA10A}">
-      <p15:sldGuideLst xmlns:p15="http://schemas.microsoft.com/office/powerpoint/2012/main">
+      <p15:sldGuideLst xmlns="" xmlns:p15="http://schemas.microsoft.com/office/powerpoint/2012/main">
         <p15:guide id="1" orient="horz" pos="2160">
           <p15:clr>
             <a:srgbClr val="A4A3A4"/>
@@ -226,7 +228,7 @@
             <a:fld id="{36BC898F-A298-4C24-8512-F8C89D7B89DB}" type="datetimeFigureOut">
               <a:rPr lang="en-US" smtClean="0"/>
               <a:pPr/>
-              <a:t>8/16/2015</a:t>
+              <a:t>8/22/15</a:t>
             </a:fld>
             <a:endParaRPr lang="en-US"/>
           </a:p>
@@ -496,7 +498,7 @@
 </file>
 
 <file path=ppt/slideLayouts/slideLayout1.xml><?xml version="1.0" encoding="utf-8"?>
-<p:sldLayout xmlns:a="http://schemas.openxmlformats.org/drawingml/2006/main" xmlns:r="http://schemas.openxmlformats.org/officeDocument/2006/relationships" xmlns:p="http://schemas.openxmlformats.org/presentationml/2006/main" showMasterSp="0" type="title" preserve="1">
+<p:sldLayout xmlns:a="http://schemas.openxmlformats.org/drawingml/2006/main" xmlns:r="http://schemas.openxmlformats.org/officeDocument/2006/relationships" xmlns:p="http://schemas.openxmlformats.org/presentationml/2006/main" type="title" preserve="1">
   <p:cSld name="Title Slide">
     <p:spTree>
       <p:nvGrpSpPr>
@@ -514,652 +516,197 @@
       </p:grpSpPr>
       <p:sp>
         <p:nvSpPr>
-          <p:cNvPr id="10" name="Right Triangle 9"/>
-          <p:cNvSpPr/>
-          <p:nvPr/>
+          <p:cNvPr id="2" name="Title 1"/>
+          <p:cNvSpPr>
+            <a:spLocks noGrp="1"/>
+          </p:cNvSpPr>
+          <p:nvPr>
+            <p:ph type="ctrTitle"/>
+          </p:nvPr>
         </p:nvSpPr>
         <p:spPr>
           <a:xfrm>
-            <a:off x="-2" y="4664147"/>
-            <a:ext cx="9151089" cy="0"/>
+            <a:off x="685800" y="2130425"/>
+            <a:ext cx="7772400" cy="1470025"/>
           </a:xfrm>
-          <a:prstGeom prst="rtTriangle">
-            <a:avLst/>
-          </a:prstGeom>
-          <a:gradFill flip="none" rotWithShape="1">
-            <a:gsLst>
-              <a:gs pos="0">
-                <a:schemeClr val="accent1">
-                  <a:shade val="35000"/>
-                  <a:satMod val="170000"/>
-                  <a:alpha val="100000"/>
-                </a:schemeClr>
-              </a:gs>
-              <a:gs pos="55000">
-                <a:schemeClr val="accent1">
-                  <a:tint val="90000"/>
-                  <a:satMod val="150000"/>
-                  <a:alpha val="100000"/>
-                </a:schemeClr>
-              </a:gs>
-              <a:gs pos="100000">
-                <a:schemeClr val="accent1">
-                  <a:shade val="35000"/>
-                  <a:satMod val="170000"/>
-                  <a:alpha val="100000"/>
-                </a:schemeClr>
-              </a:gs>
-            </a:gsLst>
-            <a:lin ang="3000000" scaled="1"/>
-            <a:tileRect/>
-          </a:gradFill>
-          <a:ln w="12700" cap="rnd" cmpd="thickThin" algn="ctr">
-            <a:noFill/>
-            <a:prstDash val="solid"/>
-          </a:ln>
-          <a:effectLst/>
         </p:spPr>
-        <p:style>
-          <a:lnRef idx="3">
-            <a:schemeClr val="lt1"/>
-          </a:lnRef>
-          <a:fillRef idx="1">
-            <a:schemeClr val="accent1"/>
-          </a:fillRef>
-          <a:effectRef idx="1">
-            <a:schemeClr val="accent1"/>
-          </a:effectRef>
-          <a:fontRef idx="minor">
-            <a:schemeClr val="lt1"/>
-          </a:fontRef>
-        </p:style>
-        <p:txBody>
-          <a:bodyPr anchor="ctr"/>
-          <a:lstStyle>
-            <a:extLst/>
-          </a:lstStyle>
-          <a:p>
-            <a:pPr algn="ctr" eaLnBrk="1" latinLnBrk="0" hangingPunct="1"/>
-            <a:endParaRPr kumimoji="0" lang="en-US"/>
-          </a:p>
-        </p:txBody>
-      </p:sp>
-      <p:sp>
-        <p:nvSpPr>
-          <p:cNvPr id="9" name="Title 8"/>
-          <p:cNvSpPr>
-            <a:spLocks noGrp="1"/>
-          </p:cNvSpPr>
-          <p:nvPr>
-            <p:ph type="ctrTitle"/>
+        <p:txBody>
+          <a:bodyPr/>
+          <a:lstStyle/>
+          <a:p>
+            <a:r>
+              <a:rPr lang="en-US" smtClean="0"/>
+              <a:t>Click to edit Master title style</a:t>
+            </a:r>
+            <a:endParaRPr lang="en-US"/>
+          </a:p>
+        </p:txBody>
+      </p:sp>
+      <p:sp>
+        <p:nvSpPr>
+          <p:cNvPr id="3" name="Subtitle 2"/>
+          <p:cNvSpPr>
+            <a:spLocks noGrp="1"/>
+          </p:cNvSpPr>
+          <p:nvPr>
+            <p:ph type="subTitle" idx="1"/>
           </p:nvPr>
         </p:nvSpPr>
         <p:spPr>
           <a:xfrm>
-            <a:off x="685800" y="1752601"/>
-            <a:ext cx="7772400" cy="1829761"/>
+            <a:off x="1371600" y="3886200"/>
+            <a:ext cx="6400800" cy="1752600"/>
           </a:xfrm>
         </p:spPr>
         <p:txBody>
-          <a:bodyPr vert="horz" anchor="b">
-            <a:normAutofit/>
-            <a:scene3d>
-              <a:camera prst="orthographicFront"/>
-              <a:lightRig rig="soft" dir="t"/>
-            </a:scene3d>
-            <a:sp3d prstMaterial="softEdge">
-              <a:bevelT w="25400" h="25400"/>
-            </a:sp3d>
-          </a:bodyPr>
+          <a:bodyPr/>
           <a:lstStyle>
-            <a:lvl1pPr algn="r">
-              <a:defRPr sz="4800" b="1">
-                <a:solidFill>
-                  <a:schemeClr val="tx2"/>
-                </a:solidFill>
-                <a:effectLst>
-                  <a:outerShdw blurRad="31750" dist="25400" dir="5400000" algn="tl" rotWithShape="0">
-                    <a:srgbClr val="000000">
-                      <a:alpha val="25000"/>
-                    </a:srgbClr>
-                  </a:outerShdw>
-                </a:effectLst>
-              </a:defRPr>
-            </a:lvl1pPr>
-            <a:extLst/>
-          </a:lstStyle>
-          <a:p>
-            <a:r>
-              <a:rPr kumimoji="0" lang="en-US" smtClean="0"/>
-              <a:t>Click to edit Master title style</a:t>
-            </a:r>
-            <a:endParaRPr kumimoji="0" lang="en-US"/>
-          </a:p>
-        </p:txBody>
-      </p:sp>
-      <p:sp>
-        <p:nvSpPr>
-          <p:cNvPr id="17" name="Subtitle 16"/>
-          <p:cNvSpPr>
-            <a:spLocks noGrp="1"/>
-          </p:cNvSpPr>
-          <p:nvPr>
-            <p:ph type="subTitle" idx="1"/>
-          </p:nvPr>
-        </p:nvSpPr>
-        <p:spPr>
-          <a:xfrm>
-            <a:off x="685800" y="3611607"/>
-            <a:ext cx="7772400" cy="1199704"/>
-          </a:xfrm>
-        </p:spPr>
-        <p:txBody>
-          <a:bodyPr lIns="45720" rIns="45720"/>
-          <a:lstStyle>
-            <a:lvl1pPr marL="0" marR="64008" indent="0" algn="r">
+            <a:lvl1pPr marL="0" indent="0" algn="ctr">
               <a:buNone/>
               <a:defRPr>
                 <a:solidFill>
-                  <a:schemeClr val="tx2"/>
+                  <a:schemeClr val="tx1">
+                    <a:tint val="75000"/>
+                  </a:schemeClr>
                 </a:solidFill>
               </a:defRPr>
             </a:lvl1pPr>
             <a:lvl2pPr marL="457200" indent="0" algn="ctr">
               <a:buNone/>
+              <a:defRPr>
+                <a:solidFill>
+                  <a:schemeClr val="tx1">
+                    <a:tint val="75000"/>
+                  </a:schemeClr>
+                </a:solidFill>
+              </a:defRPr>
             </a:lvl2pPr>
             <a:lvl3pPr marL="914400" indent="0" algn="ctr">
               <a:buNone/>
+              <a:defRPr>
+                <a:solidFill>
+                  <a:schemeClr val="tx1">
+                    <a:tint val="75000"/>
+                  </a:schemeClr>
+                </a:solidFill>
+              </a:defRPr>
             </a:lvl3pPr>
             <a:lvl4pPr marL="1371600" indent="0" algn="ctr">
               <a:buNone/>
+              <a:defRPr>
+                <a:solidFill>
+                  <a:schemeClr val="tx1">
+                    <a:tint val="75000"/>
+                  </a:schemeClr>
+                </a:solidFill>
+              </a:defRPr>
             </a:lvl4pPr>
             <a:lvl5pPr marL="1828800" indent="0" algn="ctr">
               <a:buNone/>
+              <a:defRPr>
+                <a:solidFill>
+                  <a:schemeClr val="tx1">
+                    <a:tint val="75000"/>
+                  </a:schemeClr>
+                </a:solidFill>
+              </a:defRPr>
             </a:lvl5pPr>
             <a:lvl6pPr marL="2286000" indent="0" algn="ctr">
               <a:buNone/>
+              <a:defRPr>
+                <a:solidFill>
+                  <a:schemeClr val="tx1">
+                    <a:tint val="75000"/>
+                  </a:schemeClr>
+                </a:solidFill>
+              </a:defRPr>
             </a:lvl6pPr>
             <a:lvl7pPr marL="2743200" indent="0" algn="ctr">
               <a:buNone/>
+              <a:defRPr>
+                <a:solidFill>
+                  <a:schemeClr val="tx1">
+                    <a:tint val="75000"/>
+                  </a:schemeClr>
+                </a:solidFill>
+              </a:defRPr>
             </a:lvl7pPr>
             <a:lvl8pPr marL="3200400" indent="0" algn="ctr">
               <a:buNone/>
+              <a:defRPr>
+                <a:solidFill>
+                  <a:schemeClr val="tx1">
+                    <a:tint val="75000"/>
+                  </a:schemeClr>
+                </a:solidFill>
+              </a:defRPr>
             </a:lvl8pPr>
             <a:lvl9pPr marL="3657600" indent="0" algn="ctr">
               <a:buNone/>
-            </a:lvl9pPr>
-            <a:extLst/>
-          </a:lstStyle>
-          <a:p>
-            <a:r>
-              <a:rPr kumimoji="0" lang="en-US" smtClean="0"/>
-              <a:t>Click to edit Master subtitle style</a:t>
-            </a:r>
-            <a:endParaRPr kumimoji="0" lang="en-US"/>
-          </a:p>
-        </p:txBody>
-      </p:sp>
-      <p:grpSp>
-        <p:nvGrpSpPr>
-          <p:cNvPr id="2" name="Group 1"/>
-          <p:cNvGrpSpPr/>
-          <p:nvPr/>
-        </p:nvGrpSpPr>
-        <p:grpSpPr>
-          <a:xfrm>
-            <a:off x="-3765" y="4953000"/>
-            <a:ext cx="9147765" cy="1912088"/>
-            <a:chOff x="-3765" y="4832896"/>
-            <a:chExt cx="9147765" cy="2032192"/>
-          </a:xfrm>
-        </p:grpSpPr>
-        <p:sp>
-          <p:nvSpPr>
-            <p:cNvPr id="7" name="Freeform 6"/>
-            <p:cNvSpPr>
-              <a:spLocks/>
-            </p:cNvSpPr>
-            <p:nvPr/>
-          </p:nvSpPr>
-          <p:spPr bwMode="auto">
-            <a:xfrm>
-              <a:off x="1687513" y="4832896"/>
-              <a:ext cx="7456487" cy="518816"/>
-            </a:xfrm>
-            <a:custGeom>
-              <a:avLst>
-                <a:gd name="A1" fmla="val 0"/>
-                <a:gd name="A2" fmla="val 0"/>
-                <a:gd name="A3" fmla="val 0"/>
-                <a:gd name="A4" fmla="val 0"/>
-                <a:gd name="A5" fmla="val 0"/>
-                <a:gd name="A6" fmla="val 0"/>
-                <a:gd name="A7" fmla="val 0"/>
-                <a:gd name="A8" fmla="val 0"/>
-              </a:avLst>
-              <a:gdLst/>
-              <a:ahLst/>
-              <a:cxnLst>
-                <a:cxn ang="0">
-                  <a:pos x="4697" y="0"/>
-                </a:cxn>
-                <a:cxn ang="0">
-                  <a:pos x="4697" y="367"/>
-                </a:cxn>
-                <a:cxn ang="0">
-                  <a:pos x="0" y="218"/>
-                </a:cxn>
-                <a:cxn ang="0">
-                  <a:pos x="4697" y="0"/>
-                </a:cxn>
-              </a:cxnLst>
-              <a:rect l="0" t="0" r="0" b="0"/>
-              <a:pathLst>
-                <a:path w="4697" h="367">
-                  <a:moveTo>
-                    <a:pt x="4697" y="0"/>
-                  </a:moveTo>
-                  <a:lnTo>
-                    <a:pt x="4697" y="367"/>
-                  </a:lnTo>
-                  <a:lnTo>
-                    <a:pt x="0" y="218"/>
-                  </a:lnTo>
-                  <a:lnTo>
-                    <a:pt x="4697" y="0"/>
-                  </a:lnTo>
-                  <a:close/>
-                </a:path>
-              </a:pathLst>
-            </a:custGeom>
-            <a:solidFill>
-              <a:schemeClr val="accent1">
-                <a:tint val="65000"/>
-                <a:satMod val="115000"/>
-                <a:alpha val="40000"/>
-              </a:schemeClr>
-            </a:solidFill>
-            <a:ln w="9525" cap="flat" cmpd="sng" algn="ctr">
-              <a:noFill/>
-              <a:prstDash val="solid"/>
-              <a:round/>
-              <a:headEnd type="none" w="med" len="med"/>
-              <a:tailEnd type="none" w="med" len="med"/>
-            </a:ln>
-            <a:effectLst/>
-          </p:spPr>
-          <p:txBody>
-            <a:bodyPr vert="horz" wrap="square" lIns="91440" tIns="45720" rIns="91440" bIns="45720" anchor="t" compatLnSpc="1"/>
-            <a:lstStyle>
-              <a:extLst/>
-            </a:lstStyle>
-            <a:p>
-              <a:endParaRPr kumimoji="0" lang="en-US"/>
-            </a:p>
-          </p:txBody>
-        </p:sp>
-        <p:sp>
-          <p:nvSpPr>
-            <p:cNvPr id="8" name="Freeform 7"/>
-            <p:cNvSpPr>
-              <a:spLocks/>
-            </p:cNvSpPr>
-            <p:nvPr/>
-          </p:nvSpPr>
-          <p:spPr bwMode="auto">
-            <a:xfrm>
-              <a:off x="35443" y="5135526"/>
-              <a:ext cx="9108557" cy="838200"/>
-            </a:xfrm>
-            <a:custGeom>
-              <a:avLst>
-                <a:gd name="A1" fmla="val 0"/>
-                <a:gd name="A2" fmla="val 0"/>
-                <a:gd name="A3" fmla="val 0"/>
-                <a:gd name="A4" fmla="val 0"/>
-                <a:gd name="A5" fmla="val 0"/>
-                <a:gd name="A6" fmla="val 0"/>
-                <a:gd name="A7" fmla="val 0"/>
-                <a:gd name="A8" fmla="val 0"/>
-              </a:avLst>
-              <a:gdLst/>
-              <a:ahLst/>
-              <a:cxnLst>
-                <a:cxn ang="0">
-                  <a:pos x="0" y="0"/>
-                </a:cxn>
-                <a:cxn ang="0">
-                  <a:pos x="5760" y="0"/>
-                </a:cxn>
-                <a:cxn ang="0">
-                  <a:pos x="5760" y="528"/>
-                </a:cxn>
-                <a:cxn ang="0">
-                  <a:pos x="48" y="0"/>
-                </a:cxn>
-              </a:cxnLst>
-              <a:rect l="0" t="0" r="0" b="0"/>
-              <a:pathLst>
-                <a:path w="5760" h="528">
-                  <a:moveTo>
-                    <a:pt x="0" y="0"/>
-                  </a:moveTo>
-                  <a:lnTo>
-                    <a:pt x="5760" y="0"/>
-                  </a:lnTo>
-                  <a:lnTo>
-                    <a:pt x="5760" y="528"/>
-                  </a:lnTo>
-                  <a:lnTo>
-                    <a:pt x="48" y="0"/>
-                  </a:lnTo>
-                </a:path>
-              </a:pathLst>
-            </a:custGeom>
-            <a:solidFill>
-              <a:srgbClr val="000000">
-                <a:alpha val="100000"/>
-              </a:srgbClr>
-            </a:solidFill>
-            <a:ln w="9525" cap="flat" cmpd="sng" algn="ctr">
-              <a:noFill/>
-              <a:prstDash val="solid"/>
-              <a:round/>
-              <a:headEnd type="none" w="med" len="med"/>
-              <a:tailEnd type="none" w="med" len="med"/>
-            </a:ln>
-            <a:effectLst/>
-          </p:spPr>
-          <p:txBody>
-            <a:bodyPr vert="horz" wrap="square" lIns="91440" tIns="45720" rIns="91440" bIns="45720" anchor="t" compatLnSpc="1"/>
-            <a:lstStyle>
-              <a:extLst/>
-            </a:lstStyle>
-            <a:p>
-              <a:endParaRPr kumimoji="0" lang="en-US"/>
-            </a:p>
-          </p:txBody>
-        </p:sp>
-        <p:sp>
-          <p:nvSpPr>
-            <p:cNvPr id="11" name="Freeform 10"/>
-            <p:cNvSpPr>
-              <a:spLocks/>
-            </p:cNvSpPr>
-            <p:nvPr/>
-          </p:nvSpPr>
-          <p:spPr bwMode="auto">
-            <a:xfrm>
-              <a:off x="0" y="4883888"/>
-              <a:ext cx="9144000" cy="1981200"/>
-            </a:xfrm>
-            <a:custGeom>
-              <a:avLst>
-                <a:gd name="A1" fmla="val 0"/>
-                <a:gd name="A2" fmla="val 0"/>
-                <a:gd name="A3" fmla="val 0"/>
-                <a:gd name="A4" fmla="val 0"/>
-                <a:gd name="A5" fmla="val 0"/>
-                <a:gd name="A6" fmla="val 0"/>
-                <a:gd name="A7" fmla="val 0"/>
-                <a:gd name="A8" fmla="val 0"/>
-              </a:avLst>
-              <a:gdLst/>
-              <a:ahLst/>
-              <a:cxnLst>
-                <a:cxn ang="0">
-                  <a:pos x="0" y="0"/>
-                </a:cxn>
-                <a:cxn ang="0">
-                  <a:pos x="0" y="1248"/>
-                </a:cxn>
-                <a:cxn ang="0">
-                  <a:pos x="5760" y="1248"/>
-                </a:cxn>
-                <a:cxn ang="0">
-                  <a:pos x="5760" y="528"/>
-                </a:cxn>
-                <a:cxn ang="0">
-                  <a:pos x="0" y="0"/>
-                </a:cxn>
-              </a:cxnLst>
-              <a:rect l="0" t="0" r="0" b="0"/>
-              <a:pathLst>
-                <a:path w="5760" h="1248">
-                  <a:moveTo>
-                    <a:pt x="0" y="0"/>
-                  </a:moveTo>
-                  <a:lnTo>
-                    <a:pt x="0" y="1248"/>
-                  </a:lnTo>
-                  <a:lnTo>
-                    <a:pt x="5760" y="1248"/>
-                  </a:lnTo>
-                  <a:lnTo>
-                    <a:pt x="5760" y="528"/>
-                  </a:lnTo>
-                  <a:lnTo>
-                    <a:pt x="0" y="0"/>
-                  </a:lnTo>
-                  <a:close/>
-                </a:path>
-              </a:pathLst>
-            </a:custGeom>
-            <a:blipFill>
-              <a:blip r:embed="rId2">
-                <a:alphaModFix amt="50000"/>
-              </a:blip>
-              <a:tile tx="0" ty="0" sx="50000" sy="50000" flip="none" algn="t"/>
-            </a:blipFill>
-            <a:ln w="12700" cap="rnd" cmpd="thickThin" algn="ctr">
-              <a:noFill/>
-              <a:prstDash val="solid"/>
-            </a:ln>
-            <a:effectLst>
-              <a:fillOverlay blend="mult">
-                <a:gradFill flip="none" rotWithShape="1">
-                  <a:gsLst>
-                    <a:gs pos="0">
-                      <a:schemeClr val="accent1">
-                        <a:shade val="20000"/>
-                        <a:satMod val="176000"/>
-                        <a:alpha val="100000"/>
-                      </a:schemeClr>
-                    </a:gs>
-                    <a:gs pos="18000">
-                      <a:schemeClr val="accent1">
-                        <a:shade val="48000"/>
-                        <a:satMod val="153000"/>
-                        <a:alpha val="100000"/>
-                      </a:schemeClr>
-                    </a:gs>
-                    <a:gs pos="43000">
-                      <a:schemeClr val="accent1">
-                        <a:tint val="86000"/>
-                        <a:satMod val="149000"/>
-                        <a:alpha val="100000"/>
-                      </a:schemeClr>
-                    </a:gs>
-                    <a:gs pos="45000">
-                      <a:schemeClr val="accent1">
-                        <a:tint val="85000"/>
-                        <a:satMod val="150000"/>
-                        <a:alpha val="100000"/>
-                      </a:schemeClr>
-                    </a:gs>
-                    <a:gs pos="50000">
-                      <a:schemeClr val="accent1">
-                        <a:tint val="86000"/>
-                        <a:satMod val="149000"/>
-                        <a:alpha val="100000"/>
-                      </a:schemeClr>
-                    </a:gs>
-                    <a:gs pos="79000">
-                      <a:schemeClr val="accent1">
-                        <a:shade val="53000"/>
-                        <a:satMod val="150000"/>
-                        <a:alpha val="100000"/>
-                      </a:schemeClr>
-                    </a:gs>
-                    <a:gs pos="100000">
-                      <a:schemeClr val="accent1">
-                        <a:shade val="25000"/>
-                        <a:satMod val="170000"/>
-                        <a:alpha val="100000"/>
-                      </a:schemeClr>
-                    </a:gs>
-                  </a:gsLst>
-                  <a:lin ang="450000" scaled="1"/>
-                  <a:tileRect/>
-                </a:gradFill>
-              </a:fillOverlay>
-            </a:effectLst>
-          </p:spPr>
-          <p:style>
-            <a:lnRef idx="3">
-              <a:schemeClr val="lt1"/>
-            </a:lnRef>
-            <a:fillRef idx="1">
-              <a:schemeClr val="accent1"/>
-            </a:fillRef>
-            <a:effectRef idx="1">
-              <a:schemeClr val="accent1"/>
-            </a:effectRef>
-            <a:fontRef idx="minor">
-              <a:schemeClr val="lt1"/>
-            </a:fontRef>
-          </p:style>
-          <p:txBody>
-            <a:bodyPr vert="horz" wrap="square" lIns="91440" tIns="45720" rIns="91440" bIns="45720" anchor="ctr" compatLnSpc="1"/>
-            <a:lstStyle>
-              <a:extLst/>
-            </a:lstStyle>
-            <a:p>
-              <a:pPr algn="ctr" eaLnBrk="1" latinLnBrk="0" hangingPunct="1"/>
-              <a:endParaRPr kumimoji="0" lang="en-US"/>
-            </a:p>
-          </p:txBody>
-        </p:sp>
-        <p:cxnSp>
-          <p:nvCxnSpPr>
-            <p:cNvPr id="12" name="Straight Connector 11"/>
-            <p:cNvCxnSpPr/>
-            <p:nvPr/>
-          </p:nvCxnSpPr>
-          <p:spPr>
-            <a:xfrm>
-              <a:off x="-3765" y="4880373"/>
-              <a:ext cx="9147765" cy="839943"/>
-            </a:xfrm>
-            <a:prstGeom prst="line">
-              <a:avLst/>
-            </a:prstGeom>
-            <a:noFill/>
-            <a:ln w="12065" cap="flat" cmpd="sng" algn="ctr">
-              <a:gradFill>
-                <a:gsLst>
-                  <a:gs pos="45000">
-                    <a:schemeClr val="accent1">
-                      <a:tint val="70000"/>
-                      <a:satMod val="110000"/>
-                    </a:schemeClr>
-                  </a:gs>
-                  <a:gs pos="15000">
-                    <a:schemeClr val="accent1">
-                      <a:shade val="40000"/>
-                      <a:satMod val="110000"/>
-                    </a:schemeClr>
-                  </a:gs>
-                </a:gsLst>
-                <a:lin ang="5400000" scaled="1"/>
-              </a:gradFill>
-              <a:prstDash val="solid"/>
-              <a:miter lim="800000"/>
-            </a:ln>
-            <a:effectLst/>
-          </p:spPr>
-          <p:style>
-            <a:lnRef idx="2">
-              <a:schemeClr val="accent1"/>
-            </a:lnRef>
-            <a:fillRef idx="0">
-              <a:schemeClr val="accent1"/>
-            </a:fillRef>
-            <a:effectRef idx="1">
-              <a:schemeClr val="accent1"/>
-            </a:effectRef>
-            <a:fontRef idx="minor">
-              <a:schemeClr val="tx1"/>
-            </a:fontRef>
-          </p:style>
-        </p:cxnSp>
-      </p:grpSp>
-      <p:sp>
-        <p:nvSpPr>
-          <p:cNvPr id="30" name="Date Placeholder 29"/>
-          <p:cNvSpPr>
-            <a:spLocks noGrp="1"/>
-          </p:cNvSpPr>
-          <p:nvPr>
-            <p:ph type="dt" sz="half" idx="10"/>
-          </p:nvPr>
-        </p:nvSpPr>
-        <p:spPr/>
-        <p:txBody>
-          <a:bodyPr/>
-          <a:lstStyle>
-            <a:lvl1pPr>
               <a:defRPr>
                 <a:solidFill>
-                  <a:srgbClr val="FFFFFF"/>
-                </a:solidFill>
-              </a:defRPr>
-            </a:lvl1pPr>
-            <a:extLst/>
-          </a:lstStyle>
-          <a:p>
-            <a:fld id="{5CDE208D-7564-4296-8E04-23AC3E064C0F}" type="datetime1">
-              <a:rPr lang="en-US" smtClean="0"/>
-              <a:pPr/>
-              <a:t>8/16/2015</a:t>
-            </a:fld>
-            <a:endParaRPr lang="en-US"/>
-          </a:p>
-        </p:txBody>
-      </p:sp>
-      <p:sp>
-        <p:nvSpPr>
-          <p:cNvPr id="19" name="Footer Placeholder 18"/>
-          <p:cNvSpPr>
-            <a:spLocks noGrp="1"/>
-          </p:cNvSpPr>
-          <p:nvPr>
-            <p:ph type="ftr" sz="quarter" idx="11"/>
-          </p:nvPr>
-        </p:nvSpPr>
-        <p:spPr/>
-        <p:txBody>
-          <a:bodyPr/>
-          <a:lstStyle>
-            <a:lvl1pPr>
-              <a:defRPr>
-                <a:solidFill>
-                  <a:schemeClr val="accent1">
-                    <a:tint val="20000"/>
+                  <a:schemeClr val="tx1">
+                    <a:tint val="75000"/>
                   </a:schemeClr>
                 </a:solidFill>
               </a:defRPr>
-            </a:lvl1pPr>
-            <a:extLst/>
+            </a:lvl9pPr>
           </a:lstStyle>
           <a:p>
+            <a:r>
+              <a:rPr lang="en-US" smtClean="0"/>
+              <a:t>Click to edit Master subtitle style</a:t>
+            </a:r>
             <a:endParaRPr lang="en-US"/>
           </a:p>
         </p:txBody>
       </p:sp>
       <p:sp>
         <p:nvSpPr>
-          <p:cNvPr id="27" name="Slide Number Placeholder 26"/>
+          <p:cNvPr id="4" name="Date Placeholder 3"/>
+          <p:cNvSpPr>
+            <a:spLocks noGrp="1"/>
+          </p:cNvSpPr>
+          <p:nvPr>
+            <p:ph type="dt" sz="half" idx="10"/>
+          </p:nvPr>
+        </p:nvSpPr>
+        <p:spPr/>
+        <p:txBody>
+          <a:bodyPr/>
+          <a:lstStyle/>
+          <a:p>
+            <a:fld id="{5CDE208D-7564-4296-8E04-23AC3E064C0F}" type="datetime1">
+              <a:rPr lang="en-US" smtClean="0"/>
+              <a:pPr/>
+              <a:t>8/22/15</a:t>
+            </a:fld>
+            <a:endParaRPr lang="en-US"/>
+          </a:p>
+        </p:txBody>
+      </p:sp>
+      <p:sp>
+        <p:nvSpPr>
+          <p:cNvPr id="5" name="Footer Placeholder 4"/>
+          <p:cNvSpPr>
+            <a:spLocks noGrp="1"/>
+          </p:cNvSpPr>
+          <p:nvPr>
+            <p:ph type="ftr" sz="quarter" idx="11"/>
+          </p:nvPr>
+        </p:nvSpPr>
+        <p:spPr/>
+        <p:txBody>
+          <a:bodyPr/>
+          <a:lstStyle/>
+          <a:p>
+            <a:endParaRPr lang="en-US"/>
+          </a:p>
+        </p:txBody>
+      </p:sp>
+      <p:sp>
+        <p:nvSpPr>
+          <p:cNvPr id="6" name="Slide Number Placeholder 5"/>
           <p:cNvSpPr>
             <a:spLocks noGrp="1"/>
           </p:cNvSpPr>
@@ -1170,16 +717,7 @@
         <p:spPr/>
         <p:txBody>
           <a:bodyPr/>
-          <a:lstStyle>
-            <a:lvl1pPr>
-              <a:defRPr>
-                <a:solidFill>
-                  <a:srgbClr val="FFFFFF"/>
-                </a:solidFill>
-              </a:defRPr>
-            </a:lvl1pPr>
-            <a:extLst/>
-          </a:lstStyle>
+          <a:lstStyle/>
           <a:p>
             <a:fld id="{31E7C4D2-2F11-4011-AB4F-F84DBF4A0B01}" type="slidenum">
               <a:rPr lang="en-US" smtClean="0"/>
@@ -1191,6 +729,11 @@
         </p:txBody>
       </p:sp>
     </p:spTree>
+    <p:extLst>
+      <p:ext uri="{BB962C8B-B14F-4D97-AF65-F5344CB8AC3E}">
+        <p14:creationId xmlns:p14="http://schemas.microsoft.com/office/powerpoint/2010/main" val="1801223409"/>
+      </p:ext>
+    </p:extLst>
   </p:cSld>
   <p:clrMapOvr>
     <a:masterClrMapping/>
@@ -1228,15 +771,13 @@
         <p:spPr/>
         <p:txBody>
           <a:bodyPr/>
-          <a:lstStyle>
-            <a:extLst/>
-          </a:lstStyle>
-          <a:p>
-            <a:r>
-              <a:rPr kumimoji="0" lang="en-US" smtClean="0"/>
+          <a:lstStyle/>
+          <a:p>
+            <a:r>
+              <a:rPr lang="en-US" smtClean="0"/>
               <a:t>Click to edit Master title style</a:t>
             </a:r>
-            <a:endParaRPr kumimoji="0" lang="en-US"/>
+            <a:endParaRPr lang="en-US"/>
           </a:p>
         </p:txBody>
       </p:sp>
@@ -1250,52 +791,45 @@
             <p:ph type="body" orient="vert" idx="1"/>
           </p:nvPr>
         </p:nvSpPr>
-        <p:spPr>
-          <a:xfrm>
-            <a:off x="457200" y="1481329"/>
-            <a:ext cx="8229600" cy="4386071"/>
-          </a:xfrm>
-        </p:spPr>
+        <p:spPr/>
         <p:txBody>
           <a:bodyPr vert="eaVert"/>
-          <a:lstStyle>
-            <a:extLst/>
-          </a:lstStyle>
-          <a:p>
-            <a:pPr lvl="0" eaLnBrk="1" latinLnBrk="0" hangingPunct="1"/>
+          <a:lstStyle/>
+          <a:p>
+            <a:pPr lvl="0"/>
             <a:r>
               <a:rPr lang="en-US" smtClean="0"/>
               <a:t>Click to edit Master text styles</a:t>
             </a:r>
           </a:p>
           <a:p>
-            <a:pPr lvl="1" eaLnBrk="1" latinLnBrk="0" hangingPunct="1"/>
+            <a:pPr lvl="1"/>
             <a:r>
               <a:rPr lang="en-US" smtClean="0"/>
               <a:t>Second level</a:t>
             </a:r>
           </a:p>
           <a:p>
-            <a:pPr lvl="2" eaLnBrk="1" latinLnBrk="0" hangingPunct="1"/>
+            <a:pPr lvl="2"/>
             <a:r>
               <a:rPr lang="en-US" smtClean="0"/>
               <a:t>Third level</a:t>
             </a:r>
           </a:p>
           <a:p>
-            <a:pPr lvl="3" eaLnBrk="1" latinLnBrk="0" hangingPunct="1"/>
+            <a:pPr lvl="3"/>
             <a:r>
               <a:rPr lang="en-US" smtClean="0"/>
               <a:t>Fourth level</a:t>
             </a:r>
           </a:p>
           <a:p>
-            <a:pPr lvl="4" eaLnBrk="1" latinLnBrk="0" hangingPunct="1"/>
+            <a:pPr lvl="4"/>
             <a:r>
               <a:rPr lang="en-US" smtClean="0"/>
               <a:t>Fifth level</a:t>
             </a:r>
-            <a:endParaRPr kumimoji="0" lang="en-US"/>
+            <a:endParaRPr lang="en-US"/>
           </a:p>
         </p:txBody>
       </p:sp>
@@ -1312,14 +846,12 @@
         <p:spPr/>
         <p:txBody>
           <a:bodyPr/>
-          <a:lstStyle>
-            <a:extLst/>
-          </a:lstStyle>
+          <a:lstStyle/>
           <a:p>
             <a:fld id="{60D25CE4-ADAF-4059-ABA2-141220E630ED}" type="datetime1">
               <a:rPr lang="en-US" smtClean="0"/>
               <a:pPr/>
-              <a:t>8/16/2015</a:t>
+              <a:t>8/22/15</a:t>
             </a:fld>
             <a:endParaRPr lang="en-US"/>
           </a:p>
@@ -1338,9 +870,7 @@
         <p:spPr/>
         <p:txBody>
           <a:bodyPr/>
-          <a:lstStyle>
-            <a:extLst/>
-          </a:lstStyle>
+          <a:lstStyle/>
           <a:p>
             <a:endParaRPr lang="en-US"/>
           </a:p>
@@ -1359,9 +889,7 @@
         <p:spPr/>
         <p:txBody>
           <a:bodyPr/>
-          <a:lstStyle>
-            <a:extLst/>
-          </a:lstStyle>
+          <a:lstStyle/>
           <a:p>
             <a:fld id="{31E7C4D2-2F11-4011-AB4F-F84DBF4A0B01}" type="slidenum">
               <a:rPr lang="en-US" smtClean="0"/>
@@ -1373,6 +901,11 @@
         </p:txBody>
       </p:sp>
     </p:spTree>
+    <p:extLst>
+      <p:ext uri="{BB962C8B-B14F-4D97-AF65-F5344CB8AC3E}">
+        <p14:creationId xmlns:p14="http://schemas.microsoft.com/office/powerpoint/2010/main" val="1589888764"/>
+      </p:ext>
+    </p:extLst>
   </p:cSld>
   <p:clrMapOvr>
     <a:masterClrMapping/>
@@ -1409,21 +942,19 @@
         </p:nvSpPr>
         <p:spPr>
           <a:xfrm>
-            <a:off x="6844013" y="274640"/>
-            <a:ext cx="1777470" cy="5592761"/>
+            <a:off x="6629400" y="274638"/>
+            <a:ext cx="2057400" cy="5851525"/>
           </a:xfrm>
         </p:spPr>
         <p:txBody>
           <a:bodyPr vert="eaVert"/>
-          <a:lstStyle>
-            <a:extLst/>
-          </a:lstStyle>
-          <a:p>
-            <a:r>
-              <a:rPr kumimoji="0" lang="en-US" smtClean="0"/>
+          <a:lstStyle/>
+          <a:p>
+            <a:r>
+              <a:rPr lang="en-US" smtClean="0"/>
               <a:t>Click to edit Master title style</a:t>
             </a:r>
-            <a:endParaRPr kumimoji="0" lang="en-US"/>
+            <a:endParaRPr lang="en-US"/>
           </a:p>
         </p:txBody>
       </p:sp>
@@ -1439,50 +970,48 @@
         </p:nvSpPr>
         <p:spPr>
           <a:xfrm>
-            <a:off x="457200" y="274641"/>
-            <a:ext cx="6324600" cy="5592760"/>
+            <a:off x="457200" y="274638"/>
+            <a:ext cx="6019800" cy="5851525"/>
           </a:xfrm>
         </p:spPr>
         <p:txBody>
           <a:bodyPr vert="eaVert"/>
-          <a:lstStyle>
-            <a:extLst/>
-          </a:lstStyle>
-          <a:p>
-            <a:pPr lvl="0" eaLnBrk="1" latinLnBrk="0" hangingPunct="1"/>
+          <a:lstStyle/>
+          <a:p>
+            <a:pPr lvl="0"/>
             <a:r>
               <a:rPr lang="en-US" smtClean="0"/>
               <a:t>Click to edit Master text styles</a:t>
             </a:r>
           </a:p>
           <a:p>
-            <a:pPr lvl="1" eaLnBrk="1" latinLnBrk="0" hangingPunct="1"/>
+            <a:pPr lvl="1"/>
             <a:r>
               <a:rPr lang="en-US" smtClean="0"/>
               <a:t>Second level</a:t>
             </a:r>
           </a:p>
           <a:p>
-            <a:pPr lvl="2" eaLnBrk="1" latinLnBrk="0" hangingPunct="1"/>
+            <a:pPr lvl="2"/>
             <a:r>
               <a:rPr lang="en-US" smtClean="0"/>
               <a:t>Third level</a:t>
             </a:r>
           </a:p>
           <a:p>
-            <a:pPr lvl="3" eaLnBrk="1" latinLnBrk="0" hangingPunct="1"/>
+            <a:pPr lvl="3"/>
             <a:r>
               <a:rPr lang="en-US" smtClean="0"/>
               <a:t>Fourth level</a:t>
             </a:r>
           </a:p>
           <a:p>
-            <a:pPr lvl="4" eaLnBrk="1" latinLnBrk="0" hangingPunct="1"/>
+            <a:pPr lvl="4"/>
             <a:r>
               <a:rPr lang="en-US" smtClean="0"/>
               <a:t>Fifth level</a:t>
             </a:r>
-            <a:endParaRPr kumimoji="0" lang="en-US"/>
+            <a:endParaRPr lang="en-US"/>
           </a:p>
         </p:txBody>
       </p:sp>
@@ -1499,14 +1028,12 @@
         <p:spPr/>
         <p:txBody>
           <a:bodyPr/>
-          <a:lstStyle>
-            <a:extLst/>
-          </a:lstStyle>
+          <a:lstStyle/>
           <a:p>
             <a:fld id="{52C6806D-A723-4AF6-81A5-B834FAD74726}" type="datetime1">
               <a:rPr lang="en-US" smtClean="0"/>
               <a:pPr/>
-              <a:t>8/16/2015</a:t>
+              <a:t>8/22/15</a:t>
             </a:fld>
             <a:endParaRPr lang="en-US"/>
           </a:p>
@@ -1525,9 +1052,7 @@
         <p:spPr/>
         <p:txBody>
           <a:bodyPr/>
-          <a:lstStyle>
-            <a:extLst/>
-          </a:lstStyle>
+          <a:lstStyle/>
           <a:p>
             <a:endParaRPr lang="en-US"/>
           </a:p>
@@ -1546,9 +1071,7 @@
         <p:spPr/>
         <p:txBody>
           <a:bodyPr/>
-          <a:lstStyle>
-            <a:extLst/>
-          </a:lstStyle>
+          <a:lstStyle/>
           <a:p>
             <a:fld id="{31E7C4D2-2F11-4011-AB4F-F84DBF4A0B01}" type="slidenum">
               <a:rPr lang="en-US" smtClean="0"/>
@@ -1560,6 +1083,11 @@
         </p:txBody>
       </p:sp>
     </p:spTree>
+    <p:extLst>
+      <p:ext uri="{BB962C8B-B14F-4D97-AF65-F5344CB8AC3E}">
+        <p14:creationId xmlns:p14="http://schemas.microsoft.com/office/powerpoint/2010/main" val="2272284777"/>
+      </p:ext>
+    </p:extLst>
   </p:cSld>
   <p:clrMapOvr>
     <a:masterClrMapping/>
@@ -1586,6 +1114,29 @@
       </p:grpSpPr>
       <p:sp>
         <p:nvSpPr>
+          <p:cNvPr id="2" name="Title 1"/>
+          <p:cNvSpPr>
+            <a:spLocks noGrp="1"/>
+          </p:cNvSpPr>
+          <p:nvPr>
+            <p:ph type="title"/>
+          </p:nvPr>
+        </p:nvSpPr>
+        <p:spPr/>
+        <p:txBody>
+          <a:bodyPr/>
+          <a:lstStyle/>
+          <a:p>
+            <a:r>
+              <a:rPr lang="en-US" smtClean="0"/>
+              <a:t>Click to edit Master title style</a:t>
+            </a:r>
+            <a:endParaRPr lang="en-US"/>
+          </a:p>
+        </p:txBody>
+      </p:sp>
+      <p:sp>
+        <p:nvSpPr>
           <p:cNvPr id="3" name="Content Placeholder 2"/>
           <p:cNvSpPr>
             <a:spLocks noGrp="1"/>
@@ -1597,44 +1148,42 @@
         <p:spPr/>
         <p:txBody>
           <a:bodyPr/>
-          <a:lstStyle>
-            <a:extLst/>
-          </a:lstStyle>
-          <a:p>
-            <a:pPr lvl="0" eaLnBrk="1" latinLnBrk="0" hangingPunct="1"/>
+          <a:lstStyle/>
+          <a:p>
+            <a:pPr lvl="0"/>
             <a:r>
               <a:rPr lang="en-US" smtClean="0"/>
               <a:t>Click to edit Master text styles</a:t>
             </a:r>
           </a:p>
           <a:p>
-            <a:pPr lvl="1" eaLnBrk="1" latinLnBrk="0" hangingPunct="1"/>
+            <a:pPr lvl="1"/>
             <a:r>
               <a:rPr lang="en-US" smtClean="0"/>
               <a:t>Second level</a:t>
             </a:r>
           </a:p>
           <a:p>
-            <a:pPr lvl="2" eaLnBrk="1" latinLnBrk="0" hangingPunct="1"/>
+            <a:pPr lvl="2"/>
             <a:r>
               <a:rPr lang="en-US" smtClean="0"/>
               <a:t>Third level</a:t>
             </a:r>
           </a:p>
           <a:p>
-            <a:pPr lvl="3" eaLnBrk="1" latinLnBrk="0" hangingPunct="1"/>
+            <a:pPr lvl="3"/>
             <a:r>
               <a:rPr lang="en-US" smtClean="0"/>
               <a:t>Fourth level</a:t>
             </a:r>
           </a:p>
           <a:p>
-            <a:pPr lvl="4" eaLnBrk="1" latinLnBrk="0" hangingPunct="1"/>
+            <a:pPr lvl="4"/>
             <a:r>
               <a:rPr lang="en-US" smtClean="0"/>
               <a:t>Fifth level</a:t>
             </a:r>
-            <a:endParaRPr kumimoji="0" lang="en-US"/>
+            <a:endParaRPr lang="en-US"/>
           </a:p>
         </p:txBody>
       </p:sp>
@@ -1651,14 +1200,12 @@
         <p:spPr/>
         <p:txBody>
           <a:bodyPr/>
-          <a:lstStyle>
-            <a:extLst/>
-          </a:lstStyle>
+          <a:lstStyle/>
           <a:p>
             <a:fld id="{D44EF097-511E-4A39-B887-743E45CBA906}" type="datetime1">
               <a:rPr lang="en-US" smtClean="0"/>
               <a:pPr/>
-              <a:t>8/16/2015</a:t>
+              <a:t>8/22/15</a:t>
             </a:fld>
             <a:endParaRPr lang="en-US"/>
           </a:p>
@@ -1677,9 +1224,7 @@
         <p:spPr/>
         <p:txBody>
           <a:bodyPr/>
-          <a:lstStyle>
-            <a:extLst/>
-          </a:lstStyle>
+          <a:lstStyle/>
           <a:p>
             <a:endParaRPr lang="en-US"/>
           </a:p>
@@ -1698,9 +1243,7 @@
         <p:spPr/>
         <p:txBody>
           <a:bodyPr/>
-          <a:lstStyle>
-            <a:extLst/>
-          </a:lstStyle>
+          <a:lstStyle/>
           <a:p>
             <a:fld id="{31E7C4D2-2F11-4011-AB4F-F84DBF4A0B01}" type="slidenum">
               <a:rPr lang="en-US" smtClean="0"/>
@@ -1711,32 +1254,12 @@
           </a:p>
         </p:txBody>
       </p:sp>
-      <p:sp>
-        <p:nvSpPr>
-          <p:cNvPr id="7" name="Title 6"/>
-          <p:cNvSpPr>
-            <a:spLocks noGrp="1"/>
-          </p:cNvSpPr>
-          <p:nvPr>
-            <p:ph type="title"/>
-          </p:nvPr>
-        </p:nvSpPr>
-        <p:spPr/>
-        <p:txBody>
-          <a:bodyPr rtlCol="0"/>
-          <a:lstStyle>
-            <a:extLst/>
-          </a:lstStyle>
-          <a:p>
-            <a:r>
-              <a:rPr kumimoji="0" lang="en-US" smtClean="0"/>
-              <a:t>Click to edit Master title style</a:t>
-            </a:r>
-            <a:endParaRPr kumimoji="0" lang="en-US"/>
-          </a:p>
-        </p:txBody>
-      </p:sp>
     </p:spTree>
+    <p:extLst>
+      <p:ext uri="{BB962C8B-B14F-4D97-AF65-F5344CB8AC3E}">
+        <p14:creationId xmlns:p14="http://schemas.microsoft.com/office/powerpoint/2010/main" val="1064413915"/>
+      </p:ext>
+    </p:extLst>
   </p:cSld>
   <p:clrMapOvr>
     <a:masterClrMapping/>
@@ -1747,11 +1270,6 @@
 <file path=ppt/slideLayouts/slideLayout3.xml><?xml version="1.0" encoding="utf-8"?>
 <p:sldLayout xmlns:a="http://schemas.openxmlformats.org/drawingml/2006/main" xmlns:r="http://schemas.openxmlformats.org/officeDocument/2006/relationships" xmlns:p="http://schemas.openxmlformats.org/presentationml/2006/main" type="secHead" preserve="1">
   <p:cSld name="Section Header">
-    <p:bg>
-      <p:bgRef idx="1002">
-        <a:schemeClr val="bg1"/>
-      </p:bgRef>
-    </p:bg>
     <p:spTree>
       <p:nvGrpSpPr>
         <p:cNvPr id="1" name=""/>
@@ -1778,42 +1296,23 @@
         </p:nvSpPr>
         <p:spPr>
           <a:xfrm>
-            <a:off x="722376" y="1059712"/>
-            <a:ext cx="7772400" cy="1828800"/>
+            <a:off x="722313" y="4406900"/>
+            <a:ext cx="7772400" cy="1362075"/>
           </a:xfrm>
         </p:spPr>
         <p:txBody>
-          <a:bodyPr vert="horz" anchor="b">
-            <a:normAutofit/>
-            <a:scene3d>
-              <a:camera prst="orthographicFront"/>
-              <a:lightRig rig="soft" dir="t"/>
-            </a:scene3d>
-            <a:sp3d prstMaterial="softEdge">
-              <a:bevelT w="25400" h="25400"/>
-            </a:sp3d>
-          </a:bodyPr>
+          <a:bodyPr anchor="t"/>
           <a:lstStyle>
-            <a:lvl1pPr algn="r">
-              <a:buNone/>
-              <a:defRPr sz="4800" b="1" cap="none" baseline="0">
-                <a:effectLst>
-                  <a:outerShdw blurRad="31750" dist="25400" dir="5400000" algn="tl" rotWithShape="0">
-                    <a:srgbClr val="000000">
-                      <a:alpha val="25000"/>
-                    </a:srgbClr>
-                  </a:outerShdw>
-                </a:effectLst>
-              </a:defRPr>
+            <a:lvl1pPr algn="l">
+              <a:defRPr sz="4000" b="1" cap="all"/>
             </a:lvl1pPr>
-            <a:extLst/>
           </a:lstStyle>
           <a:p>
             <a:r>
-              <a:rPr kumimoji="0" lang="en-US" smtClean="0"/>
+              <a:rPr lang="en-US" smtClean="0"/>
               <a:t>Click to edit Master title style</a:t>
             </a:r>
-            <a:endParaRPr kumimoji="0" lang="en-US"/>
+            <a:endParaRPr lang="en-US"/>
           </a:p>
         </p:txBody>
       </p:sp>
@@ -1829,22 +1328,24 @@
         </p:nvSpPr>
         <p:spPr>
           <a:xfrm>
-            <a:off x="3922713" y="2931712"/>
-            <a:ext cx="4572000" cy="1454888"/>
+            <a:off x="722313" y="2906713"/>
+            <a:ext cx="7772400" cy="1500187"/>
           </a:xfrm>
         </p:spPr>
         <p:txBody>
-          <a:bodyPr lIns="91440" rIns="91440" anchor="t"/>
+          <a:bodyPr anchor="b"/>
           <a:lstStyle>
-            <a:lvl1pPr marL="0" indent="0" algn="l">
+            <a:lvl1pPr marL="0" indent="0">
               <a:buNone/>
-              <a:defRPr sz="2300">
+              <a:defRPr sz="2000">
                 <a:solidFill>
-                  <a:schemeClr val="tx1"/>
+                  <a:schemeClr val="tx1">
+                    <a:tint val="75000"/>
+                  </a:schemeClr>
                 </a:solidFill>
               </a:defRPr>
             </a:lvl1pPr>
-            <a:lvl2pPr>
+            <a:lvl2pPr marL="457200" indent="0">
               <a:buNone/>
               <a:defRPr sz="1800">
                 <a:solidFill>
@@ -1854,7 +1355,7 @@
                 </a:solidFill>
               </a:defRPr>
             </a:lvl2pPr>
-            <a:lvl3pPr>
+            <a:lvl3pPr marL="914400" indent="0">
               <a:buNone/>
               <a:defRPr sz="1600">
                 <a:solidFill>
@@ -1864,7 +1365,7 @@
                 </a:solidFill>
               </a:defRPr>
             </a:lvl3pPr>
-            <a:lvl4pPr>
+            <a:lvl4pPr marL="1371600" indent="0">
               <a:buNone/>
               <a:defRPr sz="1400">
                 <a:solidFill>
@@ -1874,7 +1375,7 @@
                 </a:solidFill>
               </a:defRPr>
             </a:lvl4pPr>
-            <a:lvl5pPr>
+            <a:lvl5pPr marL="1828800" indent="0">
               <a:buNone/>
               <a:defRPr sz="1400">
                 <a:solidFill>
@@ -1884,12 +1385,51 @@
                 </a:solidFill>
               </a:defRPr>
             </a:lvl5pPr>
-            <a:extLst/>
+            <a:lvl6pPr marL="2286000" indent="0">
+              <a:buNone/>
+              <a:defRPr sz="1400">
+                <a:solidFill>
+                  <a:schemeClr val="tx1">
+                    <a:tint val="75000"/>
+                  </a:schemeClr>
+                </a:solidFill>
+              </a:defRPr>
+            </a:lvl6pPr>
+            <a:lvl7pPr marL="2743200" indent="0">
+              <a:buNone/>
+              <a:defRPr sz="1400">
+                <a:solidFill>
+                  <a:schemeClr val="tx1">
+                    <a:tint val="75000"/>
+                  </a:schemeClr>
+                </a:solidFill>
+              </a:defRPr>
+            </a:lvl7pPr>
+            <a:lvl8pPr marL="3200400" indent="0">
+              <a:buNone/>
+              <a:defRPr sz="1400">
+                <a:solidFill>
+                  <a:schemeClr val="tx1">
+                    <a:tint val="75000"/>
+                  </a:schemeClr>
+                </a:solidFill>
+              </a:defRPr>
+            </a:lvl8pPr>
+            <a:lvl9pPr marL="3657600" indent="0">
+              <a:buNone/>
+              <a:defRPr sz="1400">
+                <a:solidFill>
+                  <a:schemeClr val="tx1">
+                    <a:tint val="75000"/>
+                  </a:schemeClr>
+                </a:solidFill>
+              </a:defRPr>
+            </a:lvl9pPr>
           </a:lstStyle>
           <a:p>
-            <a:pPr lvl="0" eaLnBrk="1" latinLnBrk="0" hangingPunct="1"/>
-            <a:r>
-              <a:rPr kumimoji="0" lang="en-US" smtClean="0"/>
+            <a:pPr lvl="0"/>
+            <a:r>
+              <a:rPr lang="en-US" smtClean="0"/>
               <a:t>Click to edit Master text styles</a:t>
             </a:r>
           </a:p>
@@ -1908,14 +1448,12 @@
         <p:spPr/>
         <p:txBody>
           <a:bodyPr/>
-          <a:lstStyle>
-            <a:extLst/>
-          </a:lstStyle>
+          <a:lstStyle/>
           <a:p>
             <a:fld id="{70E85FCB-8524-42D5-A40A-2F99E5C3E7D8}" type="datetime1">
               <a:rPr lang="en-US" smtClean="0"/>
               <a:pPr/>
-              <a:t>8/16/2015</a:t>
+              <a:t>8/22/15</a:t>
             </a:fld>
             <a:endParaRPr lang="en-US"/>
           </a:p>
@@ -1934,9 +1472,7 @@
         <p:spPr/>
         <p:txBody>
           <a:bodyPr/>
-          <a:lstStyle>
-            <a:extLst/>
-          </a:lstStyle>
+          <a:lstStyle/>
           <a:p>
             <a:endParaRPr lang="en-US"/>
           </a:p>
@@ -1955,9 +1491,7 @@
         <p:spPr/>
         <p:txBody>
           <a:bodyPr/>
-          <a:lstStyle>
-            <a:extLst/>
-          </a:lstStyle>
+          <a:lstStyle/>
           <a:p>
             <a:fld id="{31E7C4D2-2F11-4011-AB4F-F84DBF4A0B01}" type="slidenum">
               <a:rPr lang="en-US" smtClean="0"/>
@@ -1968,170 +1502,15 @@
           </a:p>
         </p:txBody>
       </p:sp>
-      <p:sp>
-        <p:nvSpPr>
-          <p:cNvPr id="7" name="Chevron 6"/>
-          <p:cNvSpPr/>
-          <p:nvPr/>
-        </p:nvSpPr>
-        <p:spPr>
-          <a:xfrm>
-            <a:off x="3636680" y="3005472"/>
-            <a:ext cx="182880" cy="228600"/>
-          </a:xfrm>
-          <a:prstGeom prst="chevron">
-            <a:avLst>
-              <a:gd name="adj" fmla="val 50000"/>
-            </a:avLst>
-          </a:prstGeom>
-          <a:gradFill flip="none" rotWithShape="1">
-            <a:gsLst>
-              <a:gs pos="0">
-                <a:schemeClr val="accent1">
-                  <a:shade val="60000"/>
-                  <a:satMod val="125000"/>
-                </a:schemeClr>
-              </a:gs>
-              <a:gs pos="72000">
-                <a:schemeClr val="accent1">
-                  <a:tint val="90000"/>
-                  <a:satMod val="138000"/>
-                </a:schemeClr>
-              </a:gs>
-              <a:gs pos="100000">
-                <a:schemeClr val="accent1">
-                  <a:tint val="76000"/>
-                  <a:satMod val="136000"/>
-                </a:schemeClr>
-              </a:gs>
-            </a:gsLst>
-            <a:lin ang="16200000" scaled="0"/>
-          </a:gradFill>
-          <a:ln w="3175" cap="rnd" cmpd="sng" algn="ctr">
-            <a:solidFill>
-              <a:schemeClr val="accent1">
-                <a:shade val="50000"/>
-              </a:schemeClr>
-            </a:solidFill>
-            <a:prstDash val="solid"/>
-          </a:ln>
-          <a:effectLst>
-            <a:outerShdw blurRad="50800" dist="25400" dir="5400000">
-              <a:srgbClr val="000000">
-                <a:alpha val="46000"/>
-              </a:srgbClr>
-            </a:outerShdw>
-          </a:effectLst>
-        </p:spPr>
-        <p:style>
-          <a:lnRef idx="1">
-            <a:schemeClr val="accent1"/>
-          </a:lnRef>
-          <a:fillRef idx="3">
-            <a:schemeClr val="accent1"/>
-          </a:fillRef>
-          <a:effectRef idx="2">
-            <a:schemeClr val="accent1"/>
-          </a:effectRef>
-          <a:fontRef idx="minor">
-            <a:schemeClr val="lt1"/>
-          </a:fontRef>
-        </p:style>
-        <p:txBody>
-          <a:bodyPr anchor="ctr"/>
-          <a:lstStyle>
-            <a:extLst/>
-          </a:lstStyle>
-          <a:p>
-            <a:pPr algn="l" eaLnBrk="1" latinLnBrk="0" hangingPunct="1"/>
-            <a:endParaRPr kumimoji="0" lang="en-US"/>
-          </a:p>
-        </p:txBody>
-      </p:sp>
-      <p:sp>
-        <p:nvSpPr>
-          <p:cNvPr id="8" name="Chevron 7"/>
-          <p:cNvSpPr/>
-          <p:nvPr/>
-        </p:nvSpPr>
-        <p:spPr>
-          <a:xfrm>
-            <a:off x="3450264" y="3005472"/>
-            <a:ext cx="182880" cy="228600"/>
-          </a:xfrm>
-          <a:prstGeom prst="chevron">
-            <a:avLst>
-              <a:gd name="adj" fmla="val 50000"/>
-            </a:avLst>
-          </a:prstGeom>
-          <a:gradFill flip="none" rotWithShape="1">
-            <a:gsLst>
-              <a:gs pos="0">
-                <a:schemeClr val="accent1">
-                  <a:shade val="60000"/>
-                  <a:satMod val="125000"/>
-                </a:schemeClr>
-              </a:gs>
-              <a:gs pos="72000">
-                <a:schemeClr val="accent1">
-                  <a:tint val="90000"/>
-                  <a:satMod val="138000"/>
-                </a:schemeClr>
-              </a:gs>
-              <a:gs pos="100000">
-                <a:schemeClr val="accent1">
-                  <a:tint val="76000"/>
-                  <a:satMod val="136000"/>
-                </a:schemeClr>
-              </a:gs>
-            </a:gsLst>
-            <a:lin ang="16200000" scaled="0"/>
-          </a:gradFill>
-          <a:ln w="3175" cap="rnd" cmpd="sng" algn="ctr">
-            <a:solidFill>
-              <a:schemeClr val="accent1">
-                <a:shade val="50000"/>
-              </a:schemeClr>
-            </a:solidFill>
-            <a:prstDash val="solid"/>
-          </a:ln>
-          <a:effectLst>
-            <a:outerShdw blurRad="50800" dist="25400" dir="5400000">
-              <a:srgbClr val="000000">
-                <a:alpha val="46000"/>
-              </a:srgbClr>
-            </a:outerShdw>
-          </a:effectLst>
-        </p:spPr>
-        <p:style>
-          <a:lnRef idx="1">
-            <a:schemeClr val="accent1"/>
-          </a:lnRef>
-          <a:fillRef idx="3">
-            <a:schemeClr val="accent1"/>
-          </a:fillRef>
-          <a:effectRef idx="2">
-            <a:schemeClr val="accent1"/>
-          </a:effectRef>
-          <a:fontRef idx="minor">
-            <a:schemeClr val="lt1"/>
-          </a:fontRef>
-        </p:style>
-        <p:txBody>
-          <a:bodyPr anchor="ctr"/>
-          <a:lstStyle>
-            <a:extLst/>
-          </a:lstStyle>
-          <a:p>
-            <a:pPr algn="l" eaLnBrk="1" latinLnBrk="0" hangingPunct="1"/>
-            <a:endParaRPr kumimoji="0" lang="en-US"/>
-          </a:p>
-        </p:txBody>
-      </p:sp>
     </p:spTree>
+    <p:extLst>
+      <p:ext uri="{BB962C8B-B14F-4D97-AF65-F5344CB8AC3E}">
+        <p14:creationId xmlns:p14="http://schemas.microsoft.com/office/powerpoint/2010/main" val="313605071"/>
+      </p:ext>
+    </p:extLst>
   </p:cSld>
   <p:clrMapOvr>
-    <a:overrideClrMapping bg1="dk1" tx1="lt1" bg2="dk2" tx2="lt2" accent1="accent1" accent2="accent2" accent3="accent3" accent4="accent4" accent5="accent5" accent6="accent6" hlink="hlink" folHlink="folHlink"/>
+    <a:masterClrMapping/>
   </p:clrMapOvr>
 </p:sldLayout>
 </file>
@@ -2139,11 +1518,6 @@
 <file path=ppt/slideLayouts/slideLayout4.xml><?xml version="1.0" encoding="utf-8"?>
 <p:sldLayout xmlns:a="http://schemas.openxmlformats.org/drawingml/2006/main" xmlns:r="http://schemas.openxmlformats.org/officeDocument/2006/relationships" xmlns:p="http://schemas.openxmlformats.org/presentationml/2006/main" type="twoObj" preserve="1">
   <p:cSld name="Two Content">
-    <p:bg>
-      <p:bgRef idx="1002">
-        <a:schemeClr val="bg1"/>
-      </p:bgRef>
-    </p:bg>
     <p:spTree>
       <p:nvGrpSpPr>
         <p:cNvPr id="1" name=""/>
@@ -2160,6 +1534,29 @@
       </p:grpSpPr>
       <p:sp>
         <p:nvSpPr>
+          <p:cNvPr id="2" name="Title 1"/>
+          <p:cNvSpPr>
+            <a:spLocks noGrp="1"/>
+          </p:cNvSpPr>
+          <p:nvPr>
+            <p:ph type="title"/>
+          </p:nvPr>
+        </p:nvSpPr>
+        <p:spPr/>
+        <p:txBody>
+          <a:bodyPr/>
+          <a:lstStyle/>
+          <a:p>
+            <a:r>
+              <a:rPr lang="en-US" smtClean="0"/>
+              <a:t>Click to edit Master title style</a:t>
+            </a:r>
+            <a:endParaRPr lang="en-US"/>
+          </a:p>
+        </p:txBody>
+      </p:sp>
+      <p:sp>
+        <p:nvSpPr>
           <p:cNvPr id="3" name="Content Placeholder 2"/>
           <p:cNvSpPr>
             <a:spLocks noGrp="1"/>
@@ -2170,7 +1567,7 @@
         </p:nvSpPr>
         <p:spPr>
           <a:xfrm>
-            <a:off x="457200" y="1481328"/>
+            <a:off x="457200" y="1600200"/>
             <a:ext cx="4038600" cy="4525963"/>
           </a:xfrm>
         </p:spPr>
@@ -2192,43 +1589,54 @@
             <a:lvl5pPr>
               <a:defRPr sz="1800"/>
             </a:lvl5pPr>
-            <a:extLst/>
+            <a:lvl6pPr>
+              <a:defRPr sz="1800"/>
+            </a:lvl6pPr>
+            <a:lvl7pPr>
+              <a:defRPr sz="1800"/>
+            </a:lvl7pPr>
+            <a:lvl8pPr>
+              <a:defRPr sz="1800"/>
+            </a:lvl8pPr>
+            <a:lvl9pPr>
+              <a:defRPr sz="1800"/>
+            </a:lvl9pPr>
           </a:lstStyle>
           <a:p>
-            <a:pPr lvl="0" eaLnBrk="1" latinLnBrk="0" hangingPunct="1"/>
+            <a:pPr lvl="0"/>
             <a:r>
               <a:rPr lang="en-US" smtClean="0"/>
               <a:t>Click to edit Master text styles</a:t>
             </a:r>
           </a:p>
           <a:p>
-            <a:pPr lvl="1" eaLnBrk="1" latinLnBrk="0" hangingPunct="1"/>
+            <a:pPr lvl="1"/>
             <a:r>
               <a:rPr lang="en-US" smtClean="0"/>
               <a:t>Second level</a:t>
             </a:r>
           </a:p>
           <a:p>
-            <a:pPr lvl="2" eaLnBrk="1" latinLnBrk="0" hangingPunct="1"/>
+            <a:pPr lvl="2"/>
             <a:r>
               <a:rPr lang="en-US" smtClean="0"/>
               <a:t>Third level</a:t>
             </a:r>
           </a:p>
           <a:p>
-            <a:pPr lvl="3" eaLnBrk="1" latinLnBrk="0" hangingPunct="1"/>
+            <a:pPr lvl="3"/>
             <a:r>
               <a:rPr lang="en-US" smtClean="0"/>
               <a:t>Fourth level</a:t>
             </a:r>
           </a:p>
           <a:p>
-            <a:pPr lvl="4" eaLnBrk="1" latinLnBrk="0" hangingPunct="1"/>
+            <a:pPr lvl="4"/>
             <a:r>
               <a:rPr lang="en-US" smtClean="0"/>
               <a:t>Fifth level</a:t>
             </a:r>
-            <a:endParaRPr kumimoji="0" lang="en-US"/>
+            <a:endParaRPr lang="en-US"/>
           </a:p>
         </p:txBody>
       </p:sp>
@@ -2244,7 +1652,7 @@
         </p:nvSpPr>
         <p:spPr>
           <a:xfrm>
-            <a:off x="4648200" y="1481328"/>
+            <a:off x="4648200" y="1600200"/>
             <a:ext cx="4038600" cy="4525963"/>
           </a:xfrm>
         </p:spPr>
@@ -2266,43 +1674,54 @@
             <a:lvl5pPr>
               <a:defRPr sz="1800"/>
             </a:lvl5pPr>
-            <a:extLst/>
+            <a:lvl6pPr>
+              <a:defRPr sz="1800"/>
+            </a:lvl6pPr>
+            <a:lvl7pPr>
+              <a:defRPr sz="1800"/>
+            </a:lvl7pPr>
+            <a:lvl8pPr>
+              <a:defRPr sz="1800"/>
+            </a:lvl8pPr>
+            <a:lvl9pPr>
+              <a:defRPr sz="1800"/>
+            </a:lvl9pPr>
           </a:lstStyle>
           <a:p>
-            <a:pPr lvl="0" eaLnBrk="1" latinLnBrk="0" hangingPunct="1"/>
+            <a:pPr lvl="0"/>
             <a:r>
               <a:rPr lang="en-US" smtClean="0"/>
               <a:t>Click to edit Master text styles</a:t>
             </a:r>
           </a:p>
           <a:p>
-            <a:pPr lvl="1" eaLnBrk="1" latinLnBrk="0" hangingPunct="1"/>
+            <a:pPr lvl="1"/>
             <a:r>
               <a:rPr lang="en-US" smtClean="0"/>
               <a:t>Second level</a:t>
             </a:r>
           </a:p>
           <a:p>
-            <a:pPr lvl="2" eaLnBrk="1" latinLnBrk="0" hangingPunct="1"/>
+            <a:pPr lvl="2"/>
             <a:r>
               <a:rPr lang="en-US" smtClean="0"/>
               <a:t>Third level</a:t>
             </a:r>
           </a:p>
           <a:p>
-            <a:pPr lvl="3" eaLnBrk="1" latinLnBrk="0" hangingPunct="1"/>
+            <a:pPr lvl="3"/>
             <a:r>
               <a:rPr lang="en-US" smtClean="0"/>
               <a:t>Fourth level</a:t>
             </a:r>
           </a:p>
           <a:p>
-            <a:pPr lvl="4" eaLnBrk="1" latinLnBrk="0" hangingPunct="1"/>
+            <a:pPr lvl="4"/>
             <a:r>
               <a:rPr lang="en-US" smtClean="0"/>
               <a:t>Fifth level</a:t>
             </a:r>
-            <a:endParaRPr kumimoji="0" lang="en-US"/>
+            <a:endParaRPr lang="en-US"/>
           </a:p>
         </p:txBody>
       </p:sp>
@@ -2319,14 +1738,12 @@
         <p:spPr/>
         <p:txBody>
           <a:bodyPr/>
-          <a:lstStyle>
-            <a:extLst/>
-          </a:lstStyle>
+          <a:lstStyle/>
           <a:p>
             <a:fld id="{633E977D-637B-4096-B936-E1A637334F64}" type="datetime1">
               <a:rPr lang="en-US" smtClean="0"/>
               <a:pPr/>
-              <a:t>8/16/2015</a:t>
+              <a:t>8/22/15</a:t>
             </a:fld>
             <a:endParaRPr lang="en-US"/>
           </a:p>
@@ -2345,9 +1762,7 @@
         <p:spPr/>
         <p:txBody>
           <a:bodyPr/>
-          <a:lstStyle>
-            <a:extLst/>
-          </a:lstStyle>
+          <a:lstStyle/>
           <a:p>
             <a:endParaRPr lang="en-US"/>
           </a:p>
@@ -2366,9 +1781,7 @@
         <p:spPr/>
         <p:txBody>
           <a:bodyPr/>
-          <a:lstStyle>
-            <a:extLst/>
-          </a:lstStyle>
+          <a:lstStyle/>
           <a:p>
             <a:fld id="{31E7C4D2-2F11-4011-AB4F-F84DBF4A0B01}" type="slidenum">
               <a:rPr lang="en-US" smtClean="0"/>
@@ -2379,47 +1792,22 @@
           </a:p>
         </p:txBody>
       </p:sp>
-      <p:sp>
-        <p:nvSpPr>
-          <p:cNvPr id="8" name="Title 7"/>
-          <p:cNvSpPr>
-            <a:spLocks noGrp="1"/>
-          </p:cNvSpPr>
-          <p:nvPr>
-            <p:ph type="title"/>
-          </p:nvPr>
-        </p:nvSpPr>
-        <p:spPr/>
-        <p:txBody>
-          <a:bodyPr rtlCol="0"/>
-          <a:lstStyle>
-            <a:extLst/>
-          </a:lstStyle>
-          <a:p>
-            <a:r>
-              <a:rPr kumimoji="0" lang="en-US" smtClean="0"/>
-              <a:t>Click to edit Master title style</a:t>
-            </a:r>
-            <a:endParaRPr kumimoji="0" lang="en-US"/>
-          </a:p>
-        </p:txBody>
-      </p:sp>
     </p:spTree>
+    <p:extLst>
+      <p:ext uri="{BB962C8B-B14F-4D97-AF65-F5344CB8AC3E}">
+        <p14:creationId xmlns:p14="http://schemas.microsoft.com/office/powerpoint/2010/main" val="1949657269"/>
+      </p:ext>
+    </p:extLst>
   </p:cSld>
   <p:clrMapOvr>
-    <a:overrideClrMapping bg1="dk1" tx1="lt1" bg2="dk2" tx2="lt2" accent1="accent1" accent2="accent2" accent3="accent3" accent4="accent4" accent5="accent5" accent6="accent6" hlink="hlink" folHlink="folHlink"/>
+    <a:masterClrMapping/>
   </p:clrMapOvr>
 </p:sldLayout>
 </file>
 
 <file path=ppt/slideLayouts/slideLayout5.xml><?xml version="1.0" encoding="utf-8"?>
-<p:sldLayout xmlns:a="http://schemas.openxmlformats.org/drawingml/2006/main" xmlns:r="http://schemas.openxmlformats.org/officeDocument/2006/relationships" xmlns:p="http://schemas.openxmlformats.org/presentationml/2006/main" showMasterSp="0" type="twoTxTwoObj" preserve="1">
+<p:sldLayout xmlns:a="http://schemas.openxmlformats.org/drawingml/2006/main" xmlns:r="http://schemas.openxmlformats.org/officeDocument/2006/relationships" xmlns:p="http://schemas.openxmlformats.org/presentationml/2006/main" type="twoTxTwoObj" preserve="1">
   <p:cSld name="Comparison">
-    <p:bg>
-      <p:bgRef idx="1003">
-        <a:schemeClr val="bg1"/>
-      </p:bgRef>
-    </p:bg>
     <p:spTree>
       <p:nvGrpSpPr>
         <p:cNvPr id="1" name=""/>
@@ -2444,26 +1832,20 @@
             <p:ph type="title"/>
           </p:nvPr>
         </p:nvSpPr>
-        <p:spPr>
-          <a:xfrm>
-            <a:off x="457200" y="273050"/>
-            <a:ext cx="8229600" cy="1143000"/>
-          </a:xfrm>
-        </p:spPr>
-        <p:txBody>
-          <a:bodyPr anchor="ctr"/>
+        <p:spPr/>
+        <p:txBody>
+          <a:bodyPr/>
           <a:lstStyle>
             <a:lvl1pPr>
               <a:defRPr/>
             </a:lvl1pPr>
-            <a:extLst/>
           </a:lstStyle>
           <a:p>
             <a:r>
-              <a:rPr kumimoji="0" lang="en-US" smtClean="0"/>
+              <a:rPr lang="en-US" smtClean="0"/>
               <a:t>Click to edit Master title style</a:t>
             </a:r>
-            <a:endParaRPr kumimoji="0" lang="en-US"/>
+            <a:endParaRPr lang="en-US"/>
           </a:p>
         </p:txBody>
       </p:sp>
@@ -2479,52 +1861,54 @@
         </p:nvSpPr>
         <p:spPr>
           <a:xfrm>
-            <a:off x="457200" y="5410200"/>
-            <a:ext cx="4040188" cy="762000"/>
+            <a:off x="457200" y="1535113"/>
+            <a:ext cx="4040188" cy="639762"/>
           </a:xfrm>
-          <a:solidFill>
-            <a:schemeClr val="accent1"/>
-          </a:solidFill>
-          <a:ln w="9652">
-            <a:solidFill>
-              <a:schemeClr val="accent1"/>
-            </a:solidFill>
-            <a:miter lim="800000"/>
-          </a:ln>
         </p:spPr>
         <p:txBody>
-          <a:bodyPr lIns="182880" anchor="ctr"/>
+          <a:bodyPr anchor="b"/>
           <a:lstStyle>
             <a:lvl1pPr marL="0" indent="0">
               <a:buNone/>
-              <a:defRPr sz="2400" b="0">
-                <a:solidFill>
-                  <a:schemeClr val="bg1"/>
-                </a:solidFill>
-              </a:defRPr>
+              <a:defRPr sz="2400" b="1"/>
             </a:lvl1pPr>
-            <a:lvl2pPr>
+            <a:lvl2pPr marL="457200" indent="0">
               <a:buNone/>
               <a:defRPr sz="2000" b="1"/>
             </a:lvl2pPr>
-            <a:lvl3pPr>
+            <a:lvl3pPr marL="914400" indent="0">
               <a:buNone/>
               <a:defRPr sz="1800" b="1"/>
             </a:lvl3pPr>
-            <a:lvl4pPr>
+            <a:lvl4pPr marL="1371600" indent="0">
               <a:buNone/>
               <a:defRPr sz="1600" b="1"/>
             </a:lvl4pPr>
-            <a:lvl5pPr>
+            <a:lvl5pPr marL="1828800" indent="0">
               <a:buNone/>
               <a:defRPr sz="1600" b="1"/>
             </a:lvl5pPr>
-            <a:extLst/>
+            <a:lvl6pPr marL="2286000" indent="0">
+              <a:buNone/>
+              <a:defRPr sz="1600" b="1"/>
+            </a:lvl6pPr>
+            <a:lvl7pPr marL="2743200" indent="0">
+              <a:buNone/>
+              <a:defRPr sz="1600" b="1"/>
+            </a:lvl7pPr>
+            <a:lvl8pPr marL="3200400" indent="0">
+              <a:buNone/>
+              <a:defRPr sz="1600" b="1"/>
+            </a:lvl8pPr>
+            <a:lvl9pPr marL="3657600" indent="0">
+              <a:buNone/>
+              <a:defRPr sz="1600" b="1"/>
+            </a:lvl9pPr>
           </a:lstStyle>
           <a:p>
-            <a:pPr lvl="0" eaLnBrk="1" latinLnBrk="0" hangingPunct="1"/>
-            <a:r>
-              <a:rPr kumimoji="0" lang="en-US" smtClean="0"/>
+            <a:pPr lvl="0"/>
+            <a:r>
+              <a:rPr lang="en-US" smtClean="0"/>
               <a:t>Click to edit Master text styles</a:t>
             </a:r>
           </a:p>
@@ -2532,87 +1916,19 @@
       </p:sp>
       <p:sp>
         <p:nvSpPr>
-          <p:cNvPr id="4" name="Text Placeholder 3"/>
-          <p:cNvSpPr>
-            <a:spLocks noGrp="1"/>
-          </p:cNvSpPr>
-          <p:nvPr>
-            <p:ph type="body" sz="half" idx="3"/>
+          <p:cNvPr id="4" name="Content Placeholder 3"/>
+          <p:cNvSpPr>
+            <a:spLocks noGrp="1"/>
+          </p:cNvSpPr>
+          <p:nvPr>
+            <p:ph sz="half" idx="2"/>
           </p:nvPr>
         </p:nvSpPr>
         <p:spPr>
           <a:xfrm>
-            <a:off x="4645026" y="5410200"/>
-            <a:ext cx="4041775" cy="762000"/>
+            <a:off x="457200" y="2174875"/>
+            <a:ext cx="4040188" cy="3951288"/>
           </a:xfrm>
-          <a:solidFill>
-            <a:schemeClr val="accent1"/>
-          </a:solidFill>
-          <a:ln w="9652">
-            <a:solidFill>
-              <a:schemeClr val="accent1"/>
-            </a:solidFill>
-            <a:miter lim="800000"/>
-          </a:ln>
-        </p:spPr>
-        <p:txBody>
-          <a:bodyPr lIns="182880" anchor="ctr"/>
-          <a:lstStyle>
-            <a:lvl1pPr marL="0" indent="0">
-              <a:buNone/>
-              <a:defRPr sz="2400" b="0">
-                <a:solidFill>
-                  <a:schemeClr val="bg1"/>
-                </a:solidFill>
-              </a:defRPr>
-            </a:lvl1pPr>
-            <a:lvl2pPr>
-              <a:buNone/>
-              <a:defRPr sz="2000" b="1"/>
-            </a:lvl2pPr>
-            <a:lvl3pPr>
-              <a:buNone/>
-              <a:defRPr sz="1800" b="1"/>
-            </a:lvl3pPr>
-            <a:lvl4pPr>
-              <a:buNone/>
-              <a:defRPr sz="1600" b="1"/>
-            </a:lvl4pPr>
-            <a:lvl5pPr>
-              <a:buNone/>
-              <a:defRPr sz="1600" b="1"/>
-            </a:lvl5pPr>
-            <a:extLst/>
-          </a:lstStyle>
-          <a:p>
-            <a:pPr lvl="0" eaLnBrk="1" latinLnBrk="0" hangingPunct="1"/>
-            <a:r>
-              <a:rPr kumimoji="0" lang="en-US" smtClean="0"/>
-              <a:t>Click to edit Master text styles</a:t>
-            </a:r>
-          </a:p>
-        </p:txBody>
-      </p:sp>
-      <p:sp>
-        <p:nvSpPr>
-          <p:cNvPr id="5" name="Content Placeholder 4"/>
-          <p:cNvSpPr>
-            <a:spLocks noGrp="1"/>
-          </p:cNvSpPr>
-          <p:nvPr>
-            <p:ph sz="quarter" idx="2"/>
-          </p:nvPr>
-        </p:nvSpPr>
-        <p:spPr>
-          <a:xfrm>
-            <a:off x="457200" y="1444294"/>
-            <a:ext cx="4040188" cy="3941763"/>
-          </a:xfrm>
-          <a:ln>
-            <a:noFill/>
-            <a:prstDash val="sysDash"/>
-            <a:miter lim="800000"/>
-          </a:ln>
         </p:spPr>
         <p:txBody>
           <a:bodyPr/>
@@ -2632,74 +1948,142 @@
             <a:lvl5pPr>
               <a:defRPr sz="1600"/>
             </a:lvl5pPr>
-            <a:extLst/>
+            <a:lvl6pPr>
+              <a:defRPr sz="1600"/>
+            </a:lvl6pPr>
+            <a:lvl7pPr>
+              <a:defRPr sz="1600"/>
+            </a:lvl7pPr>
+            <a:lvl8pPr>
+              <a:defRPr sz="1600"/>
+            </a:lvl8pPr>
+            <a:lvl9pPr>
+              <a:defRPr sz="1600"/>
+            </a:lvl9pPr>
           </a:lstStyle>
           <a:p>
-            <a:pPr lvl="0" eaLnBrk="1" latinLnBrk="0" hangingPunct="1"/>
+            <a:pPr lvl="0"/>
             <a:r>
               <a:rPr lang="en-US" smtClean="0"/>
               <a:t>Click to edit Master text styles</a:t>
             </a:r>
           </a:p>
           <a:p>
-            <a:pPr lvl="1" eaLnBrk="1" latinLnBrk="0" hangingPunct="1"/>
+            <a:pPr lvl="1"/>
             <a:r>
               <a:rPr lang="en-US" smtClean="0"/>
               <a:t>Second level</a:t>
             </a:r>
           </a:p>
           <a:p>
-            <a:pPr lvl="2" eaLnBrk="1" latinLnBrk="0" hangingPunct="1"/>
+            <a:pPr lvl="2"/>
             <a:r>
               <a:rPr lang="en-US" smtClean="0"/>
               <a:t>Third level</a:t>
             </a:r>
           </a:p>
           <a:p>
-            <a:pPr lvl="3" eaLnBrk="1" latinLnBrk="0" hangingPunct="1"/>
+            <a:pPr lvl="3"/>
             <a:r>
               <a:rPr lang="en-US" smtClean="0"/>
               <a:t>Fourth level</a:t>
             </a:r>
           </a:p>
           <a:p>
-            <a:pPr lvl="4" eaLnBrk="1" latinLnBrk="0" hangingPunct="1"/>
+            <a:pPr lvl="4"/>
             <a:r>
               <a:rPr lang="en-US" smtClean="0"/>
               <a:t>Fifth level</a:t>
             </a:r>
-            <a:endParaRPr kumimoji="0" lang="en-US"/>
-          </a:p>
-        </p:txBody>
-      </p:sp>
-      <p:sp>
-        <p:nvSpPr>
-          <p:cNvPr id="6" name="Content Placeholder 5"/>
-          <p:cNvSpPr>
-            <a:spLocks noGrp="1"/>
-          </p:cNvSpPr>
-          <p:nvPr>
-            <p:ph sz="quarter" idx="4"/>
+            <a:endParaRPr lang="en-US"/>
+          </a:p>
+        </p:txBody>
+      </p:sp>
+      <p:sp>
+        <p:nvSpPr>
+          <p:cNvPr id="5" name="Text Placeholder 4"/>
+          <p:cNvSpPr>
+            <a:spLocks noGrp="1"/>
+          </p:cNvSpPr>
+          <p:nvPr>
+            <p:ph type="body" sz="quarter" idx="3"/>
           </p:nvPr>
         </p:nvSpPr>
         <p:spPr>
           <a:xfrm>
-            <a:off x="4645025" y="1444294"/>
-            <a:ext cx="4041775" cy="3941763"/>
+            <a:off x="4645025" y="1535113"/>
+            <a:ext cx="4041775" cy="639762"/>
           </a:xfrm>
-          <a:ln>
-            <a:noFill/>
-            <a:prstDash val="sysDash"/>
-            <a:miter lim="800000"/>
-          </a:ln>
+        </p:spPr>
+        <p:txBody>
+          <a:bodyPr anchor="b"/>
+          <a:lstStyle>
+            <a:lvl1pPr marL="0" indent="0">
+              <a:buNone/>
+              <a:defRPr sz="2400" b="1"/>
+            </a:lvl1pPr>
+            <a:lvl2pPr marL="457200" indent="0">
+              <a:buNone/>
+              <a:defRPr sz="2000" b="1"/>
+            </a:lvl2pPr>
+            <a:lvl3pPr marL="914400" indent="0">
+              <a:buNone/>
+              <a:defRPr sz="1800" b="1"/>
+            </a:lvl3pPr>
+            <a:lvl4pPr marL="1371600" indent="0">
+              <a:buNone/>
+              <a:defRPr sz="1600" b="1"/>
+            </a:lvl4pPr>
+            <a:lvl5pPr marL="1828800" indent="0">
+              <a:buNone/>
+              <a:defRPr sz="1600" b="1"/>
+            </a:lvl5pPr>
+            <a:lvl6pPr marL="2286000" indent="0">
+              <a:buNone/>
+              <a:defRPr sz="1600" b="1"/>
+            </a:lvl6pPr>
+            <a:lvl7pPr marL="2743200" indent="0">
+              <a:buNone/>
+              <a:defRPr sz="1600" b="1"/>
+            </a:lvl7pPr>
+            <a:lvl8pPr marL="3200400" indent="0">
+              <a:buNone/>
+              <a:defRPr sz="1600" b="1"/>
+            </a:lvl8pPr>
+            <a:lvl9pPr marL="3657600" indent="0">
+              <a:buNone/>
+              <a:defRPr sz="1600" b="1"/>
+            </a:lvl9pPr>
+          </a:lstStyle>
+          <a:p>
+            <a:pPr lvl="0"/>
+            <a:r>
+              <a:rPr lang="en-US" smtClean="0"/>
+              <a:t>Click to edit Master text styles</a:t>
+            </a:r>
+          </a:p>
+        </p:txBody>
+      </p:sp>
+      <p:sp>
+        <p:nvSpPr>
+          <p:cNvPr id="6" name="Content Placeholder 5"/>
+          <p:cNvSpPr>
+            <a:spLocks noGrp="1"/>
+          </p:cNvSpPr>
+          <p:nvPr>
+            <p:ph sz="quarter" idx="4"/>
+          </p:nvPr>
+        </p:nvSpPr>
+        <p:spPr>
+          <a:xfrm>
+            <a:off x="4645025" y="2174875"/>
+            <a:ext cx="4041775" cy="3951288"/>
+          </a:xfrm>
         </p:spPr>
         <p:txBody>
           <a:bodyPr/>
           <a:lstStyle>
             <a:lvl1pPr>
-              <a:spcBef>
-                <a:spcPts val="0"/>
-              </a:spcBef>
               <a:defRPr sz="2400"/>
             </a:lvl1pPr>
             <a:lvl2pPr>
@@ -2714,43 +2098,54 @@
             <a:lvl5pPr>
               <a:defRPr sz="1600"/>
             </a:lvl5pPr>
-            <a:extLst/>
+            <a:lvl6pPr>
+              <a:defRPr sz="1600"/>
+            </a:lvl6pPr>
+            <a:lvl7pPr>
+              <a:defRPr sz="1600"/>
+            </a:lvl7pPr>
+            <a:lvl8pPr>
+              <a:defRPr sz="1600"/>
+            </a:lvl8pPr>
+            <a:lvl9pPr>
+              <a:defRPr sz="1600"/>
+            </a:lvl9pPr>
           </a:lstStyle>
           <a:p>
-            <a:pPr lvl="0" eaLnBrk="1" latinLnBrk="0" hangingPunct="1"/>
+            <a:pPr lvl="0"/>
             <a:r>
               <a:rPr lang="en-US" smtClean="0"/>
               <a:t>Click to edit Master text styles</a:t>
             </a:r>
           </a:p>
           <a:p>
-            <a:pPr lvl="1" eaLnBrk="1" latinLnBrk="0" hangingPunct="1"/>
+            <a:pPr lvl="1"/>
             <a:r>
               <a:rPr lang="en-US" smtClean="0"/>
               <a:t>Second level</a:t>
             </a:r>
           </a:p>
           <a:p>
-            <a:pPr lvl="2" eaLnBrk="1" latinLnBrk="0" hangingPunct="1"/>
+            <a:pPr lvl="2"/>
             <a:r>
               <a:rPr lang="en-US" smtClean="0"/>
               <a:t>Third level</a:t>
             </a:r>
           </a:p>
           <a:p>
-            <a:pPr lvl="3" eaLnBrk="1" latinLnBrk="0" hangingPunct="1"/>
+            <a:pPr lvl="3"/>
             <a:r>
               <a:rPr lang="en-US" smtClean="0"/>
               <a:t>Fourth level</a:t>
             </a:r>
           </a:p>
           <a:p>
-            <a:pPr lvl="4" eaLnBrk="1" latinLnBrk="0" hangingPunct="1"/>
+            <a:pPr lvl="4"/>
             <a:r>
               <a:rPr lang="en-US" smtClean="0"/>
               <a:t>Fifth level</a:t>
             </a:r>
-            <a:endParaRPr kumimoji="0" lang="en-US"/>
+            <a:endParaRPr lang="en-US"/>
           </a:p>
         </p:txBody>
       </p:sp>
@@ -2767,14 +2162,12 @@
         <p:spPr/>
         <p:txBody>
           <a:bodyPr/>
-          <a:lstStyle>
-            <a:extLst/>
-          </a:lstStyle>
+          <a:lstStyle/>
           <a:p>
             <a:fld id="{F3F823A3-1EC4-48DF-BAAF-ED1C7A85F0D2}" type="datetime1">
               <a:rPr lang="en-US" smtClean="0"/>
               <a:pPr/>
-              <a:t>8/16/2015</a:t>
+              <a:t>8/22/15</a:t>
             </a:fld>
             <a:endParaRPr lang="en-US"/>
           </a:p>
@@ -2793,9 +2186,7 @@
         <p:spPr/>
         <p:txBody>
           <a:bodyPr/>
-          <a:lstStyle>
-            <a:extLst/>
-          </a:lstStyle>
+          <a:lstStyle/>
           <a:p>
             <a:endParaRPr lang="en-US"/>
           </a:p>
@@ -2814,9 +2205,7 @@
         <p:spPr/>
         <p:txBody>
           <a:bodyPr/>
-          <a:lstStyle>
-            <a:extLst/>
-          </a:lstStyle>
+          <a:lstStyle/>
           <a:p>
             <a:fld id="{31E7C4D2-2F11-4011-AB4F-F84DBF4A0B01}" type="slidenum">
               <a:rPr lang="en-US" smtClean="0"/>
@@ -2828,9 +2217,14 @@
         </p:txBody>
       </p:sp>
     </p:spTree>
+    <p:extLst>
+      <p:ext uri="{BB962C8B-B14F-4D97-AF65-F5344CB8AC3E}">
+        <p14:creationId xmlns:p14="http://schemas.microsoft.com/office/powerpoint/2010/main" val="1555060986"/>
+      </p:ext>
+    </p:extLst>
   </p:cSld>
   <p:clrMapOvr>
-    <a:overrideClrMapping bg1="lt1" tx1="dk1" bg2="lt2" tx2="dk2" accent1="accent1" accent2="accent2" accent3="accent3" accent4="accent4" accent5="accent5" accent6="accent6" hlink="hlink" folHlink="folHlink"/>
+    <a:masterClrMapping/>
   </p:clrMapOvr>
 </p:sldLayout>
 </file>
@@ -2838,11 +2232,6 @@
 <file path=ppt/slideLayouts/slideLayout6.xml><?xml version="1.0" encoding="utf-8"?>
 <p:sldLayout xmlns:a="http://schemas.openxmlformats.org/drawingml/2006/main" xmlns:r="http://schemas.openxmlformats.org/officeDocument/2006/relationships" xmlns:p="http://schemas.openxmlformats.org/presentationml/2006/main" type="titleOnly" preserve="1">
   <p:cSld name="Title Only">
-    <p:bg>
-      <p:bgRef idx="1002">
-        <a:schemeClr val="bg1"/>
-      </p:bgRef>
-    </p:bg>
     <p:spTree>
       <p:nvGrpSpPr>
         <p:cNvPr id="1" name=""/>
@@ -2859,6 +2248,29 @@
       </p:grpSpPr>
       <p:sp>
         <p:nvSpPr>
+          <p:cNvPr id="2" name="Title 1"/>
+          <p:cNvSpPr>
+            <a:spLocks noGrp="1"/>
+          </p:cNvSpPr>
+          <p:nvPr>
+            <p:ph type="title"/>
+          </p:nvPr>
+        </p:nvSpPr>
+        <p:spPr/>
+        <p:txBody>
+          <a:bodyPr/>
+          <a:lstStyle/>
+          <a:p>
+            <a:r>
+              <a:rPr lang="en-US" smtClean="0"/>
+              <a:t>Click to edit Master title style</a:t>
+            </a:r>
+            <a:endParaRPr lang="en-US"/>
+          </a:p>
+        </p:txBody>
+      </p:sp>
+      <p:sp>
+        <p:nvSpPr>
           <p:cNvPr id="3" name="Date Placeholder 2"/>
           <p:cNvSpPr>
             <a:spLocks noGrp="1"/>
@@ -2870,14 +2282,12 @@
         <p:spPr/>
         <p:txBody>
           <a:bodyPr/>
-          <a:lstStyle>
-            <a:extLst/>
-          </a:lstStyle>
+          <a:lstStyle/>
           <a:p>
             <a:fld id="{E128BFC6-AF5F-4DC0-B088-1D980938E003}" type="datetime1">
               <a:rPr lang="en-US" smtClean="0"/>
               <a:pPr/>
-              <a:t>8/16/2015</a:t>
+              <a:t>8/22/15</a:t>
             </a:fld>
             <a:endParaRPr lang="en-US"/>
           </a:p>
@@ -2896,9 +2306,7 @@
         <p:spPr/>
         <p:txBody>
           <a:bodyPr/>
-          <a:lstStyle>
-            <a:extLst/>
-          </a:lstStyle>
+          <a:lstStyle/>
           <a:p>
             <a:endParaRPr lang="en-US"/>
           </a:p>
@@ -2917,9 +2325,7 @@
         <p:spPr/>
         <p:txBody>
           <a:bodyPr/>
-          <a:lstStyle>
-            <a:extLst/>
-          </a:lstStyle>
+          <a:lstStyle/>
           <a:p>
             <a:fld id="{31E7C4D2-2F11-4011-AB4F-F84DBF4A0B01}" type="slidenum">
               <a:rPr lang="en-US" smtClean="0"/>
@@ -2930,35 +2336,15 @@
           </a:p>
         </p:txBody>
       </p:sp>
-      <p:sp>
-        <p:nvSpPr>
-          <p:cNvPr id="6" name="Title 5"/>
-          <p:cNvSpPr>
-            <a:spLocks noGrp="1"/>
-          </p:cNvSpPr>
-          <p:nvPr>
-            <p:ph type="title"/>
-          </p:nvPr>
-        </p:nvSpPr>
-        <p:spPr/>
-        <p:txBody>
-          <a:bodyPr rtlCol="0"/>
-          <a:lstStyle>
-            <a:extLst/>
-          </a:lstStyle>
-          <a:p>
-            <a:r>
-              <a:rPr kumimoji="0" lang="en-US" smtClean="0"/>
-              <a:t>Click to edit Master title style</a:t>
-            </a:r>
-            <a:endParaRPr kumimoji="0" lang="en-US"/>
-          </a:p>
-        </p:txBody>
-      </p:sp>
     </p:spTree>
+    <p:extLst>
+      <p:ext uri="{BB962C8B-B14F-4D97-AF65-F5344CB8AC3E}">
+        <p14:creationId xmlns:p14="http://schemas.microsoft.com/office/powerpoint/2010/main" val="1962073440"/>
+      </p:ext>
+    </p:extLst>
   </p:cSld>
   <p:clrMapOvr>
-    <a:overrideClrMapping bg1="dk1" tx1="lt1" bg2="dk2" tx2="lt2" accent1="accent1" accent2="accent2" accent3="accent3" accent4="accent4" accent5="accent5" accent6="accent6" hlink="hlink" folHlink="folHlink"/>
+    <a:masterClrMapping/>
   </p:clrMapOvr>
 </p:sldLayout>
 </file>
@@ -2993,14 +2379,12 @@
         <p:spPr/>
         <p:txBody>
           <a:bodyPr/>
-          <a:lstStyle>
-            <a:extLst/>
-          </a:lstStyle>
+          <a:lstStyle/>
           <a:p>
             <a:fld id="{F4A2A5EB-80FD-44E1-A565-D0A36D298C59}" type="datetime1">
               <a:rPr lang="en-US" smtClean="0"/>
               <a:pPr/>
-              <a:t>8/16/2015</a:t>
+              <a:t>8/22/15</a:t>
             </a:fld>
             <a:endParaRPr lang="en-US"/>
           </a:p>
@@ -3019,9 +2403,7 @@
         <p:spPr/>
         <p:txBody>
           <a:bodyPr/>
-          <a:lstStyle>
-            <a:extLst/>
-          </a:lstStyle>
+          <a:lstStyle/>
           <a:p>
             <a:endParaRPr lang="en-US"/>
           </a:p>
@@ -3040,9 +2422,7 @@
         <p:spPr/>
         <p:txBody>
           <a:bodyPr/>
-          <a:lstStyle>
-            <a:extLst/>
-          </a:lstStyle>
+          <a:lstStyle/>
           <a:p>
             <a:fld id="{31E7C4D2-2F11-4011-AB4F-F84DBF4A0B01}" type="slidenum">
               <a:rPr lang="en-US" smtClean="0"/>
@@ -3054,6 +2434,11 @@
         </p:txBody>
       </p:sp>
     </p:spTree>
+    <p:extLst>
+      <p:ext uri="{BB962C8B-B14F-4D97-AF65-F5344CB8AC3E}">
+        <p14:creationId xmlns:p14="http://schemas.microsoft.com/office/powerpoint/2010/main" val="45905551"/>
+      </p:ext>
+    </p:extLst>
   </p:cSld>
   <p:clrMapOvr>
     <a:masterClrMapping/>
@@ -3062,13 +2447,8 @@
 </file>
 
 <file path=ppt/slideLayouts/slideLayout8.xml><?xml version="1.0" encoding="utf-8"?>
-<p:sldLayout xmlns:a="http://schemas.openxmlformats.org/drawingml/2006/main" xmlns:r="http://schemas.openxmlformats.org/officeDocument/2006/relationships" xmlns:p="http://schemas.openxmlformats.org/presentationml/2006/main" showMasterSp="0" type="objTx" preserve="1">
+<p:sldLayout xmlns:a="http://schemas.openxmlformats.org/drawingml/2006/main" xmlns:r="http://schemas.openxmlformats.org/officeDocument/2006/relationships" xmlns:p="http://schemas.openxmlformats.org/presentationml/2006/main" type="objTx" preserve="1">
   <p:cSld name="Content with Caption">
-    <p:bg>
-      <p:bgRef idx="1003">
-        <a:schemeClr val="bg1"/>
-      </p:bgRef>
-    </p:bg>
     <p:spTree>
       <p:nvGrpSpPr>
         <p:cNvPr id="1" name=""/>
@@ -3095,102 +2475,40 @@
         </p:nvSpPr>
         <p:spPr>
           <a:xfrm>
-            <a:off x="914400" y="4876800"/>
-            <a:ext cx="7481776" cy="457200"/>
+            <a:off x="457200" y="273050"/>
+            <a:ext cx="3008313" cy="1162050"/>
           </a:xfrm>
         </p:spPr>
         <p:txBody>
-          <a:bodyPr vert="horz" anchor="t">
-            <a:noAutofit/>
-            <a:sp3d prstMaterial="softEdge">
-              <a:bevelT w="0" h="0"/>
-            </a:sp3d>
-          </a:bodyPr>
+          <a:bodyPr anchor="b"/>
           <a:lstStyle>
-            <a:lvl1pPr algn="r">
-              <a:buNone/>
-              <a:defRPr sz="2500" b="0">
-                <a:solidFill>
-                  <a:schemeClr val="accent1"/>
-                </a:solidFill>
-                <a:effectLst/>
-              </a:defRPr>
+            <a:lvl1pPr algn="l">
+              <a:defRPr sz="2000" b="1"/>
             </a:lvl1pPr>
-            <a:extLst/>
           </a:lstStyle>
           <a:p>
             <a:r>
-              <a:rPr kumimoji="0" lang="en-US" smtClean="0"/>
+              <a:rPr lang="en-US" smtClean="0"/>
               <a:t>Click to edit Master title style</a:t>
             </a:r>
-            <a:endParaRPr kumimoji="0" lang="en-US"/>
-          </a:p>
-        </p:txBody>
-      </p:sp>
-      <p:sp>
-        <p:nvSpPr>
-          <p:cNvPr id="3" name="Text Placeholder 2"/>
-          <p:cNvSpPr>
-            <a:spLocks noGrp="1"/>
-          </p:cNvSpPr>
-          <p:nvPr>
-            <p:ph type="body" idx="2"/>
+            <a:endParaRPr lang="en-US"/>
+          </a:p>
+        </p:txBody>
+      </p:sp>
+      <p:sp>
+        <p:nvSpPr>
+          <p:cNvPr id="3" name="Content Placeholder 2"/>
+          <p:cNvSpPr>
+            <a:spLocks noGrp="1"/>
+          </p:cNvSpPr>
+          <p:nvPr>
+            <p:ph idx="1"/>
           </p:nvPr>
         </p:nvSpPr>
         <p:spPr>
           <a:xfrm>
-            <a:off x="4419600" y="5355102"/>
-            <a:ext cx="3974592" cy="914400"/>
-          </a:xfrm>
-        </p:spPr>
-        <p:txBody>
-          <a:bodyPr/>
-          <a:lstStyle>
-            <a:lvl1pPr marL="0" indent="0" algn="r">
-              <a:buNone/>
-              <a:defRPr sz="1600"/>
-            </a:lvl1pPr>
-            <a:lvl2pPr>
-              <a:buNone/>
-              <a:defRPr sz="1200"/>
-            </a:lvl2pPr>
-            <a:lvl3pPr>
-              <a:buNone/>
-              <a:defRPr sz="1000"/>
-            </a:lvl3pPr>
-            <a:lvl4pPr>
-              <a:buNone/>
-              <a:defRPr sz="900"/>
-            </a:lvl4pPr>
-            <a:lvl5pPr>
-              <a:buNone/>
-              <a:defRPr sz="900"/>
-            </a:lvl5pPr>
-            <a:extLst/>
-          </a:lstStyle>
-          <a:p>
-            <a:pPr lvl="0" eaLnBrk="1" latinLnBrk="0" hangingPunct="1"/>
-            <a:r>
-              <a:rPr kumimoji="0" lang="en-US" smtClean="0"/>
-              <a:t>Click to edit Master text styles</a:t>
-            </a:r>
-          </a:p>
-        </p:txBody>
-      </p:sp>
-      <p:sp>
-        <p:nvSpPr>
-          <p:cNvPr id="4" name="Content Placeholder 3"/>
-          <p:cNvSpPr>
-            <a:spLocks noGrp="1"/>
-          </p:cNvSpPr>
-          <p:nvPr>
-            <p:ph sz="half" idx="1"/>
-          </p:nvPr>
-        </p:nvSpPr>
-        <p:spPr>
-          <a:xfrm>
-            <a:off x="914400" y="274320"/>
-            <a:ext cx="7479792" cy="4572000"/>
+            <a:off x="3575050" y="273050"/>
+            <a:ext cx="5111750" cy="5853113"/>
           </a:xfrm>
         </p:spPr>
         <p:txBody>
@@ -3211,72 +2529,141 @@
             <a:lvl5pPr>
               <a:defRPr sz="2000"/>
             </a:lvl5pPr>
-            <a:extLst/>
+            <a:lvl6pPr>
+              <a:defRPr sz="2000"/>
+            </a:lvl6pPr>
+            <a:lvl7pPr>
+              <a:defRPr sz="2000"/>
+            </a:lvl7pPr>
+            <a:lvl8pPr>
+              <a:defRPr sz="2000"/>
+            </a:lvl8pPr>
+            <a:lvl9pPr>
+              <a:defRPr sz="2000"/>
+            </a:lvl9pPr>
           </a:lstStyle>
           <a:p>
-            <a:pPr lvl="0" eaLnBrk="1" latinLnBrk="0" hangingPunct="1"/>
+            <a:pPr lvl="0"/>
             <a:r>
               <a:rPr lang="en-US" smtClean="0"/>
               <a:t>Click to edit Master text styles</a:t>
             </a:r>
           </a:p>
           <a:p>
-            <a:pPr lvl="1" eaLnBrk="1" latinLnBrk="0" hangingPunct="1"/>
+            <a:pPr lvl="1"/>
             <a:r>
               <a:rPr lang="en-US" smtClean="0"/>
               <a:t>Second level</a:t>
             </a:r>
           </a:p>
           <a:p>
-            <a:pPr lvl="2" eaLnBrk="1" latinLnBrk="0" hangingPunct="1"/>
+            <a:pPr lvl="2"/>
             <a:r>
               <a:rPr lang="en-US" smtClean="0"/>
               <a:t>Third level</a:t>
             </a:r>
           </a:p>
           <a:p>
-            <a:pPr lvl="3" eaLnBrk="1" latinLnBrk="0" hangingPunct="1"/>
+            <a:pPr lvl="3"/>
             <a:r>
               <a:rPr lang="en-US" smtClean="0"/>
               <a:t>Fourth level</a:t>
             </a:r>
           </a:p>
           <a:p>
-            <a:pPr lvl="4" eaLnBrk="1" latinLnBrk="0" hangingPunct="1"/>
+            <a:pPr lvl="4"/>
             <a:r>
               <a:rPr lang="en-US" smtClean="0"/>
               <a:t>Fifth level</a:t>
             </a:r>
-            <a:endParaRPr kumimoji="0" lang="en-US"/>
-          </a:p>
-        </p:txBody>
-      </p:sp>
-      <p:sp>
-        <p:nvSpPr>
-          <p:cNvPr id="5" name="Date Placeholder 4"/>
-          <p:cNvSpPr>
-            <a:spLocks noGrp="1"/>
-          </p:cNvSpPr>
-          <p:nvPr>
-            <p:ph type="dt" sz="half" idx="10"/>
+            <a:endParaRPr lang="en-US"/>
+          </a:p>
+        </p:txBody>
+      </p:sp>
+      <p:sp>
+        <p:nvSpPr>
+          <p:cNvPr id="4" name="Text Placeholder 3"/>
+          <p:cNvSpPr>
+            <a:spLocks noGrp="1"/>
+          </p:cNvSpPr>
+          <p:nvPr>
+            <p:ph type="body" sz="half" idx="2"/>
           </p:nvPr>
         </p:nvSpPr>
         <p:spPr>
           <a:xfrm>
-            <a:off x="6727032" y="6407944"/>
-            <a:ext cx="1920240" cy="365760"/>
+            <a:off x="457200" y="1435100"/>
+            <a:ext cx="3008313" cy="4691063"/>
           </a:xfrm>
         </p:spPr>
         <p:txBody>
           <a:bodyPr/>
           <a:lstStyle>
-            <a:extLst/>
+            <a:lvl1pPr marL="0" indent="0">
+              <a:buNone/>
+              <a:defRPr sz="1400"/>
+            </a:lvl1pPr>
+            <a:lvl2pPr marL="457200" indent="0">
+              <a:buNone/>
+              <a:defRPr sz="1200"/>
+            </a:lvl2pPr>
+            <a:lvl3pPr marL="914400" indent="0">
+              <a:buNone/>
+              <a:defRPr sz="1000"/>
+            </a:lvl3pPr>
+            <a:lvl4pPr marL="1371600" indent="0">
+              <a:buNone/>
+              <a:defRPr sz="900"/>
+            </a:lvl4pPr>
+            <a:lvl5pPr marL="1828800" indent="0">
+              <a:buNone/>
+              <a:defRPr sz="900"/>
+            </a:lvl5pPr>
+            <a:lvl6pPr marL="2286000" indent="0">
+              <a:buNone/>
+              <a:defRPr sz="900"/>
+            </a:lvl6pPr>
+            <a:lvl7pPr marL="2743200" indent="0">
+              <a:buNone/>
+              <a:defRPr sz="900"/>
+            </a:lvl7pPr>
+            <a:lvl8pPr marL="3200400" indent="0">
+              <a:buNone/>
+              <a:defRPr sz="900"/>
+            </a:lvl8pPr>
+            <a:lvl9pPr marL="3657600" indent="0">
+              <a:buNone/>
+              <a:defRPr sz="900"/>
+            </a:lvl9pPr>
           </a:lstStyle>
           <a:p>
+            <a:pPr lvl="0"/>
+            <a:r>
+              <a:rPr lang="en-US" smtClean="0"/>
+              <a:t>Click to edit Master text styles</a:t>
+            </a:r>
+          </a:p>
+        </p:txBody>
+      </p:sp>
+      <p:sp>
+        <p:nvSpPr>
+          <p:cNvPr id="5" name="Date Placeholder 4"/>
+          <p:cNvSpPr>
+            <a:spLocks noGrp="1"/>
+          </p:cNvSpPr>
+          <p:nvPr>
+            <p:ph type="dt" sz="half" idx="10"/>
+          </p:nvPr>
+        </p:nvSpPr>
+        <p:spPr/>
+        <p:txBody>
+          <a:bodyPr/>
+          <a:lstStyle/>
+          <a:p>
             <a:fld id="{9AFDFBF1-D1F0-4443-941A-FB66DAB2747D}" type="datetime1">
               <a:rPr lang="en-US" smtClean="0"/>
               <a:pPr/>
-              <a:t>8/16/2015</a:t>
+              <a:t>8/22/15</a:t>
             </a:fld>
             <a:endParaRPr lang="en-US"/>
           </a:p>
@@ -3295,9 +2682,7 @@
         <p:spPr/>
         <p:txBody>
           <a:bodyPr/>
-          <a:lstStyle>
-            <a:extLst/>
-          </a:lstStyle>
+          <a:lstStyle/>
           <a:p>
             <a:endParaRPr lang="en-US"/>
           </a:p>
@@ -3316,9 +2701,7 @@
         <p:spPr/>
         <p:txBody>
           <a:bodyPr/>
-          <a:lstStyle>
-            <a:extLst/>
-          </a:lstStyle>
+          <a:lstStyle/>
           <a:p>
             <a:fld id="{31E7C4D2-2F11-4011-AB4F-F84DBF4A0B01}" type="slidenum">
               <a:rPr lang="en-US" smtClean="0"/>
@@ -3330,21 +2713,21 @@
         </p:txBody>
       </p:sp>
     </p:spTree>
+    <p:extLst>
+      <p:ext uri="{BB962C8B-B14F-4D97-AF65-F5344CB8AC3E}">
+        <p14:creationId xmlns:p14="http://schemas.microsoft.com/office/powerpoint/2010/main" val="2078067687"/>
+      </p:ext>
+    </p:extLst>
   </p:cSld>
   <p:clrMapOvr>
-    <a:overrideClrMapping bg1="lt1" tx1="dk1" bg2="lt2" tx2="dk2" accent1="accent1" accent2="accent2" accent3="accent3" accent4="accent4" accent5="accent5" accent6="accent6" hlink="hlink" folHlink="folHlink"/>
+    <a:masterClrMapping/>
   </p:clrMapOvr>
 </p:sldLayout>
 </file>
 
 <file path=ppt/slideLayouts/slideLayout9.xml><?xml version="1.0" encoding="utf-8"?>
-<p:sldLayout xmlns:a="http://schemas.openxmlformats.org/drawingml/2006/main" xmlns:r="http://schemas.openxmlformats.org/officeDocument/2006/relationships" xmlns:p="http://schemas.openxmlformats.org/presentationml/2006/main" showMasterSp="0" type="picTx" preserve="1">
+<p:sldLayout xmlns:a="http://schemas.openxmlformats.org/drawingml/2006/main" xmlns:r="http://schemas.openxmlformats.org/officeDocument/2006/relationships" xmlns:p="http://schemas.openxmlformats.org/presentationml/2006/main" type="picTx" preserve="1">
   <p:cSld name="Picture with Caption">
-    <p:bg>
-      <p:bgRef idx="1002">
-        <a:schemeClr val="bg1"/>
-      </p:bgRef>
-    </p:bg>
     <p:spTree>
       <p:nvGrpSpPr>
         <p:cNvPr id="1" name=""/>
@@ -3361,48 +2744,33 @@
       </p:grpSpPr>
       <p:sp>
         <p:nvSpPr>
-          <p:cNvPr id="4" name="Text Placeholder 3"/>
-          <p:cNvSpPr>
-            <a:spLocks noGrp="1"/>
-          </p:cNvSpPr>
-          <p:nvPr>
-            <p:ph type="body" sz="half" idx="2"/>
+          <p:cNvPr id="2" name="Title 1"/>
+          <p:cNvSpPr>
+            <a:spLocks noGrp="1"/>
+          </p:cNvSpPr>
+          <p:nvPr>
+            <p:ph type="title"/>
           </p:nvPr>
         </p:nvSpPr>
         <p:spPr>
           <a:xfrm>
-            <a:off x="1141232" y="5443402"/>
-            <a:ext cx="7162800" cy="648232"/>
+            <a:off x="1792288" y="4800600"/>
+            <a:ext cx="5486400" cy="566738"/>
           </a:xfrm>
-          <a:noFill/>
         </p:spPr>
         <p:txBody>
-          <a:bodyPr lIns="91440" tIns="0" rIns="91440" anchor="t"/>
+          <a:bodyPr anchor="b"/>
           <a:lstStyle>
-            <a:lvl1pPr marL="0" marR="18288" indent="0" algn="r">
-              <a:buNone/>
-              <a:defRPr sz="1400"/>
+            <a:lvl1pPr algn="l">
+              <a:defRPr sz="2000" b="1"/>
             </a:lvl1pPr>
-            <a:lvl2pPr>
-              <a:defRPr sz="1200"/>
-            </a:lvl2pPr>
-            <a:lvl3pPr>
-              <a:defRPr sz="1000"/>
-            </a:lvl3pPr>
-            <a:lvl4pPr>
-              <a:defRPr sz="900"/>
-            </a:lvl4pPr>
-            <a:lvl5pPr>
-              <a:defRPr sz="900"/>
-            </a:lvl5pPr>
-            <a:extLst/>
           </a:lstStyle>
           <a:p>
-            <a:pPr lvl="0" eaLnBrk="1" latinLnBrk="0" hangingPunct="1"/>
-            <a:r>
-              <a:rPr kumimoji="0" lang="en-US" smtClean="0"/>
-              <a:t>Click to edit Master text styles</a:t>
-            </a:r>
+            <a:r>
+              <a:rPr lang="en-US" smtClean="0"/>
+              <a:t>Click to edit Master title style</a:t>
+            </a:r>
+            <a:endParaRPr lang="en-US"/>
           </a:p>
         </p:txBody>
       </p:sp>
@@ -3418,25 +2786,9 @@
         </p:nvSpPr>
         <p:spPr>
           <a:xfrm>
-            <a:off x="228600" y="189968"/>
-            <a:ext cx="8686800" cy="4389120"/>
+            <a:off x="1792288" y="612775"/>
+            <a:ext cx="5486400" cy="4114800"/>
           </a:xfrm>
-          <a:prstGeom prst="rect">
-            <a:avLst/>
-          </a:prstGeom>
-          <a:solidFill>
-            <a:schemeClr val="bg2"/>
-          </a:solidFill>
-          <a:ln>
-            <a:solidFill>
-              <a:schemeClr val="bg1"/>
-            </a:solidFill>
-          </a:ln>
-          <a:effectLst>
-            <a:innerShdw blurRad="95250">
-              <a:srgbClr val="000000"/>
-            </a:innerShdw>
-          </a:effectLst>
         </p:spPr>
         <p:txBody>
           <a:bodyPr/>
@@ -3445,45 +2797,128 @@
               <a:buNone/>
               <a:defRPr sz="3200"/>
             </a:lvl1pPr>
-            <a:extLst/>
+            <a:lvl2pPr marL="457200" indent="0">
+              <a:buNone/>
+              <a:defRPr sz="2800"/>
+            </a:lvl2pPr>
+            <a:lvl3pPr marL="914400" indent="0">
+              <a:buNone/>
+              <a:defRPr sz="2400"/>
+            </a:lvl3pPr>
+            <a:lvl4pPr marL="1371600" indent="0">
+              <a:buNone/>
+              <a:defRPr sz="2000"/>
+            </a:lvl4pPr>
+            <a:lvl5pPr marL="1828800" indent="0">
+              <a:buNone/>
+              <a:defRPr sz="2000"/>
+            </a:lvl5pPr>
+            <a:lvl6pPr marL="2286000" indent="0">
+              <a:buNone/>
+              <a:defRPr sz="2000"/>
+            </a:lvl6pPr>
+            <a:lvl7pPr marL="2743200" indent="0">
+              <a:buNone/>
+              <a:defRPr sz="2000"/>
+            </a:lvl7pPr>
+            <a:lvl8pPr marL="3200400" indent="0">
+              <a:buNone/>
+              <a:defRPr sz="2000"/>
+            </a:lvl8pPr>
+            <a:lvl9pPr marL="3657600" indent="0">
+              <a:buNone/>
+              <a:defRPr sz="2000"/>
+            </a:lvl9pPr>
           </a:lstStyle>
           <a:p>
-            <a:r>
-              <a:rPr kumimoji="0" lang="en-US" smtClean="0"/>
-              <a:t>Click icon to add picture</a:t>
-            </a:r>
-            <a:endParaRPr kumimoji="0" lang="en-US" dirty="0"/>
-          </a:p>
-        </p:txBody>
-      </p:sp>
-      <p:sp>
-        <p:nvSpPr>
-          <p:cNvPr id="5" name="Date Placeholder 4"/>
-          <p:cNvSpPr>
-            <a:spLocks noGrp="1"/>
-          </p:cNvSpPr>
-          <p:nvPr>
-            <p:ph type="dt" sz="half" idx="10"/>
-          </p:nvPr>
-        </p:nvSpPr>
-        <p:spPr/>
+            <a:endParaRPr lang="en-US"/>
+          </a:p>
+        </p:txBody>
+      </p:sp>
+      <p:sp>
+        <p:nvSpPr>
+          <p:cNvPr id="4" name="Text Placeholder 3"/>
+          <p:cNvSpPr>
+            <a:spLocks noGrp="1"/>
+          </p:cNvSpPr>
+          <p:nvPr>
+            <p:ph type="body" sz="half" idx="2"/>
+          </p:nvPr>
+        </p:nvSpPr>
+        <p:spPr>
+          <a:xfrm>
+            <a:off x="1792288" y="5367338"/>
+            <a:ext cx="5486400" cy="804862"/>
+          </a:xfrm>
+        </p:spPr>
         <p:txBody>
           <a:bodyPr/>
           <a:lstStyle>
-            <a:lvl1pPr>
-              <a:defRPr>
-                <a:solidFill>
-                  <a:schemeClr val="tx1"/>
-                </a:solidFill>
-              </a:defRPr>
+            <a:lvl1pPr marL="0" indent="0">
+              <a:buNone/>
+              <a:defRPr sz="1400"/>
             </a:lvl1pPr>
-            <a:extLst/>
+            <a:lvl2pPr marL="457200" indent="0">
+              <a:buNone/>
+              <a:defRPr sz="1200"/>
+            </a:lvl2pPr>
+            <a:lvl3pPr marL="914400" indent="0">
+              <a:buNone/>
+              <a:defRPr sz="1000"/>
+            </a:lvl3pPr>
+            <a:lvl4pPr marL="1371600" indent="0">
+              <a:buNone/>
+              <a:defRPr sz="900"/>
+            </a:lvl4pPr>
+            <a:lvl5pPr marL="1828800" indent="0">
+              <a:buNone/>
+              <a:defRPr sz="900"/>
+            </a:lvl5pPr>
+            <a:lvl6pPr marL="2286000" indent="0">
+              <a:buNone/>
+              <a:defRPr sz="900"/>
+            </a:lvl6pPr>
+            <a:lvl7pPr marL="2743200" indent="0">
+              <a:buNone/>
+              <a:defRPr sz="900"/>
+            </a:lvl7pPr>
+            <a:lvl8pPr marL="3200400" indent="0">
+              <a:buNone/>
+              <a:defRPr sz="900"/>
+            </a:lvl8pPr>
+            <a:lvl9pPr marL="3657600" indent="0">
+              <a:buNone/>
+              <a:defRPr sz="900"/>
+            </a:lvl9pPr>
           </a:lstStyle>
           <a:p>
+            <a:pPr lvl="0"/>
+            <a:r>
+              <a:rPr lang="en-US" smtClean="0"/>
+              <a:t>Click to edit Master text styles</a:t>
+            </a:r>
+          </a:p>
+        </p:txBody>
+      </p:sp>
+      <p:sp>
+        <p:nvSpPr>
+          <p:cNvPr id="5" name="Date Placeholder 4"/>
+          <p:cNvSpPr>
+            <a:spLocks noGrp="1"/>
+          </p:cNvSpPr>
+          <p:nvPr>
+            <p:ph type="dt" sz="half" idx="10"/>
+          </p:nvPr>
+        </p:nvSpPr>
+        <p:spPr/>
+        <p:txBody>
+          <a:bodyPr/>
+          <a:lstStyle/>
+          <a:p>
             <a:fld id="{698E6C0E-841F-4B36-A84F-5C356414D90B}" type="datetime1">
               <a:rPr lang="en-US" smtClean="0"/>
               <a:pPr/>
-              <a:t>8/16/2015</a:t>
+              <a:t>8/22/15</a:t>
             </a:fld>
             <a:endParaRPr lang="en-US"/>
           </a:p>
@@ -3499,24 +2934,10 @@
             <p:ph type="ftr" sz="quarter" idx="11"/>
           </p:nvPr>
         </p:nvSpPr>
-        <p:spPr>
-          <a:xfrm>
-            <a:off x="4380072" y="6407944"/>
-            <a:ext cx="2350681" cy="365125"/>
-          </a:xfrm>
-        </p:spPr>
+        <p:spPr/>
         <p:txBody>
           <a:bodyPr/>
-          <a:lstStyle>
-            <a:lvl1pPr>
-              <a:defRPr>
-                <a:solidFill>
-                  <a:schemeClr val="tx1"/>
-                </a:solidFill>
-              </a:defRPr>
-            </a:lvl1pPr>
-            <a:extLst/>
-          </a:lstStyle>
+          <a:lstStyle/>
           <a:p>
             <a:endParaRPr lang="en-US"/>
           </a:p>
@@ -3535,16 +2956,7 @@
         <p:spPr/>
         <p:txBody>
           <a:bodyPr/>
-          <a:lstStyle>
-            <a:lvl1pPr>
-              <a:defRPr>
-                <a:solidFill>
-                  <a:schemeClr val="tx1"/>
-                </a:solidFill>
-              </a:defRPr>
-            </a:lvl1pPr>
-            <a:extLst/>
-          </a:lstStyle>
+          <a:lstStyle/>
           <a:p>
             <a:fld id="{31E7C4D2-2F11-4011-AB4F-F84DBF4A0B01}" type="slidenum">
               <a:rPr lang="en-US" smtClean="0"/>
@@ -3555,548 +2967,15 @@
           </a:p>
         </p:txBody>
       </p:sp>
-      <p:sp>
-        <p:nvSpPr>
-          <p:cNvPr id="2" name="Title 1"/>
-          <p:cNvSpPr>
-            <a:spLocks noGrp="1"/>
-          </p:cNvSpPr>
-          <p:nvPr>
-            <p:ph type="title"/>
-          </p:nvPr>
-        </p:nvSpPr>
-        <p:spPr>
-          <a:xfrm>
-            <a:off x="228600" y="4865122"/>
-            <a:ext cx="8075432" cy="562672"/>
-          </a:xfrm>
-          <a:noFill/>
-        </p:spPr>
-        <p:txBody>
-          <a:bodyPr anchor="t">
-            <a:sp3d prstMaterial="softEdge"/>
-          </a:bodyPr>
-          <a:lstStyle>
-            <a:lvl1pPr marR="0" algn="r">
-              <a:buNone/>
-              <a:defRPr sz="3000" b="0">
-                <a:solidFill>
-                  <a:schemeClr val="accent1"/>
-                </a:solidFill>
-                <a:effectLst>
-                  <a:outerShdw blurRad="50800" dist="25000" dir="5400000" algn="t" rotWithShape="0">
-                    <a:prstClr val="black">
-                      <a:alpha val="45000"/>
-                    </a:prstClr>
-                  </a:outerShdw>
-                </a:effectLst>
-              </a:defRPr>
-            </a:lvl1pPr>
-            <a:extLst/>
-          </a:lstStyle>
-          <a:p>
-            <a:r>
-              <a:rPr kumimoji="0" lang="en-US" smtClean="0"/>
-              <a:t>Click to edit Master title style</a:t>
-            </a:r>
-            <a:endParaRPr kumimoji="0" lang="en-US"/>
-          </a:p>
-        </p:txBody>
-      </p:sp>
-      <p:sp>
-        <p:nvSpPr>
-          <p:cNvPr id="8" name="Freeform 7"/>
-          <p:cNvSpPr>
-            <a:spLocks/>
-          </p:cNvSpPr>
-          <p:nvPr/>
-        </p:nvSpPr>
-        <p:spPr bwMode="auto">
-          <a:xfrm>
-            <a:off x="716436" y="5001993"/>
-            <a:ext cx="3802003" cy="1443111"/>
-          </a:xfrm>
-          <a:custGeom>
-            <a:avLst>
-              <a:gd name="A1" fmla="val 0"/>
-              <a:gd name="A2" fmla="val 0"/>
-              <a:gd name="A3" fmla="val 0"/>
-              <a:gd name="A4" fmla="val 0"/>
-              <a:gd name="A5" fmla="val 0"/>
-              <a:gd name="A6" fmla="val 0"/>
-              <a:gd name="A7" fmla="val 0"/>
-              <a:gd name="A8" fmla="val 0"/>
-            </a:avLst>
-            <a:gdLst/>
-            <a:ahLst/>
-            <a:cxnLst>
-              <a:cxn ang="0">
-                <a:pos x="0" y="0"/>
-              </a:cxn>
-              <a:cxn ang="0">
-                <a:pos x="5760" y="0"/>
-              </a:cxn>
-              <a:cxn ang="0">
-                <a:pos x="5760" y="528"/>
-              </a:cxn>
-              <a:cxn ang="0">
-                <a:pos x="48" y="0"/>
-              </a:cxn>
-            </a:cxnLst>
-            <a:rect l="0" t="0" r="0" b="0"/>
-            <a:pathLst>
-              <a:path w="5760" h="528">
-                <a:moveTo>
-                  <a:pt x="-329" y="347"/>
-                </a:moveTo>
-                <a:lnTo>
-                  <a:pt x="7156" y="682"/>
-                </a:lnTo>
-                <a:lnTo>
-                  <a:pt x="5229" y="682"/>
-                </a:lnTo>
-                <a:lnTo>
-                  <a:pt x="-328" y="345"/>
-                </a:lnTo>
-              </a:path>
-            </a:pathLst>
-          </a:custGeom>
-          <a:solidFill>
-            <a:schemeClr val="accent1">
-              <a:tint val="65000"/>
-              <a:satMod val="115000"/>
-              <a:alpha val="40000"/>
-            </a:schemeClr>
-          </a:solidFill>
-          <a:ln w="9525" cap="flat" cmpd="sng" algn="ctr">
-            <a:noFill/>
-            <a:prstDash val="solid"/>
-            <a:round/>
-            <a:headEnd type="none" w="med" len="med"/>
-            <a:tailEnd type="none" w="med" len="med"/>
-          </a:ln>
-          <a:effectLst/>
-        </p:spPr>
-        <p:txBody>
-          <a:bodyPr vert="horz" wrap="square" lIns="91440" tIns="45720" rIns="91440" bIns="45720" anchor="t" compatLnSpc="1"/>
-          <a:lstStyle>
-            <a:extLst/>
-          </a:lstStyle>
-          <a:p>
-            <a:endParaRPr kumimoji="0" lang="en-US"/>
-          </a:p>
-        </p:txBody>
-      </p:sp>
-      <p:sp>
-        <p:nvSpPr>
-          <p:cNvPr id="9" name="Freeform 8"/>
-          <p:cNvSpPr>
-            <a:spLocks/>
-          </p:cNvSpPr>
-          <p:nvPr/>
-        </p:nvSpPr>
-        <p:spPr bwMode="auto">
-          <a:xfrm>
-            <a:off x="-53561" y="5785023"/>
-            <a:ext cx="3802003" cy="838200"/>
-          </a:xfrm>
-          <a:custGeom>
-            <a:avLst>
-              <a:gd name="A1" fmla="val 0"/>
-              <a:gd name="A2" fmla="val 0"/>
-              <a:gd name="A3" fmla="val 0"/>
-              <a:gd name="A4" fmla="val 0"/>
-              <a:gd name="A5" fmla="val 0"/>
-              <a:gd name="A6" fmla="val 0"/>
-              <a:gd name="A7" fmla="val 0"/>
-              <a:gd name="A8" fmla="val 0"/>
-            </a:avLst>
-            <a:gdLst/>
-            <a:ahLst/>
-            <a:cxnLst>
-              <a:cxn ang="0">
-                <a:pos x="0" y="0"/>
-              </a:cxn>
-              <a:cxn ang="0">
-                <a:pos x="5760" y="0"/>
-              </a:cxn>
-              <a:cxn ang="0">
-                <a:pos x="5760" y="528"/>
-              </a:cxn>
-              <a:cxn ang="0">
-                <a:pos x="48" y="0"/>
-              </a:cxn>
-            </a:cxnLst>
-            <a:rect l="0" t="0" r="0" b="0"/>
-            <a:pathLst>
-              <a:path w="5760" h="528">
-                <a:moveTo>
-                  <a:pt x="817" y="97"/>
-                </a:moveTo>
-                <a:lnTo>
-                  <a:pt x="6408" y="682"/>
-                </a:lnTo>
-                <a:lnTo>
-                  <a:pt x="5232" y="685"/>
-                </a:lnTo>
-                <a:lnTo>
-                  <a:pt x="829" y="101"/>
-                </a:lnTo>
-              </a:path>
-            </a:pathLst>
-          </a:custGeom>
-          <a:solidFill>
-            <a:srgbClr val="000000">
-              <a:alpha val="100000"/>
-            </a:srgbClr>
-          </a:solidFill>
-          <a:ln w="9525" cap="flat" cmpd="sng" algn="ctr">
-            <a:noFill/>
-            <a:prstDash val="solid"/>
-            <a:round/>
-            <a:headEnd type="none" w="med" len="med"/>
-            <a:tailEnd type="none" w="med" len="med"/>
-          </a:ln>
-          <a:effectLst/>
-        </p:spPr>
-        <p:txBody>
-          <a:bodyPr vert="horz" wrap="square" lIns="91440" tIns="45720" rIns="91440" bIns="45720" anchor="t" compatLnSpc="1"/>
-          <a:lstStyle>
-            <a:extLst/>
-          </a:lstStyle>
-          <a:p>
-            <a:endParaRPr kumimoji="0" lang="en-US"/>
-          </a:p>
-        </p:txBody>
-      </p:sp>
-      <p:sp>
-        <p:nvSpPr>
-          <p:cNvPr id="10" name="Right Triangle 9"/>
-          <p:cNvSpPr>
-            <a:spLocks/>
-          </p:cNvSpPr>
-          <p:nvPr/>
-        </p:nvSpPr>
-        <p:spPr bwMode="auto">
-          <a:xfrm>
-            <a:off x="-6042" y="5791253"/>
-            <a:ext cx="3402314" cy="1080868"/>
-          </a:xfrm>
-          <a:prstGeom prst="rtTriangle">
-            <a:avLst/>
-          </a:prstGeom>
-          <a:blipFill>
-            <a:blip r:embed="rId2">
-              <a:alphaModFix amt="50000"/>
-            </a:blip>
-            <a:tile tx="0" ty="0" sx="50000" sy="50000" flip="none" algn="t"/>
-          </a:blipFill>
-          <a:ln w="12700" cap="rnd" cmpd="thickThin" algn="ctr">
-            <a:noFill/>
-            <a:prstDash val="solid"/>
-          </a:ln>
-          <a:effectLst>
-            <a:fillOverlay blend="mult">
-              <a:gradFill flip="none" rotWithShape="1">
-                <a:gsLst>
-                  <a:gs pos="0">
-                    <a:schemeClr val="accent1">
-                      <a:shade val="20000"/>
-                      <a:satMod val="176000"/>
-                      <a:alpha val="100000"/>
-                    </a:schemeClr>
-                  </a:gs>
-                  <a:gs pos="18000">
-                    <a:schemeClr val="accent1">
-                      <a:shade val="48000"/>
-                      <a:satMod val="153000"/>
-                      <a:alpha val="100000"/>
-                    </a:schemeClr>
-                  </a:gs>
-                  <a:gs pos="43000">
-                    <a:schemeClr val="accent1">
-                      <a:tint val="86000"/>
-                      <a:satMod val="149000"/>
-                      <a:alpha val="100000"/>
-                    </a:schemeClr>
-                  </a:gs>
-                  <a:gs pos="45000">
-                    <a:schemeClr val="accent1">
-                      <a:tint val="85000"/>
-                      <a:satMod val="150000"/>
-                      <a:alpha val="100000"/>
-                    </a:schemeClr>
-                  </a:gs>
-                  <a:gs pos="50000">
-                    <a:schemeClr val="accent1">
-                      <a:tint val="86000"/>
-                      <a:satMod val="149000"/>
-                      <a:alpha val="100000"/>
-                    </a:schemeClr>
-                  </a:gs>
-                  <a:gs pos="79000">
-                    <a:schemeClr val="accent1">
-                      <a:shade val="53000"/>
-                      <a:satMod val="150000"/>
-                      <a:alpha val="100000"/>
-                    </a:schemeClr>
-                  </a:gs>
-                  <a:gs pos="100000">
-                    <a:schemeClr val="accent1">
-                      <a:shade val="25000"/>
-                      <a:satMod val="170000"/>
-                      <a:alpha val="100000"/>
-                    </a:schemeClr>
-                  </a:gs>
-                </a:gsLst>
-                <a:lin ang="450000" scaled="1"/>
-                <a:tileRect/>
-              </a:gradFill>
-            </a:fillOverlay>
-          </a:effectLst>
-        </p:spPr>
-        <p:style>
-          <a:lnRef idx="3">
-            <a:schemeClr val="lt1"/>
-          </a:lnRef>
-          <a:fillRef idx="1">
-            <a:schemeClr val="accent1"/>
-          </a:fillRef>
-          <a:effectRef idx="1">
-            <a:schemeClr val="accent1"/>
-          </a:effectRef>
-          <a:fontRef idx="minor">
-            <a:schemeClr val="lt1"/>
-          </a:fontRef>
-        </p:style>
-        <p:txBody>
-          <a:bodyPr vert="horz" wrap="square" lIns="91440" tIns="45720" rIns="91440" bIns="45720" anchor="ctr" compatLnSpc="1"/>
-          <a:lstStyle>
-            <a:extLst/>
-          </a:lstStyle>
-          <a:p>
-            <a:pPr algn="ctr" eaLnBrk="1" latinLnBrk="0" hangingPunct="1"/>
-            <a:endParaRPr kumimoji="0" lang="en-US"/>
-          </a:p>
-        </p:txBody>
-      </p:sp>
-      <p:cxnSp>
-        <p:nvCxnSpPr>
-          <p:cNvPr id="11" name="Straight Connector 10"/>
-          <p:cNvCxnSpPr/>
-          <p:nvPr/>
-        </p:nvCxnSpPr>
-        <p:spPr>
-          <a:xfrm>
-            <a:off x="-9237" y="5787738"/>
-            <a:ext cx="3405509" cy="1084383"/>
-          </a:xfrm>
-          <a:prstGeom prst="line">
-            <a:avLst/>
-          </a:prstGeom>
-          <a:noFill/>
-          <a:ln w="12065" cap="flat" cmpd="sng" algn="ctr">
-            <a:gradFill>
-              <a:gsLst>
-                <a:gs pos="45000">
-                  <a:schemeClr val="accent1">
-                    <a:tint val="70000"/>
-                    <a:satMod val="110000"/>
-                  </a:schemeClr>
-                </a:gs>
-                <a:gs pos="15000">
-                  <a:schemeClr val="accent1">
-                    <a:shade val="40000"/>
-                    <a:satMod val="110000"/>
-                  </a:schemeClr>
-                </a:gs>
-              </a:gsLst>
-              <a:lin ang="5400000" scaled="1"/>
-            </a:gradFill>
-            <a:prstDash val="solid"/>
-            <a:miter lim="800000"/>
-          </a:ln>
-          <a:effectLst/>
-        </p:spPr>
-        <p:style>
-          <a:lnRef idx="2">
-            <a:schemeClr val="accent1"/>
-          </a:lnRef>
-          <a:fillRef idx="0">
-            <a:schemeClr val="accent1"/>
-          </a:fillRef>
-          <a:effectRef idx="1">
-            <a:schemeClr val="accent1"/>
-          </a:effectRef>
-          <a:fontRef idx="minor">
-            <a:schemeClr val="tx1"/>
-          </a:fontRef>
-        </p:style>
-      </p:cxnSp>
-      <p:sp>
-        <p:nvSpPr>
-          <p:cNvPr id="12" name="Chevron 11"/>
-          <p:cNvSpPr/>
-          <p:nvPr/>
-        </p:nvSpPr>
-        <p:spPr>
-          <a:xfrm>
-            <a:off x="8664112" y="4988440"/>
-            <a:ext cx="182880" cy="228600"/>
-          </a:xfrm>
-          <a:prstGeom prst="chevron">
-            <a:avLst>
-              <a:gd name="adj" fmla="val 50000"/>
-            </a:avLst>
-          </a:prstGeom>
-          <a:gradFill flip="none" rotWithShape="1">
-            <a:gsLst>
-              <a:gs pos="0">
-                <a:schemeClr val="accent1">
-                  <a:shade val="60000"/>
-                  <a:satMod val="125000"/>
-                </a:schemeClr>
-              </a:gs>
-              <a:gs pos="72000">
-                <a:schemeClr val="accent1">
-                  <a:tint val="90000"/>
-                  <a:satMod val="138000"/>
-                </a:schemeClr>
-              </a:gs>
-              <a:gs pos="100000">
-                <a:schemeClr val="accent1">
-                  <a:tint val="76000"/>
-                  <a:satMod val="136000"/>
-                </a:schemeClr>
-              </a:gs>
-            </a:gsLst>
-            <a:lin ang="16200000" scaled="0"/>
-          </a:gradFill>
-          <a:ln w="3175" cap="rnd" cmpd="sng" algn="ctr">
-            <a:solidFill>
-              <a:schemeClr val="accent1">
-                <a:shade val="50000"/>
-              </a:schemeClr>
-            </a:solidFill>
-            <a:prstDash val="solid"/>
-          </a:ln>
-          <a:effectLst>
-            <a:outerShdw blurRad="50800" dist="25400" dir="5400000">
-              <a:srgbClr val="000000">
-                <a:alpha val="46000"/>
-              </a:srgbClr>
-            </a:outerShdw>
-          </a:effectLst>
-        </p:spPr>
-        <p:style>
-          <a:lnRef idx="1">
-            <a:schemeClr val="accent1"/>
-          </a:lnRef>
-          <a:fillRef idx="3">
-            <a:schemeClr val="accent1"/>
-          </a:fillRef>
-          <a:effectRef idx="2">
-            <a:schemeClr val="accent1"/>
-          </a:effectRef>
-          <a:fontRef idx="minor">
-            <a:schemeClr val="lt1"/>
-          </a:fontRef>
-        </p:style>
-        <p:txBody>
-          <a:bodyPr anchor="ctr"/>
-          <a:lstStyle>
-            <a:extLst/>
-          </a:lstStyle>
-          <a:p>
-            <a:pPr algn="l" eaLnBrk="1" latinLnBrk="0" hangingPunct="1"/>
-            <a:endParaRPr kumimoji="0" lang="en-US"/>
-          </a:p>
-        </p:txBody>
-      </p:sp>
-      <p:sp>
-        <p:nvSpPr>
-          <p:cNvPr id="13" name="Chevron 12"/>
-          <p:cNvSpPr/>
-          <p:nvPr/>
-        </p:nvSpPr>
-        <p:spPr>
-          <a:xfrm>
-            <a:off x="8477696" y="4988440"/>
-            <a:ext cx="182880" cy="228600"/>
-          </a:xfrm>
-          <a:prstGeom prst="chevron">
-            <a:avLst>
-              <a:gd name="adj" fmla="val 50000"/>
-            </a:avLst>
-          </a:prstGeom>
-          <a:gradFill flip="none" rotWithShape="1">
-            <a:gsLst>
-              <a:gs pos="0">
-                <a:schemeClr val="accent1">
-                  <a:shade val="60000"/>
-                  <a:satMod val="125000"/>
-                </a:schemeClr>
-              </a:gs>
-              <a:gs pos="72000">
-                <a:schemeClr val="accent1">
-                  <a:tint val="90000"/>
-                  <a:satMod val="138000"/>
-                </a:schemeClr>
-              </a:gs>
-              <a:gs pos="100000">
-                <a:schemeClr val="accent1">
-                  <a:tint val="76000"/>
-                  <a:satMod val="136000"/>
-                </a:schemeClr>
-              </a:gs>
-            </a:gsLst>
-            <a:lin ang="16200000" scaled="0"/>
-          </a:gradFill>
-          <a:ln w="3175" cap="rnd" cmpd="sng" algn="ctr">
-            <a:solidFill>
-              <a:schemeClr val="accent1">
-                <a:shade val="50000"/>
-              </a:schemeClr>
-            </a:solidFill>
-            <a:prstDash val="solid"/>
-          </a:ln>
-          <a:effectLst>
-            <a:outerShdw blurRad="50800" dist="25400" dir="5400000">
-              <a:srgbClr val="000000">
-                <a:alpha val="46000"/>
-              </a:srgbClr>
-            </a:outerShdw>
-          </a:effectLst>
-        </p:spPr>
-        <p:style>
-          <a:lnRef idx="1">
-            <a:schemeClr val="accent1"/>
-          </a:lnRef>
-          <a:fillRef idx="3">
-            <a:schemeClr val="accent1"/>
-          </a:fillRef>
-          <a:effectRef idx="2">
-            <a:schemeClr val="accent1"/>
-          </a:effectRef>
-          <a:fontRef idx="minor">
-            <a:schemeClr val="lt1"/>
-          </a:fontRef>
-        </p:style>
-        <p:txBody>
-          <a:bodyPr anchor="ctr"/>
-          <a:lstStyle>
-            <a:extLst/>
-          </a:lstStyle>
-          <a:p>
-            <a:pPr algn="l" eaLnBrk="1" latinLnBrk="0" hangingPunct="1"/>
-            <a:endParaRPr kumimoji="0" lang="en-US"/>
-          </a:p>
-        </p:txBody>
-      </p:sp>
     </p:spTree>
+    <p:extLst>
+      <p:ext uri="{BB962C8B-B14F-4D97-AF65-F5344CB8AC3E}">
+        <p14:creationId xmlns:p14="http://schemas.microsoft.com/office/powerpoint/2010/main" val="3674110699"/>
+      </p:ext>
+    </p:extLst>
   </p:cSld>
   <p:clrMapOvr>
-    <a:overrideClrMapping bg1="dk1" tx1="lt1" bg2="dk2" tx2="lt2" accent1="accent1" accent2="accent2" accent3="accent3" accent4="accent4" accent5="accent5" accent6="accent6" hlink="hlink" folHlink="folHlink"/>
+    <a:masterClrMapping/>
   </p:clrMapOvr>
 </p:sldLayout>
 </file>
@@ -4125,337 +3004,7 @@
       </p:grpSpPr>
       <p:sp>
         <p:nvSpPr>
-          <p:cNvPr id="13" name="Freeform 12"/>
-          <p:cNvSpPr>
-            <a:spLocks/>
-          </p:cNvSpPr>
-          <p:nvPr/>
-        </p:nvSpPr>
-        <p:spPr bwMode="auto">
-          <a:xfrm>
-            <a:off x="716436" y="5001993"/>
-            <a:ext cx="3802003" cy="1443111"/>
-          </a:xfrm>
-          <a:custGeom>
-            <a:avLst>
-              <a:gd name="A1" fmla="val 0"/>
-              <a:gd name="A2" fmla="val 0"/>
-              <a:gd name="A3" fmla="val 0"/>
-              <a:gd name="A4" fmla="val 0"/>
-              <a:gd name="A5" fmla="val 0"/>
-              <a:gd name="A6" fmla="val 0"/>
-              <a:gd name="A7" fmla="val 0"/>
-              <a:gd name="A8" fmla="val 0"/>
-            </a:avLst>
-            <a:gdLst/>
-            <a:ahLst/>
-            <a:cxnLst>
-              <a:cxn ang="0">
-                <a:pos x="0" y="0"/>
-              </a:cxn>
-              <a:cxn ang="0">
-                <a:pos x="5760" y="0"/>
-              </a:cxn>
-              <a:cxn ang="0">
-                <a:pos x="5760" y="528"/>
-              </a:cxn>
-              <a:cxn ang="0">
-                <a:pos x="48" y="0"/>
-              </a:cxn>
-            </a:cxnLst>
-            <a:rect l="0" t="0" r="0" b="0"/>
-            <a:pathLst>
-              <a:path w="5760" h="528">
-                <a:moveTo>
-                  <a:pt x="-329" y="347"/>
-                </a:moveTo>
-                <a:lnTo>
-                  <a:pt x="7156" y="682"/>
-                </a:lnTo>
-                <a:lnTo>
-                  <a:pt x="5229" y="682"/>
-                </a:lnTo>
-                <a:lnTo>
-                  <a:pt x="-328" y="345"/>
-                </a:lnTo>
-              </a:path>
-            </a:pathLst>
-          </a:custGeom>
-          <a:solidFill>
-            <a:schemeClr val="accent1">
-              <a:tint val="65000"/>
-              <a:satMod val="115000"/>
-              <a:alpha val="40000"/>
-            </a:schemeClr>
-          </a:solidFill>
-          <a:ln w="9525" cap="flat" cmpd="sng" algn="ctr">
-            <a:noFill/>
-            <a:prstDash val="solid"/>
-            <a:round/>
-            <a:headEnd type="none" w="med" len="med"/>
-            <a:tailEnd type="none" w="med" len="med"/>
-          </a:ln>
-          <a:effectLst/>
-        </p:spPr>
-        <p:txBody>
-          <a:bodyPr vert="horz" wrap="square" lIns="91440" tIns="45720" rIns="91440" bIns="45720" anchor="t" compatLnSpc="1"/>
-          <a:lstStyle>
-            <a:extLst/>
-          </a:lstStyle>
-          <a:p>
-            <a:endParaRPr kumimoji="0" lang="en-US"/>
-          </a:p>
-        </p:txBody>
-      </p:sp>
-      <p:sp>
-        <p:nvSpPr>
-          <p:cNvPr id="12" name="Freeform 11"/>
-          <p:cNvSpPr>
-            <a:spLocks/>
-          </p:cNvSpPr>
-          <p:nvPr/>
-        </p:nvSpPr>
-        <p:spPr bwMode="auto">
-          <a:xfrm>
-            <a:off x="-53561" y="5785023"/>
-            <a:ext cx="3802003" cy="838200"/>
-          </a:xfrm>
-          <a:custGeom>
-            <a:avLst>
-              <a:gd name="A1" fmla="val 0"/>
-              <a:gd name="A2" fmla="val 0"/>
-              <a:gd name="A3" fmla="val 0"/>
-              <a:gd name="A4" fmla="val 0"/>
-              <a:gd name="A5" fmla="val 0"/>
-              <a:gd name="A6" fmla="val 0"/>
-              <a:gd name="A7" fmla="val 0"/>
-              <a:gd name="A8" fmla="val 0"/>
-            </a:avLst>
-            <a:gdLst/>
-            <a:ahLst/>
-            <a:cxnLst>
-              <a:cxn ang="0">
-                <a:pos x="0" y="0"/>
-              </a:cxn>
-              <a:cxn ang="0">
-                <a:pos x="5760" y="0"/>
-              </a:cxn>
-              <a:cxn ang="0">
-                <a:pos x="5760" y="528"/>
-              </a:cxn>
-              <a:cxn ang="0">
-                <a:pos x="48" y="0"/>
-              </a:cxn>
-            </a:cxnLst>
-            <a:rect l="0" t="0" r="0" b="0"/>
-            <a:pathLst>
-              <a:path w="5760" h="528">
-                <a:moveTo>
-                  <a:pt x="817" y="97"/>
-                </a:moveTo>
-                <a:lnTo>
-                  <a:pt x="6408" y="682"/>
-                </a:lnTo>
-                <a:lnTo>
-                  <a:pt x="5232" y="685"/>
-                </a:lnTo>
-                <a:lnTo>
-                  <a:pt x="829" y="101"/>
-                </a:lnTo>
-              </a:path>
-            </a:pathLst>
-          </a:custGeom>
-          <a:solidFill>
-            <a:srgbClr val="000000">
-              <a:alpha val="100000"/>
-            </a:srgbClr>
-          </a:solidFill>
-          <a:ln w="9525" cap="flat" cmpd="sng" algn="ctr">
-            <a:noFill/>
-            <a:prstDash val="solid"/>
-            <a:round/>
-            <a:headEnd type="none" w="med" len="med"/>
-            <a:tailEnd type="none" w="med" len="med"/>
-          </a:ln>
-          <a:effectLst/>
-        </p:spPr>
-        <p:txBody>
-          <a:bodyPr vert="horz" wrap="square" lIns="91440" tIns="45720" rIns="91440" bIns="45720" anchor="t" compatLnSpc="1"/>
-          <a:lstStyle>
-            <a:extLst/>
-          </a:lstStyle>
-          <a:p>
-            <a:endParaRPr kumimoji="0" lang="en-US"/>
-          </a:p>
-        </p:txBody>
-      </p:sp>
-      <p:sp>
-        <p:nvSpPr>
-          <p:cNvPr id="14" name="Right Triangle 13"/>
-          <p:cNvSpPr>
-            <a:spLocks/>
-          </p:cNvSpPr>
-          <p:nvPr/>
-        </p:nvSpPr>
-        <p:spPr bwMode="auto">
-          <a:xfrm>
-            <a:off x="-6042" y="5791253"/>
-            <a:ext cx="3402314" cy="1080868"/>
-          </a:xfrm>
-          <a:prstGeom prst="rtTriangle">
-            <a:avLst/>
-          </a:prstGeom>
-          <a:blipFill>
-            <a:blip r:embed="rId13">
-              <a:alphaModFix amt="50000"/>
-            </a:blip>
-            <a:tile tx="0" ty="0" sx="50000" sy="50000" flip="none" algn="t"/>
-          </a:blipFill>
-          <a:ln w="12700" cap="rnd" cmpd="thickThin" algn="ctr">
-            <a:noFill/>
-            <a:prstDash val="solid"/>
-          </a:ln>
-          <a:effectLst>
-            <a:fillOverlay blend="mult">
-              <a:gradFill flip="none" rotWithShape="1">
-                <a:gsLst>
-                  <a:gs pos="0">
-                    <a:schemeClr val="accent1">
-                      <a:shade val="20000"/>
-                      <a:satMod val="176000"/>
-                      <a:alpha val="100000"/>
-                    </a:schemeClr>
-                  </a:gs>
-                  <a:gs pos="18000">
-                    <a:schemeClr val="accent1">
-                      <a:shade val="48000"/>
-                      <a:satMod val="153000"/>
-                      <a:alpha val="100000"/>
-                    </a:schemeClr>
-                  </a:gs>
-                  <a:gs pos="43000">
-                    <a:schemeClr val="accent1">
-                      <a:tint val="86000"/>
-                      <a:satMod val="149000"/>
-                      <a:alpha val="100000"/>
-                    </a:schemeClr>
-                  </a:gs>
-                  <a:gs pos="45000">
-                    <a:schemeClr val="accent1">
-                      <a:tint val="85000"/>
-                      <a:satMod val="150000"/>
-                      <a:alpha val="100000"/>
-                    </a:schemeClr>
-                  </a:gs>
-                  <a:gs pos="50000">
-                    <a:schemeClr val="accent1">
-                      <a:tint val="86000"/>
-                      <a:satMod val="149000"/>
-                      <a:alpha val="100000"/>
-                    </a:schemeClr>
-                  </a:gs>
-                  <a:gs pos="79000">
-                    <a:schemeClr val="accent1">
-                      <a:shade val="53000"/>
-                      <a:satMod val="150000"/>
-                      <a:alpha val="100000"/>
-                    </a:schemeClr>
-                  </a:gs>
-                  <a:gs pos="100000">
-                    <a:schemeClr val="accent1">
-                      <a:shade val="25000"/>
-                      <a:satMod val="170000"/>
-                      <a:alpha val="100000"/>
-                    </a:schemeClr>
-                  </a:gs>
-                </a:gsLst>
-                <a:lin ang="450000" scaled="1"/>
-                <a:tileRect/>
-              </a:gradFill>
-            </a:fillOverlay>
-          </a:effectLst>
-        </p:spPr>
-        <p:style>
-          <a:lnRef idx="3">
-            <a:schemeClr val="lt1"/>
-          </a:lnRef>
-          <a:fillRef idx="1">
-            <a:schemeClr val="accent1"/>
-          </a:fillRef>
-          <a:effectRef idx="1">
-            <a:schemeClr val="accent1"/>
-          </a:effectRef>
-          <a:fontRef idx="minor">
-            <a:schemeClr val="lt1"/>
-          </a:fontRef>
-        </p:style>
-        <p:txBody>
-          <a:bodyPr vert="horz" wrap="square" lIns="91440" tIns="45720" rIns="91440" bIns="45720" anchor="ctr" compatLnSpc="1"/>
-          <a:lstStyle>
-            <a:extLst/>
-          </a:lstStyle>
-          <a:p>
-            <a:pPr algn="ctr" eaLnBrk="1" latinLnBrk="0" hangingPunct="1"/>
-            <a:endParaRPr kumimoji="0" lang="en-US"/>
-          </a:p>
-        </p:txBody>
-      </p:sp>
-      <p:cxnSp>
-        <p:nvCxnSpPr>
-          <p:cNvPr id="15" name="Straight Connector 14"/>
-          <p:cNvCxnSpPr/>
-          <p:nvPr/>
-        </p:nvCxnSpPr>
-        <p:spPr>
-          <a:xfrm>
-            <a:off x="-9237" y="5787738"/>
-            <a:ext cx="3405509" cy="1084383"/>
-          </a:xfrm>
-          <a:prstGeom prst="line">
-            <a:avLst/>
-          </a:prstGeom>
-          <a:noFill/>
-          <a:ln w="12065" cap="flat" cmpd="sng" algn="ctr">
-            <a:gradFill>
-              <a:gsLst>
-                <a:gs pos="45000">
-                  <a:schemeClr val="accent1">
-                    <a:tint val="70000"/>
-                    <a:satMod val="110000"/>
-                  </a:schemeClr>
-                </a:gs>
-                <a:gs pos="15000">
-                  <a:schemeClr val="accent1">
-                    <a:shade val="40000"/>
-                    <a:satMod val="110000"/>
-                  </a:schemeClr>
-                </a:gs>
-              </a:gsLst>
-              <a:lin ang="5400000" scaled="1"/>
-            </a:gradFill>
-            <a:prstDash val="solid"/>
-            <a:miter lim="800000"/>
-          </a:ln>
-          <a:effectLst/>
-        </p:spPr>
-        <p:style>
-          <a:lnRef idx="2">
-            <a:schemeClr val="accent1"/>
-          </a:lnRef>
-          <a:fillRef idx="0">
-            <a:schemeClr val="accent1"/>
-          </a:fillRef>
-          <a:effectRef idx="1">
-            <a:schemeClr val="accent1"/>
-          </a:effectRef>
-          <a:fontRef idx="minor">
-            <a:schemeClr val="tx1"/>
-          </a:fontRef>
-        </p:style>
-      </p:cxnSp>
-      <p:sp>
-        <p:nvSpPr>
-          <p:cNvPr id="9" name="Title Placeholder 8"/>
+          <p:cNvPr id="2" name="Title Placeholder 1"/>
           <p:cNvSpPr>
             <a:spLocks noGrp="1"/>
           </p:cNvSpPr>
@@ -4473,31 +3022,22 @@
           </a:prstGeom>
         </p:spPr>
         <p:txBody>
-          <a:bodyPr vert="horz" anchor="ctr">
+          <a:bodyPr vert="horz" lIns="91440" tIns="45720" rIns="91440" bIns="45720" rtlCol="0" anchor="ctr">
             <a:normAutofit/>
-            <a:scene3d>
-              <a:camera prst="orthographicFront"/>
-              <a:lightRig rig="soft" dir="t"/>
-            </a:scene3d>
-            <a:sp3d prstMaterial="softEdge">
-              <a:bevelT w="25400" h="25400"/>
-            </a:sp3d>
           </a:bodyPr>
-          <a:lstStyle>
-            <a:extLst/>
-          </a:lstStyle>
-          <a:p>
-            <a:r>
-              <a:rPr kumimoji="0" lang="en-US" smtClean="0"/>
+          <a:lstStyle/>
+          <a:p>
+            <a:r>
+              <a:rPr lang="en-US" smtClean="0"/>
               <a:t>Click to edit Master title style</a:t>
             </a:r>
-            <a:endParaRPr kumimoji="0" lang="en-US"/>
-          </a:p>
-        </p:txBody>
-      </p:sp>
-      <p:sp>
-        <p:nvSpPr>
-          <p:cNvPr id="30" name="Text Placeholder 29"/>
+            <a:endParaRPr lang="en-US"/>
+          </a:p>
+        </p:txBody>
+      </p:sp>
+      <p:sp>
+        <p:nvSpPr>
+          <p:cNvPr id="3" name="Text Placeholder 2"/>
           <p:cNvSpPr>
             <a:spLocks noGrp="1"/>
           </p:cNvSpPr>
@@ -4507,7 +3047,7 @@
         </p:nvSpPr>
         <p:spPr>
           <a:xfrm>
-            <a:off x="457200" y="1481328"/>
+            <a:off x="457200" y="1600200"/>
             <a:ext cx="8229600" cy="4525963"/>
           </a:xfrm>
           <a:prstGeom prst="rect">
@@ -4515,53 +3055,51 @@
           </a:prstGeom>
         </p:spPr>
         <p:txBody>
-          <a:bodyPr vert="horz">
+          <a:bodyPr vert="horz" lIns="91440" tIns="45720" rIns="91440" bIns="45720" rtlCol="0">
             <a:normAutofit/>
           </a:bodyPr>
-          <a:lstStyle>
-            <a:extLst/>
-          </a:lstStyle>
-          <a:p>
-            <a:pPr lvl="0" eaLnBrk="1" latinLnBrk="0" hangingPunct="1"/>
-            <a:r>
-              <a:rPr kumimoji="0" lang="en-US" smtClean="0"/>
+          <a:lstStyle/>
+          <a:p>
+            <a:pPr lvl="0"/>
+            <a:r>
+              <a:rPr lang="en-US" smtClean="0"/>
               <a:t>Click to edit Master text styles</a:t>
             </a:r>
           </a:p>
           <a:p>
-            <a:pPr lvl="1" eaLnBrk="1" latinLnBrk="0" hangingPunct="1"/>
-            <a:r>
-              <a:rPr kumimoji="0" lang="en-US" smtClean="0"/>
+            <a:pPr lvl="1"/>
+            <a:r>
+              <a:rPr lang="en-US" smtClean="0"/>
               <a:t>Second level</a:t>
             </a:r>
           </a:p>
           <a:p>
-            <a:pPr lvl="2" eaLnBrk="1" latinLnBrk="0" hangingPunct="1"/>
-            <a:r>
-              <a:rPr kumimoji="0" lang="en-US" smtClean="0"/>
+            <a:pPr lvl="2"/>
+            <a:r>
+              <a:rPr lang="en-US" smtClean="0"/>
               <a:t>Third level</a:t>
             </a:r>
           </a:p>
           <a:p>
-            <a:pPr lvl="3" eaLnBrk="1" latinLnBrk="0" hangingPunct="1"/>
-            <a:r>
-              <a:rPr kumimoji="0" lang="en-US" smtClean="0"/>
+            <a:pPr lvl="3"/>
+            <a:r>
+              <a:rPr lang="en-US" smtClean="0"/>
               <a:t>Fourth level</a:t>
             </a:r>
           </a:p>
           <a:p>
-            <a:pPr lvl="4" eaLnBrk="1" latinLnBrk="0" hangingPunct="1"/>
-            <a:r>
-              <a:rPr kumimoji="0" lang="en-US" smtClean="0"/>
+            <a:pPr lvl="4"/>
+            <a:r>
+              <a:rPr lang="en-US" smtClean="0"/>
               <a:t>Fifth level</a:t>
             </a:r>
-            <a:endParaRPr kumimoji="0" lang="en-US"/>
-          </a:p>
-        </p:txBody>
-      </p:sp>
-      <p:sp>
-        <p:nvSpPr>
-          <p:cNvPr id="10" name="Date Placeholder 9"/>
+            <a:endParaRPr lang="en-US"/>
+          </a:p>
+        </p:txBody>
+      </p:sp>
+      <p:sp>
+        <p:nvSpPr>
+          <p:cNvPr id="4" name="Date Placeholder 3"/>
           <p:cNvSpPr>
             <a:spLocks noGrp="1"/>
           </p:cNvSpPr>
@@ -4571,30 +3109,31 @@
         </p:nvSpPr>
         <p:spPr>
           <a:xfrm>
-            <a:off x="6727032" y="6407944"/>
-            <a:ext cx="1920240" cy="365760"/>
+            <a:off x="457200" y="6356350"/>
+            <a:ext cx="2133600" cy="365125"/>
           </a:xfrm>
           <a:prstGeom prst="rect">
             <a:avLst/>
           </a:prstGeom>
         </p:spPr>
         <p:txBody>
-          <a:bodyPr vert="horz" anchor="b"/>
+          <a:bodyPr vert="horz" lIns="91440" tIns="45720" rIns="91440" bIns="45720" rtlCol="0" anchor="ctr"/>
           <a:lstStyle>
-            <a:lvl1pPr algn="l" eaLnBrk="1" latinLnBrk="0" hangingPunct="1">
-              <a:defRPr kumimoji="0" sz="1000">
+            <a:lvl1pPr algn="l">
+              <a:defRPr sz="1200">
                 <a:solidFill>
-                  <a:schemeClr val="tx1"/>
+                  <a:schemeClr val="tx1">
+                    <a:tint val="75000"/>
+                  </a:schemeClr>
                 </a:solidFill>
               </a:defRPr>
             </a:lvl1pPr>
-            <a:extLst/>
           </a:lstStyle>
           <a:p>
             <a:fld id="{98953B7D-DCD9-4820-A960-E75F751A466A}" type="datetime1">
               <a:rPr lang="en-US" smtClean="0"/>
               <a:pPr/>
-              <a:t>8/16/2015</a:t>
+              <a:t>8/22/15</a:t>
             </a:fld>
             <a:endParaRPr lang="en-US"/>
           </a:p>
@@ -4602,7 +3141,7 @@
       </p:sp>
       <p:sp>
         <p:nvSpPr>
-          <p:cNvPr id="22" name="Footer Placeholder 21"/>
+          <p:cNvPr id="5" name="Footer Placeholder 4"/>
           <p:cNvSpPr>
             <a:spLocks noGrp="1"/>
           </p:cNvSpPr>
@@ -4612,24 +3151,25 @@
         </p:nvSpPr>
         <p:spPr>
           <a:xfrm>
-            <a:off x="4380072" y="6407944"/>
-            <a:ext cx="2350681" cy="365125"/>
+            <a:off x="3124200" y="6356350"/>
+            <a:ext cx="2895600" cy="365125"/>
           </a:xfrm>
           <a:prstGeom prst="rect">
             <a:avLst/>
           </a:prstGeom>
         </p:spPr>
         <p:txBody>
-          <a:bodyPr vert="horz" anchor="b"/>
+          <a:bodyPr vert="horz" lIns="91440" tIns="45720" rIns="91440" bIns="45720" rtlCol="0" anchor="ctr"/>
           <a:lstStyle>
-            <a:lvl1pPr algn="r" eaLnBrk="1" latinLnBrk="0" hangingPunct="1">
-              <a:defRPr kumimoji="0" sz="1000">
+            <a:lvl1pPr algn="ctr">
+              <a:defRPr sz="1200">
                 <a:solidFill>
-                  <a:schemeClr val="tx1"/>
+                  <a:schemeClr val="tx1">
+                    <a:tint val="75000"/>
+                  </a:schemeClr>
                 </a:solidFill>
               </a:defRPr>
             </a:lvl1pPr>
-            <a:extLst/>
           </a:lstStyle>
           <a:p>
             <a:endParaRPr lang="en-US"/>
@@ -4638,7 +3178,7 @@
       </p:sp>
       <p:sp>
         <p:nvSpPr>
-          <p:cNvPr id="18" name="Slide Number Placeholder 17"/>
+          <p:cNvPr id="6" name="Slide Number Placeholder 5"/>
           <p:cNvSpPr>
             <a:spLocks noGrp="1"/>
           </p:cNvSpPr>
@@ -4648,24 +3188,25 @@
         </p:nvSpPr>
         <p:spPr>
           <a:xfrm>
-            <a:off x="8647272" y="6407944"/>
-            <a:ext cx="365760" cy="365125"/>
+            <a:off x="6553200" y="6356350"/>
+            <a:ext cx="2133600" cy="365125"/>
           </a:xfrm>
           <a:prstGeom prst="rect">
             <a:avLst/>
           </a:prstGeom>
         </p:spPr>
         <p:txBody>
-          <a:bodyPr vert="horz" anchor="b"/>
+          <a:bodyPr vert="horz" lIns="91440" tIns="45720" rIns="91440" bIns="45720" rtlCol="0" anchor="ctr"/>
           <a:lstStyle>
-            <a:lvl1pPr algn="r" eaLnBrk="1" latinLnBrk="0" hangingPunct="1">
-              <a:defRPr kumimoji="0" sz="1000" b="0">
+            <a:lvl1pPr algn="r">
+              <a:defRPr sz="1200">
                 <a:solidFill>
-                  <a:schemeClr val="tx1"/>
+                  <a:schemeClr val="tx1">
+                    <a:tint val="75000"/>
+                  </a:schemeClr>
                 </a:solidFill>
               </a:defRPr>
             </a:lvl1pPr>
-            <a:extLst/>
           </a:lstStyle>
           <a:p>
             <a:fld id="{31E7C4D2-2F11-4011-AB4F-F84DBF4A0B01}" type="slidenum">
@@ -4678,62 +3219,52 @@
         </p:txBody>
       </p:sp>
     </p:spTree>
+    <p:extLst>
+      <p:ext uri="{BB962C8B-B14F-4D97-AF65-F5344CB8AC3E}">
+        <p14:creationId xmlns:p14="http://schemas.microsoft.com/office/powerpoint/2010/main" val="2345921488"/>
+      </p:ext>
+    </p:extLst>
   </p:cSld>
   <p:clrMap bg1="lt1" tx1="dk1" bg2="lt2" tx2="dk2" accent1="accent1" accent2="accent2" accent3="accent3" accent4="accent4" accent5="accent5" accent6="accent6" hlink="hlink" folHlink="folHlink"/>
   <p:sldLayoutIdLst>
-    <p:sldLayoutId id="2147483709" r:id="rId1"/>
-    <p:sldLayoutId id="2147483710" r:id="rId2"/>
-    <p:sldLayoutId id="2147483711" r:id="rId3"/>
-    <p:sldLayoutId id="2147483712" r:id="rId4"/>
-    <p:sldLayoutId id="2147483713" r:id="rId5"/>
-    <p:sldLayoutId id="2147483714" r:id="rId6"/>
-    <p:sldLayoutId id="2147483715" r:id="rId7"/>
-    <p:sldLayoutId id="2147483716" r:id="rId8"/>
-    <p:sldLayoutId id="2147483717" r:id="rId9"/>
-    <p:sldLayoutId id="2147483718" r:id="rId10"/>
-    <p:sldLayoutId id="2147483719" r:id="rId11"/>
+    <p:sldLayoutId id="2147483721" r:id="rId1"/>
+    <p:sldLayoutId id="2147483722" r:id="rId2"/>
+    <p:sldLayoutId id="2147483723" r:id="rId3"/>
+    <p:sldLayoutId id="2147483724" r:id="rId4"/>
+    <p:sldLayoutId id="2147483725" r:id="rId5"/>
+    <p:sldLayoutId id="2147483726" r:id="rId6"/>
+    <p:sldLayoutId id="2147483727" r:id="rId7"/>
+    <p:sldLayoutId id="2147483728" r:id="rId8"/>
+    <p:sldLayoutId id="2147483729" r:id="rId9"/>
+    <p:sldLayoutId id="2147483730" r:id="rId10"/>
+    <p:sldLayoutId id="2147483731" r:id="rId11"/>
   </p:sldLayoutIdLst>
   <p:hf hdr="0" ftr="0" dt="0"/>
   <p:txStyles>
     <p:titleStyle>
-      <a:lvl1pPr algn="l" rtl="0" eaLnBrk="1" latinLnBrk="0" hangingPunct="1">
+      <a:lvl1pPr algn="ctr" defTabSz="457200" rtl="0" eaLnBrk="1" latinLnBrk="0" hangingPunct="1">
         <a:spcBef>
           <a:spcPct val="0"/>
         </a:spcBef>
         <a:buNone/>
-        <a:defRPr kumimoji="0" sz="4100" b="1" kern="1200">
+        <a:defRPr sz="4400" kern="1200">
           <a:solidFill>
-            <a:schemeClr val="tx2"/>
+            <a:schemeClr val="tx1"/>
           </a:solidFill>
-          <a:effectLst>
-            <a:outerShdw blurRad="31750" dist="25400" dir="5400000" algn="tl" rotWithShape="0">
-              <a:srgbClr val="000000">
-                <a:alpha val="25000"/>
-              </a:srgbClr>
-            </a:outerShdw>
-          </a:effectLst>
           <a:latin typeface="+mj-lt"/>
           <a:ea typeface="+mj-ea"/>
           <a:cs typeface="+mj-cs"/>
         </a:defRPr>
       </a:lvl1pPr>
-      <a:extLst/>
     </p:titleStyle>
     <p:bodyStyle>
-      <a:lvl1pPr marL="365760" indent="-256032" algn="l" rtl="0" eaLnBrk="1" latinLnBrk="0" hangingPunct="1">
+      <a:lvl1pPr marL="342900" indent="-342900" algn="l" defTabSz="457200" rtl="0" eaLnBrk="1" latinLnBrk="0" hangingPunct="1">
         <a:spcBef>
-          <a:spcPts val="400"/>
+          <a:spcPct val="20000"/>
         </a:spcBef>
-        <a:spcAft>
-          <a:spcPts val="0"/>
-        </a:spcAft>
-        <a:buClr>
-          <a:schemeClr val="accent1"/>
-        </a:buClr>
-        <a:buSzPct val="68000"/>
-        <a:buFont typeface="Wingdings 3"/>
-        <a:buChar char=""/>
-        <a:defRPr kumimoji="0" sz="2700" kern="1200">
+        <a:buFont typeface="Arial"/>
+        <a:buChar char="•"/>
+        <a:defRPr sz="3200" kern="1200">
           <a:solidFill>
             <a:schemeClr val="tx1"/>
           </a:solidFill>
@@ -4742,16 +3273,13 @@
           <a:cs typeface="+mn-cs"/>
         </a:defRPr>
       </a:lvl1pPr>
-      <a:lvl2pPr marL="621792" indent="-228600" algn="l" rtl="0" eaLnBrk="1" latinLnBrk="0" hangingPunct="1">
+      <a:lvl2pPr marL="742950" indent="-285750" algn="l" defTabSz="457200" rtl="0" eaLnBrk="1" latinLnBrk="0" hangingPunct="1">
         <a:spcBef>
-          <a:spcPts val="324"/>
+          <a:spcPct val="20000"/>
         </a:spcBef>
-        <a:buClr>
-          <a:schemeClr val="accent1"/>
-        </a:buClr>
-        <a:buFont typeface="Verdana"/>
-        <a:buChar char="◦"/>
-        <a:defRPr kumimoji="0" sz="2300" kern="1200">
+        <a:buFont typeface="Arial"/>
+        <a:buChar char="–"/>
+        <a:defRPr sz="2800" kern="1200">
           <a:solidFill>
             <a:schemeClr val="tx1"/>
           </a:solidFill>
@@ -4760,17 +3288,13 @@
           <a:cs typeface="+mn-cs"/>
         </a:defRPr>
       </a:lvl2pPr>
-      <a:lvl3pPr marL="859536" indent="-228600" algn="l" rtl="0" eaLnBrk="1" latinLnBrk="0" hangingPunct="1">
+      <a:lvl3pPr marL="1143000" indent="-228600" algn="l" defTabSz="457200" rtl="0" eaLnBrk="1" latinLnBrk="0" hangingPunct="1">
         <a:spcBef>
-          <a:spcPts val="350"/>
+          <a:spcPct val="20000"/>
         </a:spcBef>
-        <a:buClr>
-          <a:schemeClr val="accent2"/>
-        </a:buClr>
-        <a:buSzPct val="100000"/>
-        <a:buFont typeface="Wingdings 2"/>
-        <a:buChar char=""/>
-        <a:defRPr kumimoji="0" sz="2100" kern="1200">
+        <a:buFont typeface="Arial"/>
+        <a:buChar char="•"/>
+        <a:defRPr sz="2400" kern="1200">
           <a:solidFill>
             <a:schemeClr val="tx1"/>
           </a:solidFill>
@@ -4779,16 +3303,13 @@
           <a:cs typeface="+mn-cs"/>
         </a:defRPr>
       </a:lvl3pPr>
-      <a:lvl4pPr marL="1143000" indent="-228600" algn="l" rtl="0" eaLnBrk="1" latinLnBrk="0" hangingPunct="1">
+      <a:lvl4pPr marL="1600200" indent="-228600" algn="l" defTabSz="457200" rtl="0" eaLnBrk="1" latinLnBrk="0" hangingPunct="1">
         <a:spcBef>
-          <a:spcPts val="350"/>
+          <a:spcPct val="20000"/>
         </a:spcBef>
-        <a:buClr>
-          <a:schemeClr val="accent2"/>
-        </a:buClr>
-        <a:buFont typeface="Wingdings 2"/>
-        <a:buChar char=""/>
-        <a:defRPr kumimoji="0" sz="1900" kern="1200">
+        <a:buFont typeface="Arial"/>
+        <a:buChar char="–"/>
+        <a:defRPr sz="2000" kern="1200">
           <a:solidFill>
             <a:schemeClr val="tx1"/>
           </a:solidFill>
@@ -4797,16 +3318,13 @@
           <a:cs typeface="+mn-cs"/>
         </a:defRPr>
       </a:lvl4pPr>
-      <a:lvl5pPr marL="1371600" indent="-228600" algn="l" rtl="0" eaLnBrk="1" latinLnBrk="0" hangingPunct="1">
+      <a:lvl5pPr marL="2057400" indent="-228600" algn="l" defTabSz="457200" rtl="0" eaLnBrk="1" latinLnBrk="0" hangingPunct="1">
         <a:spcBef>
-          <a:spcPts val="350"/>
+          <a:spcPct val="20000"/>
         </a:spcBef>
-        <a:buClr>
-          <a:schemeClr val="accent2"/>
-        </a:buClr>
-        <a:buFont typeface="Wingdings 2"/>
-        <a:buChar char=""/>
-        <a:defRPr kumimoji="0" sz="1800" kern="1200">
+        <a:buFont typeface="Arial"/>
+        <a:buChar char="»"/>
+        <a:defRPr sz="2000" kern="1200">
           <a:solidFill>
             <a:schemeClr val="tx1"/>
           </a:solidFill>
@@ -4815,16 +3333,13 @@
           <a:cs typeface="+mn-cs"/>
         </a:defRPr>
       </a:lvl5pPr>
-      <a:lvl6pPr marL="1600200" indent="-228600" algn="l" rtl="0" eaLnBrk="1" latinLnBrk="0" hangingPunct="1">
+      <a:lvl6pPr marL="2514600" indent="-228600" algn="l" defTabSz="457200" rtl="0" eaLnBrk="1" latinLnBrk="0" hangingPunct="1">
         <a:spcBef>
-          <a:spcPts val="350"/>
+          <a:spcPct val="20000"/>
         </a:spcBef>
-        <a:buClr>
-          <a:schemeClr val="accent3"/>
-        </a:buClr>
-        <a:buFont typeface="Wingdings 2"/>
-        <a:buChar char=""/>
-        <a:defRPr kumimoji="0" sz="1800" kern="1200">
+        <a:buFont typeface="Arial"/>
+        <a:buChar char="•"/>
+        <a:defRPr sz="2000" kern="1200">
           <a:solidFill>
             <a:schemeClr val="tx1"/>
           </a:solidFill>
@@ -4833,16 +3348,13 @@
           <a:cs typeface="+mn-cs"/>
         </a:defRPr>
       </a:lvl6pPr>
-      <a:lvl7pPr marL="1828800" indent="-228600" algn="l" rtl="0" eaLnBrk="1" latinLnBrk="0" hangingPunct="1">
+      <a:lvl7pPr marL="2971800" indent="-228600" algn="l" defTabSz="457200" rtl="0" eaLnBrk="1" latinLnBrk="0" hangingPunct="1">
         <a:spcBef>
-          <a:spcPts val="350"/>
+          <a:spcPct val="20000"/>
         </a:spcBef>
-        <a:buClr>
-          <a:schemeClr val="accent3"/>
-        </a:buClr>
-        <a:buFont typeface="Wingdings 2"/>
-        <a:buChar char=""/>
-        <a:defRPr kumimoji="0" sz="1600" kern="1200">
+        <a:buFont typeface="Arial"/>
+        <a:buChar char="•"/>
+        <a:defRPr sz="2000" kern="1200">
           <a:solidFill>
             <a:schemeClr val="tx1"/>
           </a:solidFill>
@@ -4851,16 +3363,13 @@
           <a:cs typeface="+mn-cs"/>
         </a:defRPr>
       </a:lvl7pPr>
-      <a:lvl8pPr marL="2057400" indent="-228600" algn="l" rtl="0" eaLnBrk="1" latinLnBrk="0" hangingPunct="1">
+      <a:lvl8pPr marL="3429000" indent="-228600" algn="l" defTabSz="457200" rtl="0" eaLnBrk="1" latinLnBrk="0" hangingPunct="1">
         <a:spcBef>
-          <a:spcPts val="350"/>
+          <a:spcPct val="20000"/>
         </a:spcBef>
-        <a:buClr>
-          <a:schemeClr val="accent3"/>
-        </a:buClr>
-        <a:buFont typeface="Wingdings 2"/>
-        <a:buChar char=""/>
-        <a:defRPr kumimoji="0" sz="1600" kern="1200">
+        <a:buFont typeface="Arial"/>
+        <a:buChar char="•"/>
+        <a:defRPr sz="2000" kern="1200">
           <a:solidFill>
             <a:schemeClr val="tx1"/>
           </a:solidFill>
@@ -4869,16 +3378,13 @@
           <a:cs typeface="+mn-cs"/>
         </a:defRPr>
       </a:lvl8pPr>
-      <a:lvl9pPr marL="2286000" indent="-228600" algn="l" rtl="0" eaLnBrk="1" latinLnBrk="0" hangingPunct="1">
+      <a:lvl9pPr marL="3886200" indent="-228600" algn="l" defTabSz="457200" rtl="0" eaLnBrk="1" latinLnBrk="0" hangingPunct="1">
         <a:spcBef>
-          <a:spcPts val="350"/>
+          <a:spcPct val="20000"/>
         </a:spcBef>
-        <a:buClr>
-          <a:schemeClr val="accent3"/>
-        </a:buClr>
-        <a:buFont typeface="Wingdings 2"/>
-        <a:buChar char=""/>
-        <a:defRPr kumimoji="0" sz="1600" kern="1200" baseline="0">
+        <a:buFont typeface="Arial"/>
+        <a:buChar char="•"/>
+        <a:defRPr sz="2000" kern="1200">
           <a:solidFill>
             <a:schemeClr val="tx1"/>
           </a:solidFill>
@@ -4887,11 +3393,13 @@
           <a:cs typeface="+mn-cs"/>
         </a:defRPr>
       </a:lvl9pPr>
-      <a:extLst/>
     </p:bodyStyle>
     <p:otherStyle>
-      <a:lvl1pPr marL="0" algn="l" rtl="0" eaLnBrk="1" latinLnBrk="0" hangingPunct="1">
-        <a:defRPr kumimoji="0" kern="1200">
+      <a:defPPr>
+        <a:defRPr lang="en-US"/>
+      </a:defPPr>
+      <a:lvl1pPr marL="0" algn="l" defTabSz="457200" rtl="0" eaLnBrk="1" latinLnBrk="0" hangingPunct="1">
+        <a:defRPr sz="1800" kern="1200">
           <a:solidFill>
             <a:schemeClr val="tx1"/>
           </a:solidFill>
@@ -4900,8 +3408,8 @@
           <a:cs typeface="+mn-cs"/>
         </a:defRPr>
       </a:lvl1pPr>
-      <a:lvl2pPr marL="457200" algn="l" rtl="0" eaLnBrk="1" latinLnBrk="0" hangingPunct="1">
-        <a:defRPr kumimoji="0" kern="1200">
+      <a:lvl2pPr marL="457200" algn="l" defTabSz="457200" rtl="0" eaLnBrk="1" latinLnBrk="0" hangingPunct="1">
+        <a:defRPr sz="1800" kern="1200">
           <a:solidFill>
             <a:schemeClr val="tx1"/>
           </a:solidFill>
@@ -4910,8 +3418,8 @@
           <a:cs typeface="+mn-cs"/>
         </a:defRPr>
       </a:lvl2pPr>
-      <a:lvl3pPr marL="914400" algn="l" rtl="0" eaLnBrk="1" latinLnBrk="0" hangingPunct="1">
-        <a:defRPr kumimoji="0" kern="1200">
+      <a:lvl3pPr marL="914400" algn="l" defTabSz="457200" rtl="0" eaLnBrk="1" latinLnBrk="0" hangingPunct="1">
+        <a:defRPr sz="1800" kern="1200">
           <a:solidFill>
             <a:schemeClr val="tx1"/>
           </a:solidFill>
@@ -4920,8 +3428,8 @@
           <a:cs typeface="+mn-cs"/>
         </a:defRPr>
       </a:lvl3pPr>
-      <a:lvl4pPr marL="1371600" algn="l" rtl="0" eaLnBrk="1" latinLnBrk="0" hangingPunct="1">
-        <a:defRPr kumimoji="0" kern="1200">
+      <a:lvl4pPr marL="1371600" algn="l" defTabSz="457200" rtl="0" eaLnBrk="1" latinLnBrk="0" hangingPunct="1">
+        <a:defRPr sz="1800" kern="1200">
           <a:solidFill>
             <a:schemeClr val="tx1"/>
           </a:solidFill>
@@ -4930,8 +3438,8 @@
           <a:cs typeface="+mn-cs"/>
         </a:defRPr>
       </a:lvl4pPr>
-      <a:lvl5pPr marL="1828800" algn="l" rtl="0" eaLnBrk="1" latinLnBrk="0" hangingPunct="1">
-        <a:defRPr kumimoji="0" kern="1200">
+      <a:lvl5pPr marL="1828800" algn="l" defTabSz="457200" rtl="0" eaLnBrk="1" latinLnBrk="0" hangingPunct="1">
+        <a:defRPr sz="1800" kern="1200">
           <a:solidFill>
             <a:schemeClr val="tx1"/>
           </a:solidFill>
@@ -4940,8 +3448,8 @@
           <a:cs typeface="+mn-cs"/>
         </a:defRPr>
       </a:lvl5pPr>
-      <a:lvl6pPr marL="2286000" algn="l" rtl="0" eaLnBrk="1" latinLnBrk="0" hangingPunct="1">
-        <a:defRPr kumimoji="0" kern="1200">
+      <a:lvl6pPr marL="2286000" algn="l" defTabSz="457200" rtl="0" eaLnBrk="1" latinLnBrk="0" hangingPunct="1">
+        <a:defRPr sz="1800" kern="1200">
           <a:solidFill>
             <a:schemeClr val="tx1"/>
           </a:solidFill>
@@ -4950,8 +3458,8 @@
           <a:cs typeface="+mn-cs"/>
         </a:defRPr>
       </a:lvl6pPr>
-      <a:lvl7pPr marL="2743200" algn="l" rtl="0" eaLnBrk="1" latinLnBrk="0" hangingPunct="1">
-        <a:defRPr kumimoji="0" kern="1200">
+      <a:lvl7pPr marL="2743200" algn="l" defTabSz="457200" rtl="0" eaLnBrk="1" latinLnBrk="0" hangingPunct="1">
+        <a:defRPr sz="1800" kern="1200">
           <a:solidFill>
             <a:schemeClr val="tx1"/>
           </a:solidFill>
@@ -4960,8 +3468,8 @@
           <a:cs typeface="+mn-cs"/>
         </a:defRPr>
       </a:lvl7pPr>
-      <a:lvl8pPr marL="3200400" algn="l" rtl="0" eaLnBrk="1" latinLnBrk="0" hangingPunct="1">
-        <a:defRPr kumimoji="0" kern="1200">
+      <a:lvl8pPr marL="3200400" algn="l" defTabSz="457200" rtl="0" eaLnBrk="1" latinLnBrk="0" hangingPunct="1">
+        <a:defRPr sz="1800" kern="1200">
           <a:solidFill>
             <a:schemeClr val="tx1"/>
           </a:solidFill>
@@ -4970,8 +3478,8 @@
           <a:cs typeface="+mn-cs"/>
         </a:defRPr>
       </a:lvl8pPr>
-      <a:lvl9pPr marL="3657600" algn="l" rtl="0" eaLnBrk="1" latinLnBrk="0" hangingPunct="1">
-        <a:defRPr kumimoji="0" kern="1200">
+      <a:lvl9pPr marL="3657600" algn="l" defTabSz="457200" rtl="0" eaLnBrk="1" latinLnBrk="0" hangingPunct="1">
+        <a:defRPr sz="1800" kern="1200">
           <a:solidFill>
             <a:schemeClr val="tx1"/>
           </a:solidFill>
@@ -4980,7 +3488,6 @@
           <a:cs typeface="+mn-cs"/>
         </a:defRPr>
       </a:lvl9pPr>
-      <a:extLst/>
     </p:otherStyle>
   </p:txStyles>
 </p:sldMaster>
@@ -5003,40 +3510,54 @@
           <a:chExt cx="0" cy="0"/>
         </a:xfrm>
       </p:grpSpPr>
-      <p:pic>
-        <p:nvPicPr>
-          <p:cNvPr id="3" name="Picture 2"/>
-          <p:cNvPicPr>
-            <a:picLocks noChangeAspect="1"/>
-          </p:cNvPicPr>
-          <p:nvPr/>
-        </p:nvPicPr>
-        <p:blipFill>
-          <a:blip r:embed="rId2">
-            <a:extLst>
-              <a:ext uri="{28A0092B-C50C-407E-A947-70E740481C1C}">
-                <a14:useLocalDpi xmlns:a14="http://schemas.microsoft.com/office/drawing/2010/main" val="0"/>
-              </a:ext>
-            </a:extLst>
-          </a:blip>
-          <a:stretch>
-            <a:fillRect/>
-          </a:stretch>
-        </p:blipFill>
-        <p:spPr>
-          <a:xfrm>
-            <a:off x="533400" y="2133600"/>
-            <a:ext cx="8153400" cy="2111286"/>
-          </a:xfrm>
-          <a:prstGeom prst="rect">
-            <a:avLst/>
-          </a:prstGeom>
-        </p:spPr>
-      </p:pic>
+      <p:sp>
+        <p:nvSpPr>
+          <p:cNvPr id="2" name="Title 1"/>
+          <p:cNvSpPr>
+            <a:spLocks noGrp="1"/>
+          </p:cNvSpPr>
+          <p:nvPr>
+            <p:ph type="ctrTitle"/>
+          </p:nvPr>
+        </p:nvSpPr>
+        <p:spPr/>
+        <p:txBody>
+          <a:bodyPr>
+            <a:normAutofit/>
+          </a:bodyPr>
+          <a:lstStyle/>
+          <a:p>
+            <a:r>
+              <a:rPr lang="en-US" dirty="0" smtClean="0"/>
+              <a:t>Amazon Web Services</a:t>
+            </a:r>
+            <a:endParaRPr lang="en-US" dirty="0"/>
+          </a:p>
+        </p:txBody>
+      </p:sp>
+      <p:sp>
+        <p:nvSpPr>
+          <p:cNvPr id="3" name="Subtitle 2"/>
+          <p:cNvSpPr>
+            <a:spLocks noGrp="1"/>
+          </p:cNvSpPr>
+          <p:nvPr>
+            <p:ph type="subTitle" idx="1"/>
+          </p:nvPr>
+        </p:nvSpPr>
+        <p:spPr/>
+        <p:txBody>
+          <a:bodyPr/>
+          <a:lstStyle/>
+          <a:p>
+            <a:endParaRPr lang="en-US"/>
+          </a:p>
+        </p:txBody>
+      </p:sp>
     </p:spTree>
     <p:extLst>
       <p:ext uri="{BB962C8B-B14F-4D97-AF65-F5344CB8AC3E}">
-        <p14:creationId xmlns:p14="http://schemas.microsoft.com/office/powerpoint/2010/main" val="98314173"/>
+        <p14:creationId xmlns:p14="http://schemas.microsoft.com/office/powerpoint/2010/main" val="1303062295"/>
       </p:ext>
     </p:extLst>
   </p:cSld>
@@ -5046,7 +3567,7 @@
   <p:timing>
     <p:tnLst>
       <p:par>
-        <p:cTn id="1" dur="indefinite" restart="never" nodeType="tmRoot"/>
+        <p:cTn xmlns:p14="http://schemas.microsoft.com/office/powerpoint/2010/main" id="1" dur="indefinite" restart="never" nodeType="tmRoot"/>
       </p:par>
     </p:tnLst>
   </p:timing>
@@ -5072,7 +3593,7 @@
       </p:grpSpPr>
       <p:sp>
         <p:nvSpPr>
-          <p:cNvPr id="2" name="Title 1"/>
+          <p:cNvPr id="4" name="Title 3"/>
           <p:cNvSpPr>
             <a:spLocks noGrp="1"/>
           </p:cNvSpPr>
@@ -5087,7 +3608,7 @@
           <a:p>
             <a:r>
               <a:rPr lang="en-US" dirty="0" smtClean="0"/>
-              <a:t>VPC	</a:t>
+              <a:t>SSH Tunneling/forwarding</a:t>
             </a:r>
             <a:endParaRPr lang="en-US" dirty="0"/>
           </a:p>
@@ -5095,12 +3616,77 @@
       </p:sp>
       <p:sp>
         <p:nvSpPr>
-          <p:cNvPr id="3" name="Content Placeholder 2"/>
+          <p:cNvPr id="2" name="Content Placeholder 1"/>
           <p:cNvSpPr>
             <a:spLocks noGrp="1"/>
           </p:cNvSpPr>
           <p:nvPr>
             <p:ph idx="1"/>
+          </p:nvPr>
+        </p:nvSpPr>
+        <p:spPr/>
+        <p:txBody>
+          <a:bodyPr>
+            <a:normAutofit fontScale="85000" lnSpcReduction="10000"/>
+          </a:bodyPr>
+          <a:lstStyle/>
+          <a:p>
+            <a:r>
+              <a:rPr lang="en-US" dirty="0" smtClean="0"/>
+              <a:t>Elastic IPs costs you money (Amazon limits it to 5). It will be approximately 6$ per month for each elastic </a:t>
+            </a:r>
+            <a:r>
+              <a:rPr lang="en-US" dirty="0" err="1" smtClean="0"/>
+              <a:t>ip</a:t>
+            </a:r>
+            <a:endParaRPr lang="en-US" dirty="0" smtClean="0"/>
+          </a:p>
+          <a:p>
+            <a:r>
+              <a:rPr lang="en-US" dirty="0" smtClean="0"/>
+              <a:t>In a proper configuration all the servers in AWS region should communicate with each other using private </a:t>
+            </a:r>
+            <a:r>
+              <a:rPr lang="en-US" dirty="0" err="1" smtClean="0"/>
+              <a:t>ip</a:t>
+            </a:r>
+            <a:endParaRPr lang="en-US" dirty="0" smtClean="0"/>
+          </a:p>
+          <a:p>
+            <a:r>
+              <a:rPr lang="en-US" dirty="0" smtClean="0"/>
+              <a:t>But some times you might have to login to multiple instances temporarily. It can be achieved by SSH forwarding</a:t>
+            </a:r>
+          </a:p>
+          <a:p>
+            <a:r>
+              <a:rPr lang="en-US" dirty="0" smtClean="0"/>
+              <a:t>At times you also have to access web applications hosted on servers with private </a:t>
+            </a:r>
+            <a:r>
+              <a:rPr lang="en-US" dirty="0" err="1" smtClean="0"/>
+              <a:t>ips</a:t>
+            </a:r>
+            <a:r>
+              <a:rPr lang="en-US" dirty="0" smtClean="0"/>
+              <a:t>. It can be achieved using </a:t>
+            </a:r>
+            <a:r>
+              <a:rPr lang="en-US" dirty="0" err="1" smtClean="0"/>
+              <a:t>foxyproxy</a:t>
+            </a:r>
+            <a:endParaRPr lang="en-US" dirty="0"/>
+          </a:p>
+        </p:txBody>
+      </p:sp>
+      <p:sp>
+        <p:nvSpPr>
+          <p:cNvPr id="3" name="Slide Number Placeholder 2"/>
+          <p:cNvSpPr>
+            <a:spLocks noGrp="1"/>
+          </p:cNvSpPr>
+          <p:nvPr>
+            <p:ph type="sldNum" sz="quarter" idx="12"/>
           </p:nvPr>
         </p:nvSpPr>
         <p:spPr/>
@@ -5108,22 +3694,19 @@
           <a:bodyPr/>
           <a:lstStyle/>
           <a:p>
-            <a:r>
-              <a:rPr lang="en-US" dirty="0" smtClean="0"/>
-              <a:t>To have static private </a:t>
-            </a:r>
-            <a:r>
-              <a:rPr lang="en-US" dirty="0" err="1" smtClean="0"/>
-              <a:t>ips</a:t>
-            </a:r>
-            <a:endParaRPr lang="en-US" dirty="0"/>
+            <a:fld id="{31E7C4D2-2F11-4011-AB4F-F84DBF4A0B01}" type="slidenum">
+              <a:rPr lang="en-US" smtClean="0"/>
+              <a:pPr/>
+              <a:t>10</a:t>
+            </a:fld>
+            <a:endParaRPr lang="en-US"/>
           </a:p>
         </p:txBody>
       </p:sp>
     </p:spTree>
     <p:extLst>
       <p:ext uri="{BB962C8B-B14F-4D97-AF65-F5344CB8AC3E}">
-        <p14:creationId xmlns:p14="http://schemas.microsoft.com/office/powerpoint/2010/main" val="2835466604"/>
+        <p14:creationId xmlns:p14="http://schemas.microsoft.com/office/powerpoint/2010/main" val="750122737"/>
       </p:ext>
     </p:extLst>
   </p:cSld>
@@ -5133,7 +3716,7 @@
   <p:timing>
     <p:tnLst>
       <p:par>
-        <p:cTn id="1" dur="indefinite" restart="never" nodeType="tmRoot"/>
+        <p:cTn xmlns:p14="http://schemas.microsoft.com/office/powerpoint/2010/main" id="1" dur="indefinite" restart="never" nodeType="tmRoot"/>
       </p:par>
     </p:tnLst>
   </p:timing>
@@ -5159,7 +3742,7 @@
       </p:grpSpPr>
       <p:sp>
         <p:nvSpPr>
-          <p:cNvPr id="2" name="Title 1"/>
+          <p:cNvPr id="4" name="Title 3"/>
           <p:cNvSpPr>
             <a:spLocks noGrp="1"/>
           </p:cNvSpPr>
@@ -5174,7 +3757,7 @@
           <a:p>
             <a:r>
               <a:rPr lang="en-US" dirty="0" smtClean="0"/>
-              <a:t>Elastic IP</a:t>
+              <a:t>SSH forwarding</a:t>
             </a:r>
             <a:endParaRPr lang="en-US" dirty="0"/>
           </a:p>
@@ -5182,7 +3765,7 @@
       </p:sp>
       <p:sp>
         <p:nvSpPr>
-          <p:cNvPr id="3" name="Content Placeholder 2"/>
+          <p:cNvPr id="2" name="Content Placeholder 1"/>
           <p:cNvSpPr>
             <a:spLocks noGrp="1"/>
           </p:cNvSpPr>
@@ -5197,7 +3780,21 @@
           <a:p>
             <a:r>
               <a:rPr lang="en-US" dirty="0" smtClean="0"/>
-              <a:t>To have static public </a:t>
+              <a:t>Add private key to </a:t>
+            </a:r>
+            <a:r>
+              <a:rPr lang="en-US" dirty="0" err="1" smtClean="0"/>
+              <a:t>ssh</a:t>
+            </a:r>
+            <a:r>
+              <a:rPr lang="en-US" dirty="0" smtClean="0"/>
+              <a:t>-agent/keychain</a:t>
+            </a:r>
+          </a:p>
+          <a:p>
+            <a:r>
+              <a:rPr lang="en-US" dirty="0" smtClean="0"/>
+              <a:t>Connect to the host that is running using public </a:t>
             </a:r>
             <a:r>
               <a:rPr lang="en-US" dirty="0" err="1" smtClean="0"/>
@@ -5206,31 +3803,75 @@
             <a:endParaRPr lang="en-US" dirty="0" smtClean="0"/>
           </a:p>
           <a:p>
+            <a:pPr lvl="1"/>
+            <a:r>
+              <a:rPr lang="en-US" dirty="0" err="1" smtClean="0"/>
+              <a:t>ssh</a:t>
+            </a:r>
+            <a:r>
+              <a:rPr lang="en-US" dirty="0"/>
+              <a:t> </a:t>
+            </a:r>
             <a:r>
               <a:rPr lang="en-US" dirty="0" smtClean="0"/>
-              <a:t>Limited to 5</a:t>
+              <a:t>-A ec2-user@&lt;public-</a:t>
+            </a:r>
+            <a:r>
+              <a:rPr lang="en-US" dirty="0" err="1" smtClean="0"/>
+              <a:t>dns</a:t>
+            </a:r>
+            <a:r>
+              <a:rPr lang="en-US" dirty="0" smtClean="0"/>
+              <a:t> or alias&gt;</a:t>
+            </a:r>
+          </a:p>
+          <a:p>
+            <a:r>
+              <a:rPr lang="en-US" dirty="0" smtClean="0"/>
+              <a:t>From there you can connect to any other host (you have to be in </a:t>
+            </a:r>
+            <a:r>
+              <a:rPr lang="en-US" smtClean="0"/>
+              <a:t>AWS instance)</a:t>
             </a:r>
             <a:endParaRPr lang="en-US" dirty="0"/>
+          </a:p>
+        </p:txBody>
+      </p:sp>
+      <p:sp>
+        <p:nvSpPr>
+          <p:cNvPr id="3" name="Slide Number Placeholder 2"/>
+          <p:cNvSpPr>
+            <a:spLocks noGrp="1"/>
+          </p:cNvSpPr>
+          <p:nvPr>
+            <p:ph type="sldNum" sz="quarter" idx="12"/>
+          </p:nvPr>
+        </p:nvSpPr>
+        <p:spPr/>
+        <p:txBody>
+          <a:bodyPr/>
+          <a:lstStyle/>
+          <a:p>
+            <a:fld id="{31E7C4D2-2F11-4011-AB4F-F84DBF4A0B01}" type="slidenum">
+              <a:rPr lang="en-US" smtClean="0"/>
+              <a:pPr/>
+              <a:t>11</a:t>
+            </a:fld>
+            <a:endParaRPr lang="en-US"/>
           </a:p>
         </p:txBody>
       </p:sp>
     </p:spTree>
     <p:extLst>
       <p:ext uri="{BB962C8B-B14F-4D97-AF65-F5344CB8AC3E}">
-        <p14:creationId xmlns:p14="http://schemas.microsoft.com/office/powerpoint/2010/main" val="403310521"/>
+        <p14:creationId xmlns:p14="http://schemas.microsoft.com/office/powerpoint/2010/main" val="2320466332"/>
       </p:ext>
     </p:extLst>
   </p:cSld>
   <p:clrMapOvr>
     <a:masterClrMapping/>
   </p:clrMapOvr>
-  <p:timing>
-    <p:tnLst>
-      <p:par>
-        <p:cTn id="1" dur="indefinite" restart="never" nodeType="tmRoot"/>
-      </p:par>
-    </p:tnLst>
-  </p:timing>
 </p:sld>
 </file>
 
@@ -5253,12 +3894,12 @@
       </p:grpSpPr>
       <p:sp>
         <p:nvSpPr>
-          <p:cNvPr id="2" name="Content Placeholder 1"/>
-          <p:cNvSpPr>
-            <a:spLocks noGrp="1"/>
-          </p:cNvSpPr>
-          <p:nvPr>
-            <p:ph idx="1"/>
+          <p:cNvPr id="4" name="Title 3"/>
+          <p:cNvSpPr>
+            <a:spLocks noGrp="1"/>
+          </p:cNvSpPr>
+          <p:nvPr>
+            <p:ph type="title"/>
           </p:nvPr>
         </p:nvSpPr>
         <p:spPr/>
@@ -5268,30 +3909,167 @@
           <a:p>
             <a:r>
               <a:rPr lang="en-US" dirty="0" smtClean="0"/>
-              <a:t>Elastic IPs costs you money (Amazon limits it to 5). It will be approximately 6$ per month for each elastic </a:t>
+              <a:t>SSH Tunneling - </a:t>
+            </a:r>
+            <a:r>
+              <a:rPr lang="en-US" dirty="0" err="1" smtClean="0"/>
+              <a:t>foxyproxy</a:t>
+            </a:r>
+            <a:endParaRPr lang="en-US" dirty="0"/>
+          </a:p>
+        </p:txBody>
+      </p:sp>
+      <p:sp>
+        <p:nvSpPr>
+          <p:cNvPr id="2" name="Content Placeholder 1"/>
+          <p:cNvSpPr>
+            <a:spLocks noGrp="1"/>
+          </p:cNvSpPr>
+          <p:nvPr>
+            <p:ph idx="1"/>
+          </p:nvPr>
+        </p:nvSpPr>
+        <p:spPr/>
+        <p:txBody>
+          <a:bodyPr>
+            <a:normAutofit fontScale="70000" lnSpcReduction="20000"/>
+          </a:bodyPr>
+          <a:lstStyle/>
+          <a:p>
+            <a:r>
+              <a:rPr lang="en-US" dirty="0" smtClean="0"/>
+              <a:t>There are multiple ways to do this</a:t>
+            </a:r>
+          </a:p>
+          <a:p>
+            <a:r>
+              <a:rPr lang="en-US" dirty="0" smtClean="0"/>
+              <a:t>You need to have at least one public </a:t>
             </a:r>
             <a:r>
               <a:rPr lang="en-US" dirty="0" err="1" smtClean="0"/>
               <a:t>ip</a:t>
             </a:r>
+            <a:r>
+              <a:rPr lang="en-US" dirty="0" smtClean="0"/>
+              <a:t> for VPC</a:t>
+            </a:r>
+          </a:p>
+          <a:p>
+            <a:r>
+              <a:rPr lang="en-US" dirty="0">
+                <a:hlinkClick r:id="rId2"/>
+              </a:rPr>
+              <a:t>http://</a:t>
+            </a:r>
+            <a:r>
+              <a:rPr lang="en-US" dirty="0" smtClean="0">
+                <a:hlinkClick r:id="rId2"/>
+              </a:rPr>
+              <a:t>docs.aws.amazon.com/ElasticMapReduce/latest/DeveloperGuide/emr-web-interfaces.html</a:t>
+            </a:r>
             <a:endParaRPr lang="en-US" dirty="0" smtClean="0"/>
           </a:p>
           <a:p>
+            <a:pPr lvl="1"/>
             <a:r>
               <a:rPr lang="en-US" dirty="0" smtClean="0"/>
-              <a:t>In a proper configuration all the servers in AWS region should communicate with each other using private </a:t>
+              <a:t>Download and install </a:t>
+            </a:r>
+            <a:r>
+              <a:rPr lang="en-US" dirty="0" err="1" smtClean="0"/>
+              <a:t>foxyproxy</a:t>
+            </a:r>
+            <a:r>
+              <a:rPr lang="en-US" dirty="0" smtClean="0"/>
+              <a:t> plugin</a:t>
+            </a:r>
+          </a:p>
+          <a:p>
+            <a:pPr lvl="1"/>
+            <a:r>
+              <a:rPr lang="en-US" dirty="0" smtClean="0"/>
+              <a:t>Create xml file with </a:t>
+            </a:r>
+            <a:r>
+              <a:rPr lang="en-US" dirty="0" err="1" smtClean="0"/>
+              <a:t>foxyproxy</a:t>
+            </a:r>
+            <a:r>
+              <a:rPr lang="en-US" dirty="0" smtClean="0"/>
+              <a:t> settings</a:t>
+            </a:r>
+          </a:p>
+          <a:p>
+            <a:pPr lvl="1"/>
+            <a:r>
+              <a:rPr lang="en-US" dirty="0" smtClean="0"/>
+              <a:t>Import it to </a:t>
+            </a:r>
+            <a:r>
+              <a:rPr lang="en-US" dirty="0" err="1" smtClean="0"/>
+              <a:t>foxyproxy</a:t>
+            </a:r>
+            <a:r>
+              <a:rPr lang="en-US" dirty="0" smtClean="0"/>
+              <a:t> plugin</a:t>
+            </a:r>
+          </a:p>
+          <a:p>
+            <a:pPr lvl="1"/>
+            <a:r>
+              <a:rPr lang="en-US" dirty="0" smtClean="0"/>
+              <a:t>Keep it disabled when not necessary</a:t>
+            </a:r>
+          </a:p>
+          <a:p>
+            <a:r>
+              <a:rPr lang="en-US" dirty="0" smtClean="0"/>
+              <a:t>For SSH tunneling</a:t>
+            </a:r>
+          </a:p>
+          <a:p>
+            <a:pPr lvl="1"/>
+            <a:r>
+              <a:rPr lang="en-US" dirty="0" smtClean="0"/>
+              <a:t>Run SSH command for dynamic port forwarding on your PC/Mac to the server which have public </a:t>
             </a:r>
             <a:r>
               <a:rPr lang="en-US" dirty="0" err="1" smtClean="0"/>
               <a:t>ip</a:t>
             </a:r>
+            <a:r>
+              <a:rPr lang="en-US" dirty="0" smtClean="0"/>
+              <a:t> assigned and can talk to other hosts using private </a:t>
+            </a:r>
+            <a:r>
+              <a:rPr lang="en-US" dirty="0" err="1" smtClean="0"/>
+              <a:t>ip</a:t>
+            </a:r>
             <a:endParaRPr lang="en-US" dirty="0" smtClean="0"/>
           </a:p>
           <a:p>
+            <a:pPr lvl="1"/>
             <a:r>
               <a:rPr lang="en-US" dirty="0" smtClean="0"/>
-              <a:t>But some times you might have to login to multiple instances temporarily. It can be achieved by SSH Tunneling</a:t>
-            </a:r>
+              <a:t>Enable </a:t>
+            </a:r>
+            <a:r>
+              <a:rPr lang="en-US" dirty="0" err="1" smtClean="0"/>
+              <a:t>foxyproxy</a:t>
+            </a:r>
+            <a:r>
+              <a:rPr lang="en-US" dirty="0" smtClean="0"/>
+              <a:t> in your browser and you can access all web applications hosted on the other hosts as well</a:t>
+            </a:r>
+          </a:p>
+          <a:p>
+            <a:endParaRPr lang="en-US" dirty="0" smtClean="0"/>
+          </a:p>
+          <a:p>
+            <a:endParaRPr lang="en-US" dirty="0" smtClean="0"/>
+          </a:p>
+          <a:p>
             <a:endParaRPr lang="en-US" dirty="0"/>
           </a:p>
         </p:txBody>
@@ -5320,33 +4098,10 @@
           </a:p>
         </p:txBody>
       </p:sp>
-      <p:sp>
-        <p:nvSpPr>
-          <p:cNvPr id="4" name="Title 3"/>
-          <p:cNvSpPr>
-            <a:spLocks noGrp="1"/>
-          </p:cNvSpPr>
-          <p:nvPr>
-            <p:ph type="title"/>
-          </p:nvPr>
-        </p:nvSpPr>
-        <p:spPr/>
-        <p:txBody>
-          <a:bodyPr/>
-          <a:lstStyle/>
-          <a:p>
-            <a:r>
-              <a:rPr lang="en-US" dirty="0" smtClean="0"/>
-              <a:t>SSH Tunneling</a:t>
-            </a:r>
-            <a:endParaRPr lang="en-US" dirty="0"/>
-          </a:p>
-        </p:txBody>
-      </p:sp>
     </p:spTree>
     <p:extLst>
       <p:ext uri="{BB962C8B-B14F-4D97-AF65-F5344CB8AC3E}">
-        <p14:creationId xmlns:p14="http://schemas.microsoft.com/office/powerpoint/2010/main" val="750122737"/>
+        <p14:creationId xmlns:p14="http://schemas.microsoft.com/office/powerpoint/2010/main" val="3374252082"/>
       </p:ext>
     </p:extLst>
   </p:cSld>
@@ -5356,7 +4111,7 @@
   <p:timing>
     <p:tnLst>
       <p:par>
-        <p:cTn id="1" dur="indefinite" restart="never" nodeType="tmRoot"/>
+        <p:cTn xmlns:p14="http://schemas.microsoft.com/office/powerpoint/2010/main" id="1" dur="indefinite" restart="never" nodeType="tmRoot"/>
       </p:par>
     </p:tnLst>
   </p:timing>
@@ -5382,12 +4137,12 @@
       </p:grpSpPr>
       <p:sp>
         <p:nvSpPr>
-          <p:cNvPr id="2" name="Content Placeholder 1"/>
-          <p:cNvSpPr>
-            <a:spLocks noGrp="1"/>
-          </p:cNvSpPr>
-          <p:nvPr>
-            <p:ph idx="1"/>
+          <p:cNvPr id="2" name="Title 1"/>
+          <p:cNvSpPr>
+            <a:spLocks noGrp="1"/>
+          </p:cNvSpPr>
+          <p:nvPr>
+            <p:ph type="title"/>
           </p:nvPr>
         </p:nvSpPr>
         <p:spPr/>
@@ -5397,57 +4152,20 @@
           <a:p>
             <a:r>
               <a:rPr lang="en-US" dirty="0" smtClean="0"/>
-              <a:t>There are multiple ways to do this</a:t>
-            </a:r>
-          </a:p>
-          <a:p>
-            <a:r>
-              <a:rPr lang="en-US" dirty="0" smtClean="0"/>
-              <a:t>You need to have at least one public </a:t>
-            </a:r>
-            <a:r>
-              <a:rPr lang="en-US" dirty="0" err="1" smtClean="0"/>
-              <a:t>ip</a:t>
-            </a:r>
-            <a:r>
-              <a:rPr lang="en-US" dirty="0" smtClean="0"/>
-              <a:t> for VPC</a:t>
-            </a:r>
-          </a:p>
-          <a:p>
-            <a:r>
-              <a:rPr lang="en-US" dirty="0">
-                <a:hlinkClick r:id="rId2"/>
-              </a:rPr>
-              <a:t>http://</a:t>
-            </a:r>
-            <a:r>
-              <a:rPr lang="en-US" dirty="0" smtClean="0">
-                <a:hlinkClick r:id="rId2"/>
-              </a:rPr>
-              <a:t>docs.aws.amazon.com/ElasticMapReduce/latest/DeveloperGuide/emr-web-interfaces.html</a:t>
-            </a:r>
-            <a:endParaRPr lang="en-US" dirty="0" smtClean="0"/>
-          </a:p>
-          <a:p>
-            <a:endParaRPr lang="en-US" dirty="0" smtClean="0"/>
-          </a:p>
-          <a:p>
-            <a:endParaRPr lang="en-US" dirty="0" smtClean="0"/>
-          </a:p>
-          <a:p>
+              <a:t>Key Pairs</a:t>
+            </a:r>
             <a:endParaRPr lang="en-US" dirty="0"/>
           </a:p>
         </p:txBody>
       </p:sp>
       <p:sp>
         <p:nvSpPr>
-          <p:cNvPr id="3" name="Slide Number Placeholder 2"/>
-          <p:cNvSpPr>
-            <a:spLocks noGrp="1"/>
-          </p:cNvSpPr>
-          <p:nvPr>
-            <p:ph type="sldNum" sz="quarter" idx="12"/>
+          <p:cNvPr id="3" name="Content Placeholder 2"/>
+          <p:cNvSpPr>
+            <a:spLocks noGrp="1"/>
+          </p:cNvSpPr>
+          <p:nvPr>
+            <p:ph idx="1"/>
           </p:nvPr>
         </p:nvSpPr>
         <p:spPr/>
@@ -5455,33 +4173,13 @@
           <a:bodyPr/>
           <a:lstStyle/>
           <a:p>
-            <a:fld id="{31E7C4D2-2F11-4011-AB4F-F84DBF4A0B01}" type="slidenum">
-              <a:rPr lang="en-US" smtClean="0"/>
-              <a:pPr/>
-              <a:t>13</a:t>
-            </a:fld>
-            <a:endParaRPr lang="en-US"/>
-          </a:p>
-        </p:txBody>
-      </p:sp>
-      <p:sp>
-        <p:nvSpPr>
-          <p:cNvPr id="4" name="Title 3"/>
-          <p:cNvSpPr>
-            <a:spLocks noGrp="1"/>
-          </p:cNvSpPr>
-          <p:nvPr>
-            <p:ph type="title"/>
-          </p:nvPr>
-        </p:nvSpPr>
-        <p:spPr/>
-        <p:txBody>
-          <a:bodyPr/>
-          <a:lstStyle/>
-          <a:p>
             <a:r>
               <a:rPr lang="en-US" dirty="0" smtClean="0"/>
-              <a:t>SSH Tunneling</a:t>
+              <a:t>To login to the EC2 node using SSH clients such as Putty</a:t>
+            </a:r>
+            <a:r>
+              <a:rPr lang="en-US" smtClean="0"/>
+              <a:t>/Cygwin</a:t>
             </a:r>
             <a:endParaRPr lang="en-US" dirty="0"/>
           </a:p>
@@ -5490,7 +4188,7 @@
     </p:spTree>
     <p:extLst>
       <p:ext uri="{BB962C8B-B14F-4D97-AF65-F5344CB8AC3E}">
-        <p14:creationId xmlns:p14="http://schemas.microsoft.com/office/powerpoint/2010/main" val="3374252082"/>
+        <p14:creationId xmlns:p14="http://schemas.microsoft.com/office/powerpoint/2010/main" val="2748407488"/>
       </p:ext>
     </p:extLst>
   </p:cSld>
@@ -5500,7 +4198,7 @@
   <p:timing>
     <p:tnLst>
       <p:par>
-        <p:cTn id="1" dur="indefinite" restart="never" nodeType="tmRoot"/>
+        <p:cTn xmlns:p14="http://schemas.microsoft.com/office/powerpoint/2010/main" id="1" dur="indefinite" restart="never" nodeType="tmRoot"/>
       </p:par>
     </p:tnLst>
   </p:timing>
@@ -5589,7 +4287,7 @@
   <p:timing>
     <p:tnLst>
       <p:par>
-        <p:cTn id="1" dur="indefinite" restart="never" nodeType="tmRoot"/>
+        <p:cTn xmlns:p14="http://schemas.microsoft.com/office/powerpoint/2010/main" id="1" dur="indefinite" restart="never" nodeType="tmRoot"/>
       </p:par>
     </p:tnLst>
   </p:timing>
@@ -5615,7 +4313,7 @@
       </p:grpSpPr>
       <p:sp>
         <p:nvSpPr>
-          <p:cNvPr id="2" name="Title 1"/>
+          <p:cNvPr id="4" name="Title 3"/>
           <p:cNvSpPr>
             <a:spLocks noGrp="1"/>
           </p:cNvSpPr>
@@ -5630,7 +4328,7 @@
           <a:p>
             <a:r>
               <a:rPr lang="en-US" dirty="0" smtClean="0"/>
-              <a:t>Provision EC2 Node</a:t>
+              <a:t>Storage</a:t>
             </a:r>
             <a:endParaRPr lang="en-US" dirty="0"/>
           </a:p>
@@ -5638,7 +4336,7 @@
       </p:sp>
       <p:sp>
         <p:nvSpPr>
-          <p:cNvPr id="3" name="Content Placeholder 2"/>
+          <p:cNvPr id="2" name="Content Placeholder 1"/>
           <p:cNvSpPr>
             <a:spLocks noGrp="1"/>
           </p:cNvSpPr>
@@ -5649,74 +4347,111 @@
         <p:spPr/>
         <p:txBody>
           <a:bodyPr>
-            <a:normAutofit/>
+            <a:normAutofit fontScale="92500" lnSpcReduction="20000"/>
           </a:bodyPr>
           <a:lstStyle/>
           <a:p>
             <a:r>
               <a:rPr lang="en-US" dirty="0" smtClean="0"/>
-              <a:t>Choose your AMI based up on OS</a:t>
-            </a:r>
-          </a:p>
-          <a:p>
+              <a:t>s3</a:t>
+            </a:r>
+          </a:p>
+          <a:p>
+            <a:pPr lvl="1"/>
             <a:r>
               <a:rPr lang="en-US" dirty="0" smtClean="0"/>
-              <a:t>Choose VPC</a:t>
-            </a:r>
-          </a:p>
-          <a:p>
+              <a:t>Cloud based storage</a:t>
+            </a:r>
+          </a:p>
+          <a:p>
+            <a:pPr lvl="1"/>
             <a:r>
               <a:rPr lang="en-US" dirty="0" smtClean="0"/>
-              <a:t>Configure storage (EBS)</a:t>
-            </a:r>
-          </a:p>
-          <a:p>
+              <a:t>Easily accessible from any where</a:t>
+            </a:r>
+          </a:p>
+          <a:p>
+            <a:r>
+              <a:rPr lang="en-US" dirty="0"/>
+              <a:t>Instance </a:t>
+            </a:r>
             <a:r>
               <a:rPr lang="en-US" dirty="0" smtClean="0"/>
-              <a:t>Choose Security Group</a:t>
-            </a:r>
-          </a:p>
-          <a:p>
+              <a:t>Store</a:t>
+            </a:r>
+          </a:p>
+          <a:p>
+            <a:pPr lvl="1"/>
             <a:r>
               <a:rPr lang="en-US" dirty="0" smtClean="0"/>
-              <a:t>Tag your EC2</a:t>
-            </a:r>
-          </a:p>
-          <a:p>
+              <a:t>Local storage</a:t>
+            </a:r>
+          </a:p>
+          <a:p>
+            <a:pPr lvl="1"/>
             <a:r>
               <a:rPr lang="en-US" dirty="0" smtClean="0"/>
-              <a:t>Choose your Key Pair</a:t>
+              <a:t>Data will be lost on stop and start of EC2 instance</a:t>
             </a:r>
           </a:p>
           <a:p>
             <a:r>
               <a:rPr lang="en-US" dirty="0" smtClean="0"/>
-              <a:t>Launch the instance</a:t>
-            </a:r>
-          </a:p>
-          <a:p>
+              <a:t>EBS</a:t>
+            </a:r>
+          </a:p>
+          <a:p>
+            <a:pPr lvl="1"/>
             <a:r>
               <a:rPr lang="en-US" dirty="0" smtClean="0"/>
-              <a:t>Associate elastic </a:t>
-            </a:r>
-            <a:r>
-              <a:rPr lang="en-US" dirty="0" err="1" smtClean="0"/>
-              <a:t>ip</a:t>
-            </a:r>
+              <a:t>Network attached storage</a:t>
+            </a:r>
+          </a:p>
+          <a:p>
+            <a:pPr lvl="1"/>
             <a:r>
               <a:rPr lang="en-US" dirty="0" smtClean="0"/>
-              <a:t> address</a:t>
-            </a:r>
-          </a:p>
-          <a:p>
+              <a:t>Data will be preserved on stop and start</a:t>
+            </a:r>
             <a:endParaRPr lang="en-US" dirty="0"/>
+          </a:p>
+          <a:p>
+            <a:pPr lvl="1"/>
+            <a:r>
+              <a:rPr lang="en-US" dirty="0" smtClean="0"/>
+              <a:t>File system using EBS can be mounted on to multiple instances</a:t>
+            </a:r>
+          </a:p>
+        </p:txBody>
+      </p:sp>
+      <p:sp>
+        <p:nvSpPr>
+          <p:cNvPr id="3" name="Slide Number Placeholder 2"/>
+          <p:cNvSpPr>
+            <a:spLocks noGrp="1"/>
+          </p:cNvSpPr>
+          <p:nvPr>
+            <p:ph type="sldNum" sz="quarter" idx="12"/>
+          </p:nvPr>
+        </p:nvSpPr>
+        <p:spPr/>
+        <p:txBody>
+          <a:bodyPr/>
+          <a:lstStyle/>
+          <a:p>
+            <a:fld id="{31E7C4D2-2F11-4011-AB4F-F84DBF4A0B01}" type="slidenum">
+              <a:rPr lang="en-US" smtClean="0"/>
+              <a:pPr/>
+              <a:t>15</a:t>
+            </a:fld>
+            <a:endParaRPr lang="en-US"/>
           </a:p>
         </p:txBody>
       </p:sp>
     </p:spTree>
     <p:extLst>
       <p:ext uri="{BB962C8B-B14F-4D97-AF65-F5344CB8AC3E}">
-        <p14:creationId xmlns:p14="http://schemas.microsoft.com/office/powerpoint/2010/main" val="374692405"/>
+        <p14:creationId xmlns:p14="http://schemas.microsoft.com/office/powerpoint/2010/main" val="3641355358"/>
       </p:ext>
     </p:extLst>
   </p:cSld>
@@ -5726,7 +4461,7 @@
   <p:timing>
     <p:tnLst>
       <p:par>
-        <p:cTn id="1" dur="indefinite" restart="never" nodeType="tmRoot"/>
+        <p:cTn xmlns:p14="http://schemas.microsoft.com/office/powerpoint/2010/main" id="1" dur="indefinite" restart="never" nodeType="tmRoot"/>
       </p:par>
     </p:tnLst>
   </p:timing>
@@ -5750,14 +4485,664 @@
           <a:chExt cx="0" cy="0"/>
         </a:xfrm>
       </p:grpSpPr>
-      <p:sp>
-        <p:nvSpPr>
-          <p:cNvPr id="2" name="Content Placeholder 1"/>
-          <p:cNvSpPr>
-            <a:spLocks noGrp="1"/>
-          </p:cNvSpPr>
-          <p:nvPr>
-            <p:ph idx="1"/>
+      <p:grpSp>
+        <p:nvGrpSpPr>
+          <p:cNvPr id="38" name="Group 37"/>
+          <p:cNvGrpSpPr/>
+          <p:nvPr/>
+        </p:nvGrpSpPr>
+        <p:grpSpPr>
+          <a:xfrm>
+            <a:off x="990600" y="1219200"/>
+            <a:ext cx="7543800" cy="4953000"/>
+            <a:chOff x="990600" y="1219200"/>
+            <a:chExt cx="7543800" cy="4953000"/>
+          </a:xfrm>
+        </p:grpSpPr>
+        <p:grpSp>
+          <p:nvGrpSpPr>
+            <p:cNvPr id="18" name="Group 17"/>
+            <p:cNvGrpSpPr/>
+            <p:nvPr/>
+          </p:nvGrpSpPr>
+          <p:grpSpPr>
+            <a:xfrm>
+              <a:off x="4191000" y="1219200"/>
+              <a:ext cx="4343400" cy="4953000"/>
+              <a:chOff x="4191000" y="1219200"/>
+              <a:chExt cx="4343400" cy="4953000"/>
+            </a:xfrm>
+          </p:grpSpPr>
+          <p:sp>
+            <p:nvSpPr>
+              <p:cNvPr id="5" name="Rectangle 4"/>
+              <p:cNvSpPr/>
+              <p:nvPr/>
+            </p:nvSpPr>
+            <p:spPr>
+              <a:xfrm>
+                <a:off x="4191000" y="1524000"/>
+                <a:ext cx="4343400" cy="4648200"/>
+              </a:xfrm>
+              <a:prstGeom prst="rect">
+                <a:avLst/>
+              </a:prstGeom>
+              <a:solidFill>
+                <a:schemeClr val="bg1"/>
+              </a:solidFill>
+            </p:spPr>
+            <p:style>
+              <a:lnRef idx="2">
+                <a:schemeClr val="accent1">
+                  <a:shade val="50000"/>
+                </a:schemeClr>
+              </a:lnRef>
+              <a:fillRef idx="1">
+                <a:schemeClr val="accent1"/>
+              </a:fillRef>
+              <a:effectRef idx="0">
+                <a:schemeClr val="accent1"/>
+              </a:effectRef>
+              <a:fontRef idx="minor">
+                <a:schemeClr val="lt1"/>
+              </a:fontRef>
+            </p:style>
+            <p:txBody>
+              <a:bodyPr rtlCol="0" anchor="ctr"/>
+              <a:lstStyle/>
+              <a:p>
+                <a:pPr algn="ctr"/>
+                <a:endParaRPr lang="en-US"/>
+              </a:p>
+            </p:txBody>
+          </p:sp>
+          <p:sp>
+            <p:nvSpPr>
+              <p:cNvPr id="6" name="Rectangle 5"/>
+              <p:cNvSpPr/>
+              <p:nvPr/>
+            </p:nvSpPr>
+            <p:spPr>
+              <a:xfrm>
+                <a:off x="6934200" y="1981200"/>
+                <a:ext cx="1219200" cy="685800"/>
+              </a:xfrm>
+              <a:prstGeom prst="rect">
+                <a:avLst/>
+              </a:prstGeom>
+            </p:spPr>
+            <p:style>
+              <a:lnRef idx="2">
+                <a:schemeClr val="accent1">
+                  <a:shade val="50000"/>
+                </a:schemeClr>
+              </a:lnRef>
+              <a:fillRef idx="1">
+                <a:schemeClr val="accent1"/>
+              </a:fillRef>
+              <a:effectRef idx="0">
+                <a:schemeClr val="accent1"/>
+              </a:effectRef>
+              <a:fontRef idx="minor">
+                <a:schemeClr val="lt1"/>
+              </a:fontRef>
+            </p:style>
+            <p:txBody>
+              <a:bodyPr rtlCol="0" anchor="ctr"/>
+              <a:lstStyle/>
+              <a:p>
+                <a:pPr algn="ctr"/>
+                <a:r>
+                  <a:rPr lang="en-US" dirty="0" smtClean="0"/>
+                  <a:t>EC2</a:t>
+                </a:r>
+                <a:endParaRPr lang="en-US" dirty="0"/>
+              </a:p>
+            </p:txBody>
+          </p:sp>
+          <p:sp>
+            <p:nvSpPr>
+              <p:cNvPr id="7" name="Rectangle 6"/>
+              <p:cNvSpPr/>
+              <p:nvPr/>
+            </p:nvSpPr>
+            <p:spPr>
+              <a:xfrm>
+                <a:off x="6934200" y="3096912"/>
+                <a:ext cx="1219200" cy="685800"/>
+              </a:xfrm>
+              <a:prstGeom prst="rect">
+                <a:avLst/>
+              </a:prstGeom>
+            </p:spPr>
+            <p:style>
+              <a:lnRef idx="2">
+                <a:schemeClr val="accent1">
+                  <a:shade val="50000"/>
+                </a:schemeClr>
+              </a:lnRef>
+              <a:fillRef idx="1">
+                <a:schemeClr val="accent1"/>
+              </a:fillRef>
+              <a:effectRef idx="0">
+                <a:schemeClr val="accent1"/>
+              </a:effectRef>
+              <a:fontRef idx="minor">
+                <a:schemeClr val="lt1"/>
+              </a:fontRef>
+            </p:style>
+            <p:txBody>
+              <a:bodyPr rtlCol="0" anchor="ctr"/>
+              <a:lstStyle/>
+              <a:p>
+                <a:pPr algn="ctr"/>
+                <a:r>
+                  <a:rPr lang="en-US" dirty="0" smtClean="0"/>
+                  <a:t>EC2</a:t>
+                </a:r>
+                <a:endParaRPr lang="en-US" dirty="0"/>
+              </a:p>
+            </p:txBody>
+          </p:sp>
+          <p:sp>
+            <p:nvSpPr>
+              <p:cNvPr id="8" name="Rectangle 7"/>
+              <p:cNvSpPr/>
+              <p:nvPr/>
+            </p:nvSpPr>
+            <p:spPr>
+              <a:xfrm>
+                <a:off x="6934200" y="4291656"/>
+                <a:ext cx="1219200" cy="685800"/>
+              </a:xfrm>
+              <a:prstGeom prst="rect">
+                <a:avLst/>
+              </a:prstGeom>
+            </p:spPr>
+            <p:style>
+              <a:lnRef idx="2">
+                <a:schemeClr val="accent1">
+                  <a:shade val="50000"/>
+                </a:schemeClr>
+              </a:lnRef>
+              <a:fillRef idx="1">
+                <a:schemeClr val="accent1"/>
+              </a:fillRef>
+              <a:effectRef idx="0">
+                <a:schemeClr val="accent1"/>
+              </a:effectRef>
+              <a:fontRef idx="minor">
+                <a:schemeClr val="lt1"/>
+              </a:fontRef>
+            </p:style>
+            <p:txBody>
+              <a:bodyPr rtlCol="0" anchor="ctr"/>
+              <a:lstStyle/>
+              <a:p>
+                <a:pPr algn="ctr"/>
+                <a:r>
+                  <a:rPr lang="en-US" dirty="0" smtClean="0"/>
+                  <a:t>EC2</a:t>
+                </a:r>
+                <a:endParaRPr lang="en-US" dirty="0"/>
+              </a:p>
+            </p:txBody>
+          </p:sp>
+          <p:sp>
+            <p:nvSpPr>
+              <p:cNvPr id="9" name="TextBox 8"/>
+              <p:cNvSpPr txBox="1"/>
+              <p:nvPr/>
+            </p:nvSpPr>
+            <p:spPr>
+              <a:xfrm>
+                <a:off x="4343400" y="1219200"/>
+                <a:ext cx="3352800" cy="369332"/>
+              </a:xfrm>
+              <a:prstGeom prst="rect">
+                <a:avLst/>
+              </a:prstGeom>
+              <a:noFill/>
+            </p:spPr>
+            <p:txBody>
+              <a:bodyPr wrap="square" rtlCol="0">
+                <a:spAutoFit/>
+              </a:bodyPr>
+              <a:lstStyle/>
+              <a:p>
+                <a:r>
+                  <a:rPr lang="en-US" dirty="0" smtClean="0"/>
+                  <a:t>AWS Regional Data Center</a:t>
+                </a:r>
+                <a:endParaRPr lang="en-US" dirty="0"/>
+              </a:p>
+            </p:txBody>
+          </p:sp>
+          <p:sp>
+            <p:nvSpPr>
+              <p:cNvPr id="10" name="Rectangle 9"/>
+              <p:cNvSpPr/>
+              <p:nvPr/>
+            </p:nvSpPr>
+            <p:spPr>
+              <a:xfrm>
+                <a:off x="4800600" y="2533094"/>
+                <a:ext cx="1143000" cy="582312"/>
+              </a:xfrm>
+              <a:prstGeom prst="rect">
+                <a:avLst/>
+              </a:prstGeom>
+              <a:solidFill>
+                <a:schemeClr val="accent3">
+                  <a:lumMod val="50000"/>
+                </a:schemeClr>
+              </a:solidFill>
+            </p:spPr>
+            <p:style>
+              <a:lnRef idx="2">
+                <a:schemeClr val="accent1">
+                  <a:shade val="50000"/>
+                </a:schemeClr>
+              </a:lnRef>
+              <a:fillRef idx="1">
+                <a:schemeClr val="accent1"/>
+              </a:fillRef>
+              <a:effectRef idx="0">
+                <a:schemeClr val="accent1"/>
+              </a:effectRef>
+              <a:fontRef idx="minor">
+                <a:schemeClr val="lt1"/>
+              </a:fontRef>
+            </p:style>
+            <p:txBody>
+              <a:bodyPr rtlCol="0" anchor="ctr"/>
+              <a:lstStyle/>
+              <a:p>
+                <a:pPr algn="ctr"/>
+                <a:r>
+                  <a:rPr lang="en-US" sz="1400" dirty="0" smtClean="0"/>
+                  <a:t>Network Switch</a:t>
+                </a:r>
+              </a:p>
+              <a:p>
+                <a:pPr algn="ctr"/>
+                <a:r>
+                  <a:rPr lang="en-US" sz="1400" dirty="0" smtClean="0"/>
+                  <a:t>(Private)</a:t>
+                </a:r>
+                <a:endParaRPr lang="en-US" sz="1400" dirty="0"/>
+              </a:p>
+            </p:txBody>
+          </p:sp>
+          <p:sp>
+            <p:nvSpPr>
+              <p:cNvPr id="11" name="Rectangle 10"/>
+              <p:cNvSpPr/>
+              <p:nvPr/>
+            </p:nvSpPr>
+            <p:spPr>
+              <a:xfrm>
+                <a:off x="4800600" y="3556944"/>
+                <a:ext cx="1143000" cy="734712"/>
+              </a:xfrm>
+              <a:prstGeom prst="rect">
+                <a:avLst/>
+              </a:prstGeom>
+              <a:solidFill>
+                <a:schemeClr val="accent4">
+                  <a:lumMod val="50000"/>
+                </a:schemeClr>
+              </a:solidFill>
+            </p:spPr>
+            <p:style>
+              <a:lnRef idx="2">
+                <a:schemeClr val="accent1">
+                  <a:shade val="50000"/>
+                </a:schemeClr>
+              </a:lnRef>
+              <a:fillRef idx="1">
+                <a:schemeClr val="accent1"/>
+              </a:fillRef>
+              <a:effectRef idx="0">
+                <a:schemeClr val="accent1"/>
+              </a:effectRef>
+              <a:fontRef idx="minor">
+                <a:schemeClr val="lt1"/>
+              </a:fontRef>
+            </p:style>
+            <p:txBody>
+              <a:bodyPr rtlCol="0" anchor="ctr"/>
+              <a:lstStyle/>
+              <a:p>
+                <a:pPr algn="ctr"/>
+                <a:r>
+                  <a:rPr lang="en-US" sz="1400" dirty="0" smtClean="0"/>
+                  <a:t>Network Switch</a:t>
+                </a:r>
+              </a:p>
+              <a:p>
+                <a:pPr algn="ctr"/>
+                <a:r>
+                  <a:rPr lang="en-US" sz="1400" dirty="0" smtClean="0"/>
+                  <a:t>(Public)</a:t>
+                </a:r>
+                <a:endParaRPr lang="en-US" sz="1400" dirty="0"/>
+              </a:p>
+            </p:txBody>
+          </p:sp>
+          <p:cxnSp>
+            <p:nvCxnSpPr>
+              <p:cNvPr id="12" name="Straight Arrow Connector 11"/>
+              <p:cNvCxnSpPr>
+                <a:stCxn id="6" idx="1"/>
+                <a:endCxn id="11" idx="3"/>
+              </p:cNvCxnSpPr>
+              <p:nvPr/>
+            </p:nvCxnSpPr>
+            <p:spPr>
+              <a:xfrm flipH="1">
+                <a:off x="5943600" y="2324100"/>
+                <a:ext cx="990600" cy="1600200"/>
+              </a:xfrm>
+              <a:prstGeom prst="straightConnector1">
+                <a:avLst/>
+              </a:prstGeom>
+              <a:ln w="38100">
+                <a:solidFill>
+                  <a:schemeClr val="accent5">
+                    <a:lumMod val="75000"/>
+                  </a:schemeClr>
+                </a:solidFill>
+                <a:headEnd type="none" w="med" len="med"/>
+                <a:tailEnd type="none" w="med" len="med"/>
+              </a:ln>
+            </p:spPr>
+            <p:style>
+              <a:lnRef idx="1">
+                <a:schemeClr val="accent1"/>
+              </a:lnRef>
+              <a:fillRef idx="0">
+                <a:schemeClr val="accent1"/>
+              </a:fillRef>
+              <a:effectRef idx="0">
+                <a:schemeClr val="accent1"/>
+              </a:effectRef>
+              <a:fontRef idx="minor">
+                <a:schemeClr val="tx1"/>
+              </a:fontRef>
+            </p:style>
+          </p:cxnSp>
+          <p:cxnSp>
+            <p:nvCxnSpPr>
+              <p:cNvPr id="13" name="Straight Arrow Connector 12"/>
+              <p:cNvCxnSpPr>
+                <a:stCxn id="7" idx="1"/>
+                <a:endCxn id="11" idx="3"/>
+              </p:cNvCxnSpPr>
+              <p:nvPr/>
+            </p:nvCxnSpPr>
+            <p:spPr>
+              <a:xfrm flipH="1">
+                <a:off x="5943600" y="3439812"/>
+                <a:ext cx="990600" cy="484488"/>
+              </a:xfrm>
+              <a:prstGeom prst="straightConnector1">
+                <a:avLst/>
+              </a:prstGeom>
+              <a:ln w="38100">
+                <a:solidFill>
+                  <a:schemeClr val="accent5">
+                    <a:lumMod val="75000"/>
+                  </a:schemeClr>
+                </a:solidFill>
+                <a:headEnd type="none" w="med" len="med"/>
+                <a:tailEnd type="none" w="med" len="med"/>
+              </a:ln>
+            </p:spPr>
+            <p:style>
+              <a:lnRef idx="1">
+                <a:schemeClr val="accent1"/>
+              </a:lnRef>
+              <a:fillRef idx="0">
+                <a:schemeClr val="accent1"/>
+              </a:fillRef>
+              <a:effectRef idx="0">
+                <a:schemeClr val="accent1"/>
+              </a:effectRef>
+              <a:fontRef idx="minor">
+                <a:schemeClr val="tx1"/>
+              </a:fontRef>
+            </p:style>
+          </p:cxnSp>
+          <p:cxnSp>
+            <p:nvCxnSpPr>
+              <p:cNvPr id="14" name="Straight Arrow Connector 13"/>
+              <p:cNvCxnSpPr>
+                <a:stCxn id="8" idx="1"/>
+              </p:cNvCxnSpPr>
+              <p:nvPr/>
+            </p:nvCxnSpPr>
+            <p:spPr>
+              <a:xfrm flipH="1" flipV="1">
+                <a:off x="5943600" y="3924300"/>
+                <a:ext cx="990600" cy="710256"/>
+              </a:xfrm>
+              <a:prstGeom prst="straightConnector1">
+                <a:avLst/>
+              </a:prstGeom>
+              <a:ln w="38100">
+                <a:solidFill>
+                  <a:schemeClr val="accent5">
+                    <a:lumMod val="75000"/>
+                  </a:schemeClr>
+                </a:solidFill>
+                <a:headEnd type="none" w="med" len="med"/>
+                <a:tailEnd type="none" w="med" len="med"/>
+              </a:ln>
+            </p:spPr>
+            <p:style>
+              <a:lnRef idx="1">
+                <a:schemeClr val="accent1"/>
+              </a:lnRef>
+              <a:fillRef idx="0">
+                <a:schemeClr val="accent1"/>
+              </a:fillRef>
+              <a:effectRef idx="0">
+                <a:schemeClr val="accent1"/>
+              </a:effectRef>
+              <a:fontRef idx="minor">
+                <a:schemeClr val="tx1"/>
+              </a:fontRef>
+            </p:style>
+          </p:cxnSp>
+          <p:cxnSp>
+            <p:nvCxnSpPr>
+              <p:cNvPr id="15" name="Straight Arrow Connector 14"/>
+              <p:cNvCxnSpPr>
+                <a:stCxn id="6" idx="1"/>
+              </p:cNvCxnSpPr>
+              <p:nvPr/>
+            </p:nvCxnSpPr>
+            <p:spPr>
+              <a:xfrm flipH="1">
+                <a:off x="5943600" y="2324100"/>
+                <a:ext cx="990600" cy="495300"/>
+              </a:xfrm>
+              <a:prstGeom prst="straightConnector1">
+                <a:avLst/>
+              </a:prstGeom>
+              <a:ln w="38100">
+                <a:headEnd w="lg" len="med"/>
+                <a:tailEnd type="none"/>
+              </a:ln>
+            </p:spPr>
+            <p:style>
+              <a:lnRef idx="1">
+                <a:schemeClr val="accent1"/>
+              </a:lnRef>
+              <a:fillRef idx="0">
+                <a:schemeClr val="accent1"/>
+              </a:fillRef>
+              <a:effectRef idx="0">
+                <a:schemeClr val="accent1"/>
+              </a:effectRef>
+              <a:fontRef idx="minor">
+                <a:schemeClr val="tx1"/>
+              </a:fontRef>
+            </p:style>
+          </p:cxnSp>
+          <p:cxnSp>
+            <p:nvCxnSpPr>
+              <p:cNvPr id="16" name="Straight Connector 15"/>
+              <p:cNvCxnSpPr>
+                <a:endCxn id="7" idx="1"/>
+              </p:cNvCxnSpPr>
+              <p:nvPr/>
+            </p:nvCxnSpPr>
+            <p:spPr>
+              <a:xfrm>
+                <a:off x="5943600" y="2846688"/>
+                <a:ext cx="990600" cy="593124"/>
+              </a:xfrm>
+              <a:prstGeom prst="line">
+                <a:avLst/>
+              </a:prstGeom>
+              <a:ln w="38100">
+                <a:headEnd w="lg" len="med"/>
+              </a:ln>
+            </p:spPr>
+            <p:style>
+              <a:lnRef idx="1">
+                <a:schemeClr val="accent1"/>
+              </a:lnRef>
+              <a:fillRef idx="0">
+                <a:schemeClr val="accent1"/>
+              </a:fillRef>
+              <a:effectRef idx="0">
+                <a:schemeClr val="accent1"/>
+              </a:effectRef>
+              <a:fontRef idx="minor">
+                <a:schemeClr val="tx1"/>
+              </a:fontRef>
+            </p:style>
+          </p:cxnSp>
+          <p:cxnSp>
+            <p:nvCxnSpPr>
+              <p:cNvPr id="17" name="Straight Connector 16"/>
+              <p:cNvCxnSpPr>
+                <a:stCxn id="10" idx="3"/>
+                <a:endCxn id="8" idx="1"/>
+              </p:cNvCxnSpPr>
+              <p:nvPr/>
+            </p:nvCxnSpPr>
+            <p:spPr>
+              <a:xfrm>
+                <a:off x="5943600" y="2824250"/>
+                <a:ext cx="990600" cy="1810306"/>
+              </a:xfrm>
+              <a:prstGeom prst="line">
+                <a:avLst/>
+              </a:prstGeom>
+              <a:ln w="38100">
+                <a:headEnd w="lg" len="med"/>
+              </a:ln>
+            </p:spPr>
+            <p:style>
+              <a:lnRef idx="1">
+                <a:schemeClr val="accent1"/>
+              </a:lnRef>
+              <a:fillRef idx="0">
+                <a:schemeClr val="accent1"/>
+              </a:fillRef>
+              <a:effectRef idx="0">
+                <a:schemeClr val="accent1"/>
+              </a:effectRef>
+              <a:fontRef idx="minor">
+                <a:schemeClr val="tx1"/>
+              </a:fontRef>
+            </p:style>
+          </p:cxnSp>
+        </p:grpSp>
+        <p:pic>
+          <p:nvPicPr>
+            <p:cNvPr id="36" name="Picture 35"/>
+            <p:cNvPicPr>
+              <a:picLocks noChangeAspect="1"/>
+            </p:cNvPicPr>
+            <p:nvPr/>
+          </p:nvPicPr>
+          <p:blipFill>
+            <a:blip r:embed="rId2" cstate="print">
+              <a:extLst>
+                <a:ext uri="{28A0092B-C50C-407E-A947-70E740481C1C}">
+                  <a14:useLocalDpi xmlns:a14="http://schemas.microsoft.com/office/drawing/2010/main" val="0"/>
+                </a:ext>
+              </a:extLst>
+            </a:blip>
+            <a:stretch>
+              <a:fillRect/>
+            </a:stretch>
+          </p:blipFill>
+          <p:spPr>
+            <a:xfrm>
+              <a:off x="990600" y="2514600"/>
+              <a:ext cx="990600" cy="1164624"/>
+            </a:xfrm>
+            <a:prstGeom prst="rect">
+              <a:avLst/>
+            </a:prstGeom>
+          </p:spPr>
+        </p:pic>
+        <p:cxnSp>
+          <p:nvCxnSpPr>
+            <p:cNvPr id="37" name="Straight Arrow Connector 36"/>
+            <p:cNvCxnSpPr>
+              <a:stCxn id="36" idx="3"/>
+            </p:cNvCxnSpPr>
+            <p:nvPr/>
+          </p:nvCxnSpPr>
+          <p:spPr>
+            <a:xfrm>
+              <a:off x="1981200" y="3096912"/>
+              <a:ext cx="2819400" cy="827388"/>
+            </a:xfrm>
+            <a:prstGeom prst="straightConnector1">
+              <a:avLst/>
+            </a:prstGeom>
+            <a:ln w="38100">
+              <a:solidFill>
+                <a:schemeClr val="accent5">
+                  <a:lumMod val="75000"/>
+                </a:schemeClr>
+              </a:solidFill>
+              <a:headEnd type="none" w="med" len="med"/>
+              <a:tailEnd type="none" w="med" len="med"/>
+            </a:ln>
+          </p:spPr>
+          <p:style>
+            <a:lnRef idx="1">
+              <a:schemeClr val="accent1"/>
+            </a:lnRef>
+            <a:fillRef idx="0">
+              <a:schemeClr val="accent1"/>
+            </a:fillRef>
+            <a:effectRef idx="0">
+              <a:schemeClr val="accent1"/>
+            </a:effectRef>
+            <a:fontRef idx="minor">
+              <a:schemeClr val="tx1"/>
+            </a:fontRef>
+          </p:style>
+        </p:cxnSp>
+      </p:grpSp>
+      <p:sp>
+        <p:nvSpPr>
+          <p:cNvPr id="4" name="Title 3"/>
+          <p:cNvSpPr>
+            <a:spLocks noGrp="1"/>
+          </p:cNvSpPr>
+          <p:nvPr>
+            <p:ph type="title"/>
           </p:nvPr>
         </p:nvSpPr>
         <p:spPr/>
@@ -5765,83 +5150,9 @@
           <a:bodyPr/>
           <a:lstStyle/>
           <a:p>
-            <a:pPr marL="109728" indent="0">
-              <a:buNone/>
-            </a:pPr>
-            <a:r>
-              <a:rPr lang="en-US" dirty="0"/>
-              <a:t>IBM - </a:t>
-            </a:r>
-            <a:r>
-              <a:rPr lang="en-US" dirty="0">
-                <a:hlinkClick r:id="rId2"/>
-              </a:rPr>
-              <a:t>http://www.softlayer.com/</a:t>
-            </a:r>
-            <a:r>
-              <a:rPr lang="en-US" dirty="0"/>
-              <a:t/>
-            </a:r>
-            <a:br>
-              <a:rPr lang="en-US" dirty="0"/>
-            </a:br>
-            <a:r>
-              <a:rPr lang="en-US" dirty="0">
-                <a:hlinkClick r:id="rId3"/>
-              </a:rPr>
-              <a:t>http://aws.amazon.com/</a:t>
-            </a:r>
-            <a:r>
-              <a:rPr lang="en-US" dirty="0"/>
-              <a:t/>
-            </a:r>
-            <a:br>
-              <a:rPr lang="en-US" dirty="0"/>
-            </a:br>
-            <a:r>
-              <a:rPr lang="en-US" dirty="0">
-                <a:hlinkClick r:id="rId4"/>
-              </a:rPr>
-              <a:t>http://azure.microsoft.com/en-us/</a:t>
-            </a:r>
-            <a:r>
-              <a:rPr lang="en-US" dirty="0"/>
-              <a:t/>
-            </a:r>
-            <a:br>
-              <a:rPr lang="en-US" dirty="0"/>
-            </a:br>
-            <a:r>
-              <a:rPr lang="en-US" dirty="0">
-                <a:hlinkClick r:id="rId5"/>
-              </a:rPr>
-              <a:t>https://cloud.google.com/</a:t>
-            </a:r>
-            <a:r>
-              <a:rPr lang="en-US" dirty="0"/>
-              <a:t/>
-            </a:r>
-            <a:br>
-              <a:rPr lang="en-US" dirty="0"/>
-            </a:br>
-            <a:r>
-              <a:rPr lang="en-US" dirty="0">
-                <a:hlinkClick r:id="rId6"/>
-              </a:rPr>
-              <a:t>https://cloud.oracle.com/home</a:t>
-            </a:r>
-            <a:r>
-              <a:rPr lang="en-US" dirty="0"/>
-              <a:t/>
-            </a:r>
-            <a:br>
-              <a:rPr lang="en-US" dirty="0"/>
-            </a:br>
-            <a:r>
-              <a:rPr lang="en-US" dirty="0">
-                <a:hlinkClick r:id="rId7"/>
-              </a:rPr>
-              <a:t>http://www.rackspace.com/cloud</a:t>
+            <a:r>
+              <a:rPr lang="en-US" dirty="0" smtClean="0"/>
+              <a:t>Storage</a:t>
             </a:r>
             <a:endParaRPr lang="en-US" dirty="0"/>
           </a:p>
@@ -5871,24 +5182,405 @@
           </a:p>
         </p:txBody>
       </p:sp>
-      <p:sp>
-        <p:nvSpPr>
-          <p:cNvPr id="4" name="Title 3"/>
-          <p:cNvSpPr>
-            <a:spLocks noGrp="1"/>
-          </p:cNvSpPr>
-          <p:nvPr>
-            <p:ph type="title"/>
-          </p:nvPr>
-        </p:nvSpPr>
-        <p:spPr/>
-        <p:txBody>
-          <a:bodyPr/>
+      <p:grpSp>
+        <p:nvGrpSpPr>
+          <p:cNvPr id="27" name="Group 26"/>
+          <p:cNvGrpSpPr/>
+          <p:nvPr/>
+        </p:nvGrpSpPr>
+        <p:grpSpPr>
+          <a:xfrm>
+            <a:off x="7239000" y="914400"/>
+            <a:ext cx="1774032" cy="3663434"/>
+            <a:chOff x="7239000" y="914400"/>
+            <a:chExt cx="1774032" cy="3663434"/>
+          </a:xfrm>
+        </p:grpSpPr>
+        <p:sp>
+          <p:nvSpPr>
+            <p:cNvPr id="19" name="Rectangle 18"/>
+            <p:cNvSpPr/>
+            <p:nvPr/>
+          </p:nvSpPr>
+          <p:spPr>
+            <a:xfrm>
+              <a:off x="7239000" y="2057400"/>
+              <a:ext cx="762000" cy="228600"/>
+            </a:xfrm>
+            <a:prstGeom prst="rect">
+              <a:avLst/>
+            </a:prstGeom>
+            <a:solidFill>
+              <a:schemeClr val="tx2">
+                <a:lumMod val="20000"/>
+                <a:lumOff val="80000"/>
+              </a:schemeClr>
+            </a:solidFill>
+          </p:spPr>
+          <p:style>
+            <a:lnRef idx="2">
+              <a:schemeClr val="accent1">
+                <a:shade val="50000"/>
+              </a:schemeClr>
+            </a:lnRef>
+            <a:fillRef idx="1">
+              <a:schemeClr val="accent1"/>
+            </a:fillRef>
+            <a:effectRef idx="0">
+              <a:schemeClr val="accent1"/>
+            </a:effectRef>
+            <a:fontRef idx="minor">
+              <a:schemeClr val="lt1"/>
+            </a:fontRef>
+          </p:style>
+          <p:txBody>
+            <a:bodyPr rtlCol="0" anchor="ctr"/>
+            <a:lstStyle/>
+            <a:p>
+              <a:pPr algn="ctr"/>
+              <a:endParaRPr lang="en-US"/>
+            </a:p>
+          </p:txBody>
+        </p:sp>
+        <p:sp>
+          <p:nvSpPr>
+            <p:cNvPr id="20" name="TextBox 19"/>
+            <p:cNvSpPr txBox="1"/>
+            <p:nvPr/>
+          </p:nvSpPr>
+          <p:spPr>
+            <a:xfrm>
+              <a:off x="7772400" y="914400"/>
+              <a:ext cx="1240632" cy="461665"/>
+            </a:xfrm>
+            <a:prstGeom prst="rect">
+              <a:avLst/>
+            </a:prstGeom>
+            <a:noFill/>
+            <a:ln>
+              <a:solidFill>
+                <a:schemeClr val="accent1"/>
+              </a:solidFill>
+            </a:ln>
+          </p:spPr>
+          <p:txBody>
+            <a:bodyPr wrap="square" rtlCol="0">
+              <a:spAutoFit/>
+            </a:bodyPr>
+            <a:lstStyle/>
+            <a:p>
+              <a:r>
+                <a:rPr lang="en-US" sz="1200" dirty="0" smtClean="0"/>
+                <a:t>Instance Store</a:t>
+              </a:r>
+            </a:p>
+            <a:p>
+              <a:r>
+                <a:rPr lang="en-US" sz="1200" dirty="0" smtClean="0"/>
+                <a:t>(local storage)</a:t>
+              </a:r>
+              <a:endParaRPr lang="en-US" dirty="0"/>
+            </a:p>
+          </p:txBody>
+        </p:sp>
+        <p:cxnSp>
+          <p:nvCxnSpPr>
+            <p:cNvPr id="22" name="Straight Connector 21"/>
+            <p:cNvCxnSpPr>
+              <a:stCxn id="19" idx="1"/>
+              <a:endCxn id="20" idx="1"/>
+            </p:cNvCxnSpPr>
+            <p:nvPr/>
+          </p:nvCxnSpPr>
+          <p:spPr>
+            <a:xfrm flipV="1">
+              <a:off x="7239000" y="1145233"/>
+              <a:ext cx="533400" cy="1026467"/>
+            </a:xfrm>
+            <a:prstGeom prst="line">
+              <a:avLst/>
+            </a:prstGeom>
+          </p:spPr>
+          <p:style>
+            <a:lnRef idx="1">
+              <a:schemeClr val="accent1"/>
+            </a:lnRef>
+            <a:fillRef idx="0">
+              <a:schemeClr val="accent1"/>
+            </a:fillRef>
+            <a:effectRef idx="0">
+              <a:schemeClr val="accent1"/>
+            </a:effectRef>
+            <a:fontRef idx="minor">
+              <a:schemeClr val="tx1"/>
+            </a:fontRef>
+          </p:style>
+        </p:cxnSp>
+        <p:cxnSp>
+          <p:nvCxnSpPr>
+            <p:cNvPr id="24" name="Straight Connector 23"/>
+            <p:cNvCxnSpPr>
+              <a:stCxn id="19" idx="3"/>
+              <a:endCxn id="20" idx="3"/>
+            </p:cNvCxnSpPr>
+            <p:nvPr/>
+          </p:nvCxnSpPr>
+          <p:spPr>
+            <a:xfrm flipV="1">
+              <a:off x="8001000" y="1145233"/>
+              <a:ext cx="1012032" cy="1026467"/>
+            </a:xfrm>
+            <a:prstGeom prst="line">
+              <a:avLst/>
+            </a:prstGeom>
+          </p:spPr>
+          <p:style>
+            <a:lnRef idx="1">
+              <a:schemeClr val="accent1"/>
+            </a:lnRef>
+            <a:fillRef idx="0">
+              <a:schemeClr val="accent1"/>
+            </a:fillRef>
+            <a:effectRef idx="0">
+              <a:schemeClr val="accent1"/>
+            </a:effectRef>
+            <a:fontRef idx="minor">
+              <a:schemeClr val="tx1"/>
+            </a:fontRef>
+          </p:style>
+        </p:cxnSp>
+        <p:sp>
+          <p:nvSpPr>
+            <p:cNvPr id="25" name="Rectangle 24"/>
+            <p:cNvSpPr/>
+            <p:nvPr/>
+          </p:nvSpPr>
+          <p:spPr>
+            <a:xfrm>
+              <a:off x="7257288" y="3124200"/>
+              <a:ext cx="762000" cy="228600"/>
+            </a:xfrm>
+            <a:prstGeom prst="rect">
+              <a:avLst/>
+            </a:prstGeom>
+            <a:solidFill>
+              <a:schemeClr val="tx2">
+                <a:lumMod val="20000"/>
+                <a:lumOff val="80000"/>
+              </a:schemeClr>
+            </a:solidFill>
+          </p:spPr>
+          <p:style>
+            <a:lnRef idx="2">
+              <a:schemeClr val="accent1">
+                <a:shade val="50000"/>
+              </a:schemeClr>
+            </a:lnRef>
+            <a:fillRef idx="1">
+              <a:schemeClr val="accent1"/>
+            </a:fillRef>
+            <a:effectRef idx="0">
+              <a:schemeClr val="accent1"/>
+            </a:effectRef>
+            <a:fontRef idx="minor">
+              <a:schemeClr val="lt1"/>
+            </a:fontRef>
+          </p:style>
+          <p:txBody>
+            <a:bodyPr rtlCol="0" anchor="ctr"/>
+            <a:lstStyle/>
+            <a:p>
+              <a:pPr algn="ctr"/>
+              <a:endParaRPr lang="en-US"/>
+            </a:p>
+          </p:txBody>
+        </p:sp>
+        <p:sp>
+          <p:nvSpPr>
+            <p:cNvPr id="26" name="Rectangle 25"/>
+            <p:cNvSpPr/>
+            <p:nvPr/>
+          </p:nvSpPr>
+          <p:spPr>
+            <a:xfrm>
+              <a:off x="7266432" y="4349234"/>
+              <a:ext cx="762000" cy="228600"/>
+            </a:xfrm>
+            <a:prstGeom prst="rect">
+              <a:avLst/>
+            </a:prstGeom>
+            <a:solidFill>
+              <a:schemeClr val="tx2">
+                <a:lumMod val="20000"/>
+                <a:lumOff val="80000"/>
+              </a:schemeClr>
+            </a:solidFill>
+          </p:spPr>
+          <p:style>
+            <a:lnRef idx="2">
+              <a:schemeClr val="accent1">
+                <a:shade val="50000"/>
+              </a:schemeClr>
+            </a:lnRef>
+            <a:fillRef idx="1">
+              <a:schemeClr val="accent1"/>
+            </a:fillRef>
+            <a:effectRef idx="0">
+              <a:schemeClr val="accent1"/>
+            </a:effectRef>
+            <a:fontRef idx="minor">
+              <a:schemeClr val="lt1"/>
+            </a:fontRef>
+          </p:style>
+          <p:txBody>
+            <a:bodyPr rtlCol="0" anchor="ctr"/>
+            <a:lstStyle/>
+            <a:p>
+              <a:pPr algn="ctr"/>
+              <a:endParaRPr lang="en-US"/>
+            </a:p>
+          </p:txBody>
+        </p:sp>
+      </p:grpSp>
+      <p:sp>
+        <p:nvSpPr>
+          <p:cNvPr id="29" name="Rounded Rectangle 28"/>
+          <p:cNvSpPr/>
+          <p:nvPr/>
+        </p:nvSpPr>
+        <p:spPr>
+          <a:xfrm>
+            <a:off x="4474368" y="4964435"/>
+            <a:ext cx="1981200" cy="762000"/>
+          </a:xfrm>
+          <a:prstGeom prst="roundRect">
+            <a:avLst/>
+          </a:prstGeom>
+          <a:solidFill>
+            <a:schemeClr val="accent5">
+              <a:lumMod val="60000"/>
+              <a:lumOff val="40000"/>
+            </a:schemeClr>
+          </a:solidFill>
+        </p:spPr>
+        <p:style>
+          <a:lnRef idx="2">
+            <a:schemeClr val="accent1">
+              <a:shade val="50000"/>
+            </a:schemeClr>
+          </a:lnRef>
+          <a:fillRef idx="1">
+            <a:schemeClr val="accent1"/>
+          </a:fillRef>
+          <a:effectRef idx="0">
+            <a:schemeClr val="accent1"/>
+          </a:effectRef>
+          <a:fontRef idx="minor">
+            <a:schemeClr val="lt1"/>
+          </a:fontRef>
+        </p:style>
+        <p:txBody>
+          <a:bodyPr rtlCol="0" anchor="ctr"/>
           <a:lstStyle/>
           <a:p>
+            <a:pPr algn="ctr"/>
+            <a:r>
+              <a:rPr lang="en-US" sz="1400" dirty="0" smtClean="0"/>
+              <a:t>EBS</a:t>
+            </a:r>
+          </a:p>
+          <a:p>
+            <a:pPr algn="ctr"/>
+            <a:r>
+              <a:rPr lang="en-US" sz="1400" dirty="0" smtClean="0"/>
+              <a:t>(Network Attached)</a:t>
+            </a:r>
+            <a:endParaRPr lang="en-US" sz="1400" dirty="0"/>
+          </a:p>
+        </p:txBody>
+      </p:sp>
+      <p:cxnSp>
+        <p:nvCxnSpPr>
+          <p:cNvPr id="35" name="Curved Connector 34"/>
+          <p:cNvCxnSpPr>
+            <a:stCxn id="10" idx="1"/>
+            <a:endCxn id="29" idx="1"/>
+          </p:cNvCxnSpPr>
+          <p:nvPr/>
+        </p:nvCxnSpPr>
+        <p:spPr>
+          <a:xfrm rot="10800000" flipV="1">
+            <a:off x="4474368" y="2824249"/>
+            <a:ext cx="326232" cy="2521185"/>
+          </a:xfrm>
+          <a:prstGeom prst="curvedConnector3">
+            <a:avLst>
+              <a:gd name="adj1" fmla="val 170073"/>
+            </a:avLst>
+          </a:prstGeom>
+          <a:ln w="38100">
+            <a:solidFill>
+              <a:schemeClr val="accent4">
+                <a:lumMod val="75000"/>
+              </a:schemeClr>
+            </a:solidFill>
+            <a:tailEnd type="triangle"/>
+          </a:ln>
+        </p:spPr>
+        <p:style>
+          <a:lnRef idx="1">
+            <a:schemeClr val="accent1"/>
+          </a:lnRef>
+          <a:fillRef idx="0">
+            <a:schemeClr val="accent1"/>
+          </a:fillRef>
+          <a:effectRef idx="0">
+            <a:schemeClr val="accent1"/>
+          </a:effectRef>
+          <a:fontRef idx="minor">
+            <a:schemeClr val="tx1"/>
+          </a:fontRef>
+        </p:style>
+      </p:cxnSp>
+      <p:sp>
+        <p:nvSpPr>
+          <p:cNvPr id="28" name="Cloud 27"/>
+          <p:cNvSpPr/>
+          <p:nvPr/>
+        </p:nvSpPr>
+        <p:spPr>
+          <a:xfrm>
+            <a:off x="2971800" y="1524000"/>
+            <a:ext cx="2286000" cy="647700"/>
+          </a:xfrm>
+          <a:prstGeom prst="cloud">
+            <a:avLst/>
+          </a:prstGeom>
+        </p:spPr>
+        <p:style>
+          <a:lnRef idx="2">
+            <a:schemeClr val="accent1">
+              <a:shade val="50000"/>
+            </a:schemeClr>
+          </a:lnRef>
+          <a:fillRef idx="1">
+            <a:schemeClr val="accent1"/>
+          </a:fillRef>
+          <a:effectRef idx="0">
+            <a:schemeClr val="accent1"/>
+          </a:effectRef>
+          <a:fontRef idx="minor">
+            <a:schemeClr val="lt1"/>
+          </a:fontRef>
+        </p:style>
+        <p:txBody>
+          <a:bodyPr rtlCol="0" anchor="ctr"/>
+          <a:lstStyle/>
+          <a:p>
+            <a:pPr algn="ctr"/>
             <a:r>
               <a:rPr lang="en-US" dirty="0" smtClean="0"/>
-              <a:t>Leading cloud services</a:t>
+              <a:t>s3</a:t>
             </a:r>
             <a:endParaRPr lang="en-US" dirty="0"/>
           </a:p>
@@ -5897,7 +5589,7 @@
     </p:spTree>
     <p:extLst>
       <p:ext uri="{BB962C8B-B14F-4D97-AF65-F5344CB8AC3E}">
-        <p14:creationId xmlns:p14="http://schemas.microsoft.com/office/powerpoint/2010/main" val="1918029601"/>
+        <p14:creationId xmlns:p14="http://schemas.microsoft.com/office/powerpoint/2010/main" val="1242019174"/>
       </p:ext>
     </p:extLst>
   </p:cSld>
@@ -5907,9 +5599,513 @@
   <p:timing>
     <p:tnLst>
       <p:par>
-        <p:cTn id="1" dur="indefinite" restart="never" nodeType="tmRoot"/>
+        <p:cTn xmlns:p14="http://schemas.microsoft.com/office/powerpoint/2010/main" id="1" dur="indefinite" restart="never" nodeType="tmRoot">
+          <p:childTnLst>
+            <p:seq concurrent="1" nextAc="seek">
+              <p:cTn id="2" dur="indefinite" nodeType="mainSeq">
+                <p:childTnLst>
+                  <p:par>
+                    <p:cTn id="3" fill="hold">
+                      <p:stCondLst>
+                        <p:cond delay="indefinite"/>
+                      </p:stCondLst>
+                      <p:childTnLst>
+                        <p:par>
+                          <p:cTn id="4" fill="hold">
+                            <p:stCondLst>
+                              <p:cond delay="0"/>
+                            </p:stCondLst>
+                            <p:childTnLst>
+                              <p:par>
+                                <p:cTn id="5" presetID="42" presetClass="entr" presetSubtype="0" fill="hold" nodeType="clickEffect">
+                                  <p:stCondLst>
+                                    <p:cond delay="0"/>
+                                  </p:stCondLst>
+                                  <p:childTnLst>
+                                    <p:set>
+                                      <p:cBhvr>
+                                        <p:cTn id="6" dur="1" fill="hold">
+                                          <p:stCondLst>
+                                            <p:cond delay="0"/>
+                                          </p:stCondLst>
+                                        </p:cTn>
+                                        <p:tgtEl>
+                                          <p:spTgt spid="38"/>
+                                        </p:tgtEl>
+                                        <p:attrNameLst>
+                                          <p:attrName>style.visibility</p:attrName>
+                                        </p:attrNameLst>
+                                      </p:cBhvr>
+                                      <p:to>
+                                        <p:strVal val="visible"/>
+                                      </p:to>
+                                    </p:set>
+                                    <p:animEffect transition="in" filter="fade">
+                                      <p:cBhvr>
+                                        <p:cTn id="7" dur="1000"/>
+                                        <p:tgtEl>
+                                          <p:spTgt spid="38"/>
+                                        </p:tgtEl>
+                                      </p:cBhvr>
+                                    </p:animEffect>
+                                    <p:anim calcmode="lin" valueType="num">
+                                      <p:cBhvr>
+                                        <p:cTn id="8" dur="1000" fill="hold"/>
+                                        <p:tgtEl>
+                                          <p:spTgt spid="38"/>
+                                        </p:tgtEl>
+                                        <p:attrNameLst>
+                                          <p:attrName>ppt_x</p:attrName>
+                                        </p:attrNameLst>
+                                      </p:cBhvr>
+                                      <p:tavLst>
+                                        <p:tav tm="0">
+                                          <p:val>
+                                            <p:strVal val="#ppt_x"/>
+                                          </p:val>
+                                        </p:tav>
+                                        <p:tav tm="100000">
+                                          <p:val>
+                                            <p:strVal val="#ppt_x"/>
+                                          </p:val>
+                                        </p:tav>
+                                      </p:tavLst>
+                                    </p:anim>
+                                    <p:anim calcmode="lin" valueType="num">
+                                      <p:cBhvr>
+                                        <p:cTn id="9" dur="1000" fill="hold"/>
+                                        <p:tgtEl>
+                                          <p:spTgt spid="38"/>
+                                        </p:tgtEl>
+                                        <p:attrNameLst>
+                                          <p:attrName>ppt_y</p:attrName>
+                                        </p:attrNameLst>
+                                      </p:cBhvr>
+                                      <p:tavLst>
+                                        <p:tav tm="0">
+                                          <p:val>
+                                            <p:strVal val="#ppt_y+.1"/>
+                                          </p:val>
+                                        </p:tav>
+                                        <p:tav tm="100000">
+                                          <p:val>
+                                            <p:strVal val="#ppt_y"/>
+                                          </p:val>
+                                        </p:tav>
+                                      </p:tavLst>
+                                    </p:anim>
+                                  </p:childTnLst>
+                                </p:cTn>
+                              </p:par>
+                            </p:childTnLst>
+                          </p:cTn>
+                        </p:par>
+                      </p:childTnLst>
+                    </p:cTn>
+                  </p:par>
+                  <p:par>
+                    <p:cTn id="10" fill="hold">
+                      <p:stCondLst>
+                        <p:cond delay="indefinite"/>
+                      </p:stCondLst>
+                      <p:childTnLst>
+                        <p:par>
+                          <p:cTn id="11" fill="hold">
+                            <p:stCondLst>
+                              <p:cond delay="0"/>
+                            </p:stCondLst>
+                            <p:childTnLst>
+                              <p:par>
+                                <p:cTn id="12" presetID="42" presetClass="entr" presetSubtype="0" fill="hold" grpId="0" nodeType="clickEffect">
+                                  <p:stCondLst>
+                                    <p:cond delay="0"/>
+                                  </p:stCondLst>
+                                  <p:childTnLst>
+                                    <p:set>
+                                      <p:cBhvr>
+                                        <p:cTn id="13" dur="1" fill="hold">
+                                          <p:stCondLst>
+                                            <p:cond delay="0"/>
+                                          </p:stCondLst>
+                                        </p:cTn>
+                                        <p:tgtEl>
+                                          <p:spTgt spid="28"/>
+                                        </p:tgtEl>
+                                        <p:attrNameLst>
+                                          <p:attrName>style.visibility</p:attrName>
+                                        </p:attrNameLst>
+                                      </p:cBhvr>
+                                      <p:to>
+                                        <p:strVal val="visible"/>
+                                      </p:to>
+                                    </p:set>
+                                    <p:animEffect transition="in" filter="fade">
+                                      <p:cBhvr>
+                                        <p:cTn id="14" dur="1000"/>
+                                        <p:tgtEl>
+                                          <p:spTgt spid="28"/>
+                                        </p:tgtEl>
+                                      </p:cBhvr>
+                                    </p:animEffect>
+                                    <p:anim calcmode="lin" valueType="num">
+                                      <p:cBhvr>
+                                        <p:cTn id="15" dur="1000" fill="hold"/>
+                                        <p:tgtEl>
+                                          <p:spTgt spid="28"/>
+                                        </p:tgtEl>
+                                        <p:attrNameLst>
+                                          <p:attrName>ppt_x</p:attrName>
+                                        </p:attrNameLst>
+                                      </p:cBhvr>
+                                      <p:tavLst>
+                                        <p:tav tm="0">
+                                          <p:val>
+                                            <p:strVal val="#ppt_x"/>
+                                          </p:val>
+                                        </p:tav>
+                                        <p:tav tm="100000">
+                                          <p:val>
+                                            <p:strVal val="#ppt_x"/>
+                                          </p:val>
+                                        </p:tav>
+                                      </p:tavLst>
+                                    </p:anim>
+                                    <p:anim calcmode="lin" valueType="num">
+                                      <p:cBhvr>
+                                        <p:cTn id="16" dur="1000" fill="hold"/>
+                                        <p:tgtEl>
+                                          <p:spTgt spid="28"/>
+                                        </p:tgtEl>
+                                        <p:attrNameLst>
+                                          <p:attrName>ppt_y</p:attrName>
+                                        </p:attrNameLst>
+                                      </p:cBhvr>
+                                      <p:tavLst>
+                                        <p:tav tm="0">
+                                          <p:val>
+                                            <p:strVal val="#ppt_y+.1"/>
+                                          </p:val>
+                                        </p:tav>
+                                        <p:tav tm="100000">
+                                          <p:val>
+                                            <p:strVal val="#ppt_y"/>
+                                          </p:val>
+                                        </p:tav>
+                                      </p:tavLst>
+                                    </p:anim>
+                                  </p:childTnLst>
+                                </p:cTn>
+                              </p:par>
+                            </p:childTnLst>
+                          </p:cTn>
+                        </p:par>
+                      </p:childTnLst>
+                    </p:cTn>
+                  </p:par>
+                  <p:par>
+                    <p:cTn id="17" fill="hold">
+                      <p:stCondLst>
+                        <p:cond delay="indefinite"/>
+                      </p:stCondLst>
+                      <p:childTnLst>
+                        <p:par>
+                          <p:cTn id="18" fill="hold">
+                            <p:stCondLst>
+                              <p:cond delay="0"/>
+                            </p:stCondLst>
+                            <p:childTnLst>
+                              <p:par>
+                                <p:cTn id="19" presetID="42" presetClass="entr" presetSubtype="0" fill="hold" nodeType="clickEffect">
+                                  <p:stCondLst>
+                                    <p:cond delay="0"/>
+                                  </p:stCondLst>
+                                  <p:childTnLst>
+                                    <p:set>
+                                      <p:cBhvr>
+                                        <p:cTn id="20" dur="1" fill="hold">
+                                          <p:stCondLst>
+                                            <p:cond delay="0"/>
+                                          </p:stCondLst>
+                                        </p:cTn>
+                                        <p:tgtEl>
+                                          <p:spTgt spid="27"/>
+                                        </p:tgtEl>
+                                        <p:attrNameLst>
+                                          <p:attrName>style.visibility</p:attrName>
+                                        </p:attrNameLst>
+                                      </p:cBhvr>
+                                      <p:to>
+                                        <p:strVal val="visible"/>
+                                      </p:to>
+                                    </p:set>
+                                    <p:animEffect transition="in" filter="fade">
+                                      <p:cBhvr>
+                                        <p:cTn id="21" dur="1000"/>
+                                        <p:tgtEl>
+                                          <p:spTgt spid="27"/>
+                                        </p:tgtEl>
+                                      </p:cBhvr>
+                                    </p:animEffect>
+                                    <p:anim calcmode="lin" valueType="num">
+                                      <p:cBhvr>
+                                        <p:cTn id="22" dur="1000" fill="hold"/>
+                                        <p:tgtEl>
+                                          <p:spTgt spid="27"/>
+                                        </p:tgtEl>
+                                        <p:attrNameLst>
+                                          <p:attrName>ppt_x</p:attrName>
+                                        </p:attrNameLst>
+                                      </p:cBhvr>
+                                      <p:tavLst>
+                                        <p:tav tm="0">
+                                          <p:val>
+                                            <p:strVal val="#ppt_x"/>
+                                          </p:val>
+                                        </p:tav>
+                                        <p:tav tm="100000">
+                                          <p:val>
+                                            <p:strVal val="#ppt_x"/>
+                                          </p:val>
+                                        </p:tav>
+                                      </p:tavLst>
+                                    </p:anim>
+                                    <p:anim calcmode="lin" valueType="num">
+                                      <p:cBhvr>
+                                        <p:cTn id="23" dur="1000" fill="hold"/>
+                                        <p:tgtEl>
+                                          <p:spTgt spid="27"/>
+                                        </p:tgtEl>
+                                        <p:attrNameLst>
+                                          <p:attrName>ppt_y</p:attrName>
+                                        </p:attrNameLst>
+                                      </p:cBhvr>
+                                      <p:tavLst>
+                                        <p:tav tm="0">
+                                          <p:val>
+                                            <p:strVal val="#ppt_y+.1"/>
+                                          </p:val>
+                                        </p:tav>
+                                        <p:tav tm="100000">
+                                          <p:val>
+                                            <p:strVal val="#ppt_y"/>
+                                          </p:val>
+                                        </p:tav>
+                                      </p:tavLst>
+                                    </p:anim>
+                                  </p:childTnLst>
+                                </p:cTn>
+                              </p:par>
+                            </p:childTnLst>
+                          </p:cTn>
+                        </p:par>
+                      </p:childTnLst>
+                    </p:cTn>
+                  </p:par>
+                  <p:par>
+                    <p:cTn id="24" fill="hold">
+                      <p:stCondLst>
+                        <p:cond delay="indefinite"/>
+                      </p:stCondLst>
+                      <p:childTnLst>
+                        <p:par>
+                          <p:cTn id="25" fill="hold">
+                            <p:stCondLst>
+                              <p:cond delay="0"/>
+                            </p:stCondLst>
+                            <p:childTnLst>
+                              <p:par>
+                                <p:cTn id="26" presetID="42" presetClass="entr" presetSubtype="0" fill="hold" grpId="0" nodeType="clickEffect">
+                                  <p:stCondLst>
+                                    <p:cond delay="0"/>
+                                  </p:stCondLst>
+                                  <p:childTnLst>
+                                    <p:set>
+                                      <p:cBhvr>
+                                        <p:cTn id="27" dur="1" fill="hold">
+                                          <p:stCondLst>
+                                            <p:cond delay="0"/>
+                                          </p:stCondLst>
+                                        </p:cTn>
+                                        <p:tgtEl>
+                                          <p:spTgt spid="29"/>
+                                        </p:tgtEl>
+                                        <p:attrNameLst>
+                                          <p:attrName>style.visibility</p:attrName>
+                                        </p:attrNameLst>
+                                      </p:cBhvr>
+                                      <p:to>
+                                        <p:strVal val="visible"/>
+                                      </p:to>
+                                    </p:set>
+                                    <p:animEffect transition="in" filter="fade">
+                                      <p:cBhvr>
+                                        <p:cTn id="28" dur="1000"/>
+                                        <p:tgtEl>
+                                          <p:spTgt spid="29"/>
+                                        </p:tgtEl>
+                                      </p:cBhvr>
+                                    </p:animEffect>
+                                    <p:anim calcmode="lin" valueType="num">
+                                      <p:cBhvr>
+                                        <p:cTn id="29" dur="1000" fill="hold"/>
+                                        <p:tgtEl>
+                                          <p:spTgt spid="29"/>
+                                        </p:tgtEl>
+                                        <p:attrNameLst>
+                                          <p:attrName>ppt_x</p:attrName>
+                                        </p:attrNameLst>
+                                      </p:cBhvr>
+                                      <p:tavLst>
+                                        <p:tav tm="0">
+                                          <p:val>
+                                            <p:strVal val="#ppt_x"/>
+                                          </p:val>
+                                        </p:tav>
+                                        <p:tav tm="100000">
+                                          <p:val>
+                                            <p:strVal val="#ppt_x"/>
+                                          </p:val>
+                                        </p:tav>
+                                      </p:tavLst>
+                                    </p:anim>
+                                    <p:anim calcmode="lin" valueType="num">
+                                      <p:cBhvr>
+                                        <p:cTn id="30" dur="1000" fill="hold"/>
+                                        <p:tgtEl>
+                                          <p:spTgt spid="29"/>
+                                        </p:tgtEl>
+                                        <p:attrNameLst>
+                                          <p:attrName>ppt_y</p:attrName>
+                                        </p:attrNameLst>
+                                      </p:cBhvr>
+                                      <p:tavLst>
+                                        <p:tav tm="0">
+                                          <p:val>
+                                            <p:strVal val="#ppt_y+.1"/>
+                                          </p:val>
+                                        </p:tav>
+                                        <p:tav tm="100000">
+                                          <p:val>
+                                            <p:strVal val="#ppt_y"/>
+                                          </p:val>
+                                        </p:tav>
+                                      </p:tavLst>
+                                    </p:anim>
+                                  </p:childTnLst>
+                                </p:cTn>
+                              </p:par>
+                              <p:par>
+                                <p:cTn id="31" presetID="42" presetClass="entr" presetSubtype="0" fill="hold" nodeType="withEffect">
+                                  <p:stCondLst>
+                                    <p:cond delay="0"/>
+                                  </p:stCondLst>
+                                  <p:childTnLst>
+                                    <p:set>
+                                      <p:cBhvr>
+                                        <p:cTn id="32" dur="1" fill="hold">
+                                          <p:stCondLst>
+                                            <p:cond delay="0"/>
+                                          </p:stCondLst>
+                                        </p:cTn>
+                                        <p:tgtEl>
+                                          <p:spTgt spid="35"/>
+                                        </p:tgtEl>
+                                        <p:attrNameLst>
+                                          <p:attrName>style.visibility</p:attrName>
+                                        </p:attrNameLst>
+                                      </p:cBhvr>
+                                      <p:to>
+                                        <p:strVal val="visible"/>
+                                      </p:to>
+                                    </p:set>
+                                    <p:animEffect transition="in" filter="fade">
+                                      <p:cBhvr>
+                                        <p:cTn id="33" dur="1000"/>
+                                        <p:tgtEl>
+                                          <p:spTgt spid="35"/>
+                                        </p:tgtEl>
+                                      </p:cBhvr>
+                                    </p:animEffect>
+                                    <p:anim calcmode="lin" valueType="num">
+                                      <p:cBhvr>
+                                        <p:cTn id="34" dur="1000" fill="hold"/>
+                                        <p:tgtEl>
+                                          <p:spTgt spid="35"/>
+                                        </p:tgtEl>
+                                        <p:attrNameLst>
+                                          <p:attrName>ppt_x</p:attrName>
+                                        </p:attrNameLst>
+                                      </p:cBhvr>
+                                      <p:tavLst>
+                                        <p:tav tm="0">
+                                          <p:val>
+                                            <p:strVal val="#ppt_x"/>
+                                          </p:val>
+                                        </p:tav>
+                                        <p:tav tm="100000">
+                                          <p:val>
+                                            <p:strVal val="#ppt_x"/>
+                                          </p:val>
+                                        </p:tav>
+                                      </p:tavLst>
+                                    </p:anim>
+                                    <p:anim calcmode="lin" valueType="num">
+                                      <p:cBhvr>
+                                        <p:cTn id="35" dur="1000" fill="hold"/>
+                                        <p:tgtEl>
+                                          <p:spTgt spid="35"/>
+                                        </p:tgtEl>
+                                        <p:attrNameLst>
+                                          <p:attrName>ppt_y</p:attrName>
+                                        </p:attrNameLst>
+                                      </p:cBhvr>
+                                      <p:tavLst>
+                                        <p:tav tm="0">
+                                          <p:val>
+                                            <p:strVal val="#ppt_y+.1"/>
+                                          </p:val>
+                                        </p:tav>
+                                        <p:tav tm="100000">
+                                          <p:val>
+                                            <p:strVal val="#ppt_y"/>
+                                          </p:val>
+                                        </p:tav>
+                                      </p:tavLst>
+                                    </p:anim>
+                                  </p:childTnLst>
+                                </p:cTn>
+                              </p:par>
+                            </p:childTnLst>
+                          </p:cTn>
+                        </p:par>
+                      </p:childTnLst>
+                    </p:cTn>
+                  </p:par>
+                </p:childTnLst>
+              </p:cTn>
+              <p:prevCondLst>
+                <p:cond evt="onPrev" delay="0">
+                  <p:tgtEl>
+                    <p:sldTgt/>
+                  </p:tgtEl>
+                </p:cond>
+              </p:prevCondLst>
+              <p:nextCondLst>
+                <p:cond evt="onNext" delay="0">
+                  <p:tgtEl>
+                    <p:sldTgt/>
+                  </p:tgtEl>
+                </p:cond>
+              </p:nextCondLst>
+            </p:seq>
+          </p:childTnLst>
+        </p:cTn>
       </p:par>
     </p:tnLst>
+    <p:bldLst>
+      <p:bldP spid="29" grpId="0" animBg="1"/>
+      <p:bldP spid="28" grpId="0" animBg="1"/>
+    </p:bldLst>
   </p:timing>
 </p:sld>
 </file>
@@ -5933,54 +6129,256 @@
       </p:grpSpPr>
       <p:sp>
         <p:nvSpPr>
-          <p:cNvPr id="2" name="Content Placeholder 1"/>
-          <p:cNvSpPr>
-            <a:spLocks noGrp="1"/>
-          </p:cNvSpPr>
-          <p:nvPr>
-            <p:ph idx="1"/>
-          </p:nvPr>
-        </p:nvSpPr>
-        <p:spPr>
-          <a:xfrm>
-            <a:off x="457200" y="1481329"/>
-            <a:ext cx="8229600" cy="4005072"/>
-          </a:xfrm>
-        </p:spPr>
+          <p:cNvPr id="2" name="Title 1"/>
+          <p:cNvSpPr>
+            <a:spLocks noGrp="1"/>
+          </p:cNvSpPr>
+          <p:nvPr>
+            <p:ph type="title"/>
+          </p:nvPr>
+        </p:nvSpPr>
+        <p:spPr/>
         <p:txBody>
           <a:bodyPr/>
           <a:lstStyle/>
           <a:p>
-            <a:pPr algn="ctr">
+            <a:r>
+              <a:rPr lang="en-US" dirty="0" smtClean="0"/>
+              <a:t>Provision EC2 Node</a:t>
+            </a:r>
+            <a:endParaRPr lang="en-US" dirty="0"/>
+          </a:p>
+        </p:txBody>
+      </p:sp>
+      <p:sp>
+        <p:nvSpPr>
+          <p:cNvPr id="3" name="Content Placeholder 2"/>
+          <p:cNvSpPr>
+            <a:spLocks noGrp="1"/>
+          </p:cNvSpPr>
+          <p:nvPr>
+            <p:ph idx="1"/>
+          </p:nvPr>
+        </p:nvSpPr>
+        <p:spPr/>
+        <p:txBody>
+          <a:bodyPr>
+            <a:normAutofit lnSpcReduction="10000"/>
+          </a:bodyPr>
+          <a:lstStyle/>
+          <a:p>
+            <a:r>
+              <a:rPr lang="en-US" dirty="0" smtClean="0"/>
+              <a:t>Choose your AMI based up on OS</a:t>
+            </a:r>
+          </a:p>
+          <a:p>
+            <a:r>
+              <a:rPr lang="en-US" dirty="0" smtClean="0"/>
+              <a:t>Choose VPC</a:t>
+            </a:r>
+          </a:p>
+          <a:p>
+            <a:r>
+              <a:rPr lang="en-US" dirty="0" smtClean="0"/>
+              <a:t>Configure storage (EBS)</a:t>
+            </a:r>
+          </a:p>
+          <a:p>
+            <a:r>
+              <a:rPr lang="en-US" dirty="0" smtClean="0"/>
+              <a:t>Choose Security Group</a:t>
+            </a:r>
+          </a:p>
+          <a:p>
+            <a:r>
+              <a:rPr lang="en-US" dirty="0" smtClean="0"/>
+              <a:t>Tag your EC2</a:t>
+            </a:r>
+          </a:p>
+          <a:p>
+            <a:r>
+              <a:rPr lang="en-US" dirty="0" smtClean="0"/>
+              <a:t>Choose your Key Pair</a:t>
+            </a:r>
+          </a:p>
+          <a:p>
+            <a:r>
+              <a:rPr lang="en-US" dirty="0" smtClean="0"/>
+              <a:t>Launch the instance</a:t>
+            </a:r>
+          </a:p>
+          <a:p>
+            <a:r>
+              <a:rPr lang="en-US" dirty="0" smtClean="0"/>
+              <a:t>Associate elastic </a:t>
+            </a:r>
+            <a:r>
+              <a:rPr lang="en-US" dirty="0" err="1" smtClean="0"/>
+              <a:t>ip</a:t>
+            </a:r>
+            <a:r>
+              <a:rPr lang="en-US" dirty="0" smtClean="0"/>
+              <a:t> address</a:t>
+            </a:r>
+          </a:p>
+          <a:p>
+            <a:endParaRPr lang="en-US" dirty="0"/>
+          </a:p>
+        </p:txBody>
+      </p:sp>
+    </p:spTree>
+    <p:extLst>
+      <p:ext uri="{BB962C8B-B14F-4D97-AF65-F5344CB8AC3E}">
+        <p14:creationId xmlns:p14="http://schemas.microsoft.com/office/powerpoint/2010/main" val="374692405"/>
+      </p:ext>
+    </p:extLst>
+  </p:cSld>
+  <p:clrMapOvr>
+    <a:masterClrMapping/>
+  </p:clrMapOvr>
+  <p:timing>
+    <p:tnLst>
+      <p:par>
+        <p:cTn xmlns:p14="http://schemas.microsoft.com/office/powerpoint/2010/main" id="1" dur="indefinite" restart="never" nodeType="tmRoot"/>
+      </p:par>
+    </p:tnLst>
+  </p:timing>
+</p:sld>
+</file>
+
+<file path=ppt/slides/slide18.xml><?xml version="1.0" encoding="utf-8"?>
+<p:sld xmlns:a="http://schemas.openxmlformats.org/drawingml/2006/main" xmlns:r="http://schemas.openxmlformats.org/officeDocument/2006/relationships" xmlns:p="http://schemas.openxmlformats.org/presentationml/2006/main">
+  <p:cSld>
+    <p:spTree>
+      <p:nvGrpSpPr>
+        <p:cNvPr id="1" name=""/>
+        <p:cNvGrpSpPr/>
+        <p:nvPr/>
+      </p:nvGrpSpPr>
+      <p:grpSpPr>
+        <a:xfrm>
+          <a:off x="0" y="0"/>
+          <a:ext cx="0" cy="0"/>
+          <a:chOff x="0" y="0"/>
+          <a:chExt cx="0" cy="0"/>
+        </a:xfrm>
+      </p:grpSpPr>
+      <p:sp>
+        <p:nvSpPr>
+          <p:cNvPr id="4" name="Title 3"/>
+          <p:cNvSpPr>
+            <a:spLocks noGrp="1"/>
+          </p:cNvSpPr>
+          <p:nvPr>
+            <p:ph type="title"/>
+          </p:nvPr>
+        </p:nvSpPr>
+        <p:spPr/>
+        <p:txBody>
+          <a:bodyPr/>
+          <a:lstStyle/>
+          <a:p>
+            <a:r>
+              <a:rPr lang="en-US" dirty="0" smtClean="0"/>
+              <a:t>Leading cloud services</a:t>
+            </a:r>
+            <a:endParaRPr lang="en-US" dirty="0"/>
+          </a:p>
+        </p:txBody>
+      </p:sp>
+      <p:sp>
+        <p:nvSpPr>
+          <p:cNvPr id="2" name="Content Placeholder 1"/>
+          <p:cNvSpPr>
+            <a:spLocks noGrp="1"/>
+          </p:cNvSpPr>
+          <p:nvPr>
+            <p:ph idx="1"/>
+          </p:nvPr>
+        </p:nvSpPr>
+        <p:spPr/>
+        <p:txBody>
+          <a:bodyPr/>
+          <a:lstStyle/>
+          <a:p>
+            <a:pPr marL="109728" indent="0">
               <a:buNone/>
             </a:pPr>
             <a:r>
-              <a:rPr lang="en-US" dirty="0" smtClean="0"/>
-              <a:t> </a:t>
-            </a:r>
-            <a:r>
-              <a:rPr lang="en-US" sz="2400" b="1" dirty="0" smtClean="0">
-                <a:latin typeface="Cambria" pitchFamily="18" charset="0"/>
+              <a:rPr lang="en-US" dirty="0"/>
+              <a:t>IBM - </a:t>
+            </a:r>
+            <a:r>
+              <a:rPr lang="en-US" dirty="0">
+                <a:hlinkClick r:id="rId2"/>
               </a:rPr>
-              <a:t>We believe strongly in building solid, long-lasting relationships with our clients and deliver quality services in a cost-effective way. </a:t>
-            </a:r>
-          </a:p>
-          <a:p>
-            <a:pPr>
-              <a:buNone/>
-            </a:pPr>
-            <a:r>
-              <a:rPr lang="en-US" dirty="0" smtClean="0"/>
-              <a:t>  </a:t>
-            </a:r>
-          </a:p>
-          <a:p>
-            <a:pPr>
-              <a:buNone/>
-            </a:pPr>
-            <a:r>
-              <a:rPr lang="en-US" dirty="0" smtClean="0"/>
-              <a:t>                                        </a:t>
+              <a:t>http://www.softlayer.com/</a:t>
+            </a:r>
+            <a:r>
+              <a:rPr lang="en-US" dirty="0"/>
+              <a:t/>
+            </a:r>
+            <a:br>
+              <a:rPr lang="en-US" dirty="0"/>
+            </a:br>
+            <a:r>
+              <a:rPr lang="en-US" dirty="0">
+                <a:hlinkClick r:id="rId3"/>
+              </a:rPr>
+              <a:t>http://aws.amazon.com/</a:t>
+            </a:r>
+            <a:r>
+              <a:rPr lang="en-US" dirty="0"/>
+              <a:t/>
+            </a:r>
+            <a:br>
+              <a:rPr lang="en-US" dirty="0"/>
+            </a:br>
+            <a:r>
+              <a:rPr lang="en-US" dirty="0">
+                <a:hlinkClick r:id="rId4"/>
+              </a:rPr>
+              <a:t>http://azure.microsoft.com/en-us/</a:t>
+            </a:r>
+            <a:r>
+              <a:rPr lang="en-US" dirty="0"/>
+              <a:t/>
+            </a:r>
+            <a:br>
+              <a:rPr lang="en-US" dirty="0"/>
+            </a:br>
+            <a:r>
+              <a:rPr lang="en-US" dirty="0">
+                <a:hlinkClick r:id="rId5"/>
+              </a:rPr>
+              <a:t>https://cloud.google.com/</a:t>
+            </a:r>
+            <a:r>
+              <a:rPr lang="en-US" dirty="0"/>
+              <a:t/>
+            </a:r>
+            <a:br>
+              <a:rPr lang="en-US" dirty="0"/>
+            </a:br>
+            <a:r>
+              <a:rPr lang="en-US" dirty="0">
+                <a:hlinkClick r:id="rId6"/>
+              </a:rPr>
+              <a:t>https://cloud.oracle.com/home</a:t>
+            </a:r>
+            <a:r>
+              <a:rPr lang="en-US" dirty="0"/>
+              <a:t/>
+            </a:r>
+            <a:br>
+              <a:rPr lang="en-US" dirty="0"/>
+            </a:br>
+            <a:r>
+              <a:rPr lang="en-US" dirty="0">
+                <a:hlinkClick r:id="rId7"/>
+              </a:rPr>
+              <a:t>http://www.rackspace.com/cloud</a:t>
             </a:r>
             <a:endParaRPr lang="en-US" dirty="0"/>
           </a:p>
@@ -6004,12 +6402,49 @@
             <a:fld id="{31E7C4D2-2F11-4011-AB4F-F84DBF4A0B01}" type="slidenum">
               <a:rPr lang="en-US" smtClean="0"/>
               <a:pPr/>
-              <a:t>17</a:t>
+              <a:t>18</a:t>
             </a:fld>
             <a:endParaRPr lang="en-US"/>
           </a:p>
         </p:txBody>
       </p:sp>
+    </p:spTree>
+    <p:extLst>
+      <p:ext uri="{BB962C8B-B14F-4D97-AF65-F5344CB8AC3E}">
+        <p14:creationId xmlns:p14="http://schemas.microsoft.com/office/powerpoint/2010/main" val="1918029601"/>
+      </p:ext>
+    </p:extLst>
+  </p:cSld>
+  <p:clrMapOvr>
+    <a:masterClrMapping/>
+  </p:clrMapOvr>
+  <p:timing>
+    <p:tnLst>
+      <p:par>
+        <p:cTn xmlns:p14="http://schemas.microsoft.com/office/powerpoint/2010/main" id="1" dur="indefinite" restart="never" nodeType="tmRoot"/>
+      </p:par>
+    </p:tnLst>
+  </p:timing>
+</p:sld>
+</file>
+
+<file path=ppt/slides/slide19.xml><?xml version="1.0" encoding="utf-8"?>
+<p:sld xmlns:a="http://schemas.openxmlformats.org/drawingml/2006/main" xmlns:r="http://schemas.openxmlformats.org/officeDocument/2006/relationships" xmlns:p="http://schemas.openxmlformats.org/presentationml/2006/main">
+  <p:cSld>
+    <p:spTree>
+      <p:nvGrpSpPr>
+        <p:cNvPr id="1" name=""/>
+        <p:cNvGrpSpPr/>
+        <p:nvPr/>
+      </p:nvGrpSpPr>
+      <p:grpSpPr>
+        <a:xfrm>
+          <a:off x="0" y="0"/>
+          <a:ext cx="0" cy="0"/>
+          <a:chOff x="0" y="0"/>
+          <a:chExt cx="0" cy="0"/>
+        </a:xfrm>
+      </p:grpSpPr>
       <p:sp>
         <p:nvSpPr>
           <p:cNvPr id="4" name="Title 3"/>
@@ -6043,6 +6478,85 @@
               </a:solidFill>
               <a:latin typeface="Cambria" pitchFamily="18" charset="0"/>
             </a:endParaRPr>
+          </a:p>
+        </p:txBody>
+      </p:sp>
+      <p:sp>
+        <p:nvSpPr>
+          <p:cNvPr id="2" name="Content Placeholder 1"/>
+          <p:cNvSpPr>
+            <a:spLocks noGrp="1"/>
+          </p:cNvSpPr>
+          <p:nvPr>
+            <p:ph idx="1"/>
+          </p:nvPr>
+        </p:nvSpPr>
+        <p:spPr>
+          <a:xfrm>
+            <a:off x="457200" y="1481329"/>
+            <a:ext cx="8229600" cy="4005072"/>
+          </a:xfrm>
+        </p:spPr>
+        <p:txBody>
+          <a:bodyPr/>
+          <a:lstStyle/>
+          <a:p>
+            <a:pPr algn="ctr">
+              <a:buNone/>
+            </a:pPr>
+            <a:r>
+              <a:rPr lang="en-US" dirty="0" smtClean="0"/>
+              <a:t> </a:t>
+            </a:r>
+            <a:r>
+              <a:rPr lang="en-US" sz="2400" b="1" dirty="0" smtClean="0">
+                <a:latin typeface="Cambria" pitchFamily="18" charset="0"/>
+              </a:rPr>
+              <a:t>We believe strongly in building solid, long-lasting relationships with our clients and deliver quality services in a cost-effective way. </a:t>
+            </a:r>
+          </a:p>
+          <a:p>
+            <a:pPr>
+              <a:buNone/>
+            </a:pPr>
+            <a:r>
+              <a:rPr lang="en-US" dirty="0" smtClean="0"/>
+              <a:t>  </a:t>
+            </a:r>
+          </a:p>
+          <a:p>
+            <a:pPr>
+              <a:buNone/>
+            </a:pPr>
+            <a:r>
+              <a:rPr lang="en-US" dirty="0" smtClean="0"/>
+              <a:t>                                        </a:t>
+            </a:r>
+            <a:endParaRPr lang="en-US" dirty="0"/>
+          </a:p>
+        </p:txBody>
+      </p:sp>
+      <p:sp>
+        <p:nvSpPr>
+          <p:cNvPr id="3" name="Slide Number Placeholder 2"/>
+          <p:cNvSpPr>
+            <a:spLocks noGrp="1"/>
+          </p:cNvSpPr>
+          <p:nvPr>
+            <p:ph type="sldNum" sz="quarter" idx="12"/>
+          </p:nvPr>
+        </p:nvSpPr>
+        <p:spPr/>
+        <p:txBody>
+          <a:bodyPr/>
+          <a:lstStyle/>
+          <a:p>
+            <a:fld id="{31E7C4D2-2F11-4011-AB4F-F84DBF4A0B01}" type="slidenum">
+              <a:rPr lang="en-US" smtClean="0"/>
+              <a:pPr/>
+              <a:t>19</a:t>
+            </a:fld>
+            <a:endParaRPr lang="en-US"/>
           </a:p>
         </p:txBody>
       </p:sp>
@@ -6144,14 +6658,122 @@
   <p:timing>
     <p:tnLst>
       <p:par>
-        <p:cTn id="1" dur="indefinite" restart="never" nodeType="tmRoot"/>
+        <p:cTn xmlns:p14="http://schemas.microsoft.com/office/powerpoint/2010/main" id="1" dur="indefinite" restart="never" nodeType="tmRoot"/>
       </p:par>
     </p:tnLst>
   </p:timing>
 </p:sld>
 </file>
 
-<file path=ppt/slides/slide18.xml><?xml version="1.0" encoding="utf-8"?>
+<file path=ppt/slides/slide2.xml><?xml version="1.0" encoding="utf-8"?>
+<p:sld xmlns:a="http://schemas.openxmlformats.org/drawingml/2006/main" xmlns:r="http://schemas.openxmlformats.org/officeDocument/2006/relationships" xmlns:p="http://schemas.openxmlformats.org/presentationml/2006/main">
+  <p:cSld>
+    <p:spTree>
+      <p:nvGrpSpPr>
+        <p:cNvPr id="1" name=""/>
+        <p:cNvGrpSpPr/>
+        <p:nvPr/>
+      </p:nvGrpSpPr>
+      <p:grpSpPr>
+        <a:xfrm>
+          <a:off x="0" y="0"/>
+          <a:ext cx="0" cy="0"/>
+          <a:chOff x="0" y="0"/>
+          <a:chExt cx="0" cy="0"/>
+        </a:xfrm>
+      </p:grpSpPr>
+      <p:sp>
+        <p:nvSpPr>
+          <p:cNvPr id="2" name="Title 1"/>
+          <p:cNvSpPr>
+            <a:spLocks noGrp="1"/>
+          </p:cNvSpPr>
+          <p:nvPr>
+            <p:ph type="title"/>
+          </p:nvPr>
+        </p:nvSpPr>
+        <p:spPr/>
+        <p:txBody>
+          <a:bodyPr/>
+          <a:lstStyle/>
+          <a:p>
+            <a:r>
+              <a:rPr lang="en-US" dirty="0" smtClean="0"/>
+              <a:t>Steps</a:t>
+            </a:r>
+            <a:endParaRPr lang="en-US" dirty="0"/>
+          </a:p>
+        </p:txBody>
+      </p:sp>
+      <p:sp>
+        <p:nvSpPr>
+          <p:cNvPr id="3" name="Content Placeholder 2"/>
+          <p:cNvSpPr>
+            <a:spLocks noGrp="1"/>
+          </p:cNvSpPr>
+          <p:nvPr>
+            <p:ph idx="1"/>
+          </p:nvPr>
+        </p:nvSpPr>
+        <p:spPr/>
+        <p:txBody>
+          <a:bodyPr>
+            <a:normAutofit/>
+          </a:bodyPr>
+          <a:lstStyle/>
+          <a:p>
+            <a:r>
+              <a:rPr lang="en-US" dirty="0" smtClean="0"/>
+              <a:t>Create AWS account</a:t>
+            </a:r>
+          </a:p>
+          <a:p>
+            <a:r>
+              <a:rPr lang="en-US" dirty="0" smtClean="0"/>
+              <a:t>Understand AWS</a:t>
+            </a:r>
+          </a:p>
+          <a:p>
+            <a:r>
+              <a:rPr lang="en-US" dirty="0" smtClean="0"/>
+              <a:t>Create Key Pair</a:t>
+            </a:r>
+          </a:p>
+          <a:p>
+            <a:r>
+              <a:rPr lang="en-US" dirty="0" smtClean="0"/>
+              <a:t>Create VPC</a:t>
+            </a:r>
+          </a:p>
+          <a:p>
+            <a:r>
+              <a:rPr lang="en-US" dirty="0" smtClean="0"/>
+              <a:t>Provision EC2 node</a:t>
+            </a:r>
+          </a:p>
+        </p:txBody>
+      </p:sp>
+    </p:spTree>
+    <p:extLst>
+      <p:ext uri="{BB962C8B-B14F-4D97-AF65-F5344CB8AC3E}">
+        <p14:creationId xmlns:p14="http://schemas.microsoft.com/office/powerpoint/2010/main" val="662009044"/>
+      </p:ext>
+    </p:extLst>
+  </p:cSld>
+  <p:clrMapOvr>
+    <a:masterClrMapping/>
+  </p:clrMapOvr>
+  <p:timing>
+    <p:tnLst>
+      <p:par>
+        <p:cTn xmlns:p14="http://schemas.microsoft.com/office/powerpoint/2010/main" id="1" dur="indefinite" restart="never" nodeType="tmRoot"/>
+      </p:par>
+    </p:tnLst>
+  </p:timing>
+</p:sld>
+</file>
+
+<file path=ppt/slides/slide20.xml><?xml version="1.0" encoding="utf-8"?>
 <p:sld xmlns:a="http://schemas.openxmlformats.org/drawingml/2006/main" xmlns:r="http://schemas.openxmlformats.org/officeDocument/2006/relationships" xmlns:p="http://schemas.openxmlformats.org/presentationml/2006/main">
   <p:cSld>
     <p:spTree>
@@ -6302,88 +6924,7 @@
   <p:timing>
     <p:tnLst>
       <p:par>
-        <p:cTn id="1" dur="indefinite" restart="never" nodeType="tmRoot"/>
-      </p:par>
-    </p:tnLst>
-  </p:timing>
-</p:sld>
-</file>
-
-<file path=ppt/slides/slide2.xml><?xml version="1.0" encoding="utf-8"?>
-<p:sld xmlns:a="http://schemas.openxmlformats.org/drawingml/2006/main" xmlns:r="http://schemas.openxmlformats.org/officeDocument/2006/relationships" xmlns:p="http://schemas.openxmlformats.org/presentationml/2006/main">
-  <p:cSld>
-    <p:spTree>
-      <p:nvGrpSpPr>
-        <p:cNvPr id="1" name=""/>
-        <p:cNvGrpSpPr/>
-        <p:nvPr/>
-      </p:nvGrpSpPr>
-      <p:grpSpPr>
-        <a:xfrm>
-          <a:off x="0" y="0"/>
-          <a:ext cx="0" cy="0"/>
-          <a:chOff x="0" y="0"/>
-          <a:chExt cx="0" cy="0"/>
-        </a:xfrm>
-      </p:grpSpPr>
-      <p:sp>
-        <p:nvSpPr>
-          <p:cNvPr id="2" name="Title 1"/>
-          <p:cNvSpPr>
-            <a:spLocks noGrp="1"/>
-          </p:cNvSpPr>
-          <p:nvPr>
-            <p:ph type="ctrTitle"/>
-          </p:nvPr>
-        </p:nvSpPr>
-        <p:spPr/>
-        <p:txBody>
-          <a:bodyPr>
-            <a:normAutofit/>
-          </a:bodyPr>
-          <a:lstStyle/>
-          <a:p>
-            <a:r>
-              <a:rPr lang="en-US" dirty="0" smtClean="0"/>
-              <a:t>Amazon Web Services</a:t>
-            </a:r>
-            <a:endParaRPr lang="en-US" dirty="0"/>
-          </a:p>
-        </p:txBody>
-      </p:sp>
-      <p:sp>
-        <p:nvSpPr>
-          <p:cNvPr id="3" name="Subtitle 2"/>
-          <p:cNvSpPr>
-            <a:spLocks noGrp="1"/>
-          </p:cNvSpPr>
-          <p:nvPr>
-            <p:ph type="subTitle" idx="1"/>
-          </p:nvPr>
-        </p:nvSpPr>
-        <p:spPr/>
-        <p:txBody>
-          <a:bodyPr/>
-          <a:lstStyle/>
-          <a:p>
-            <a:endParaRPr lang="en-US"/>
-          </a:p>
-        </p:txBody>
-      </p:sp>
-    </p:spTree>
-    <p:extLst>
-      <p:ext uri="{BB962C8B-B14F-4D97-AF65-F5344CB8AC3E}">
-        <p14:creationId xmlns:p14="http://schemas.microsoft.com/office/powerpoint/2010/main" val="1303062295"/>
-      </p:ext>
-    </p:extLst>
-  </p:cSld>
-  <p:clrMapOvr>
-    <a:masterClrMapping/>
-  </p:clrMapOvr>
-  <p:timing>
-    <p:tnLst>
-      <p:par>
-        <p:cTn id="1" dur="indefinite" restart="never" nodeType="tmRoot"/>
+        <p:cTn xmlns:p14="http://schemas.microsoft.com/office/powerpoint/2010/main" id="1" dur="indefinite" restart="never" nodeType="tmRoot"/>
       </p:par>
     </p:tnLst>
   </p:timing>
@@ -6424,7 +6965,7 @@
           <a:p>
             <a:r>
               <a:rPr lang="en-US" dirty="0" smtClean="0"/>
-              <a:t>Steps</a:t>
+              <a:t>Create AWS account</a:t>
             </a:r>
             <a:endParaRPr lang="en-US" dirty="0"/>
           </a:p>
@@ -6442,46 +6983,29 @@
         </p:nvSpPr>
         <p:spPr/>
         <p:txBody>
-          <a:bodyPr>
-            <a:normAutofit/>
-          </a:bodyPr>
+          <a:bodyPr/>
           <a:lstStyle/>
           <a:p>
             <a:r>
               <a:rPr lang="en-US" dirty="0" smtClean="0"/>
-              <a:t>Create AWS account</a:t>
-            </a:r>
-          </a:p>
-          <a:p>
+              <a:t>Go to </a:t>
+            </a:r>
+            <a:r>
+              <a:rPr lang="en-US" dirty="0" err="1" smtClean="0"/>
+              <a:t>aws.amazon.com</a:t>
+            </a:r>
             <a:r>
               <a:rPr lang="en-US" dirty="0" smtClean="0"/>
-              <a:t>Understand AWS</a:t>
-            </a:r>
-          </a:p>
-          <a:p>
-            <a:r>
-              <a:rPr lang="en-US" dirty="0" smtClean="0"/>
-              <a:t>Create Key Pair</a:t>
-            </a:r>
-          </a:p>
-          <a:p>
-            <a:r>
-              <a:rPr lang="en-US" dirty="0" smtClean="0"/>
-              <a:t>Create VPC</a:t>
-            </a:r>
-          </a:p>
-          <a:p>
-            <a:r>
-              <a:rPr lang="en-US" dirty="0" smtClean="0"/>
-              <a:t>Provision EC2 node</a:t>
-            </a:r>
+              <a:t> and sign up for an account</a:t>
+            </a:r>
+            <a:endParaRPr lang="en-US" dirty="0"/>
           </a:p>
         </p:txBody>
       </p:sp>
     </p:spTree>
     <p:extLst>
       <p:ext uri="{BB962C8B-B14F-4D97-AF65-F5344CB8AC3E}">
-        <p14:creationId xmlns:p14="http://schemas.microsoft.com/office/powerpoint/2010/main" val="662009044"/>
+        <p14:creationId xmlns:p14="http://schemas.microsoft.com/office/powerpoint/2010/main" val="3199715231"/>
       </p:ext>
     </p:extLst>
   </p:cSld>
@@ -6491,7 +7015,7 @@
   <p:timing>
     <p:tnLst>
       <p:par>
-        <p:cTn id="1" dur="indefinite" restart="never" nodeType="tmRoot"/>
+        <p:cTn xmlns:p14="http://schemas.microsoft.com/office/powerpoint/2010/main" id="1" dur="indefinite" restart="never" nodeType="tmRoot"/>
       </p:par>
     </p:tnLst>
   </p:timing>
@@ -6532,7 +7056,7 @@
           <a:p>
             <a:r>
               <a:rPr lang="en-US" dirty="0" smtClean="0"/>
-              <a:t>Create AWS account</a:t>
+              <a:t>Understand AWS</a:t>
             </a:r>
             <a:endParaRPr lang="en-US" dirty="0"/>
           </a:p>
@@ -6550,21 +7074,78 @@
         </p:nvSpPr>
         <p:spPr/>
         <p:txBody>
-          <a:bodyPr/>
+          <a:bodyPr>
+            <a:normAutofit fontScale="92500" lnSpcReduction="20000"/>
+          </a:bodyPr>
           <a:lstStyle/>
           <a:p>
             <a:r>
               <a:rPr lang="en-US" dirty="0" smtClean="0"/>
-              <a:t>Go to </a:t>
-            </a:r>
-            <a:r>
-              <a:rPr lang="en-US" dirty="0" err="1" smtClean="0"/>
-              <a:t>aws.amazon.com</a:t>
-            </a:r>
+              <a:t>Regions</a:t>
+            </a:r>
+          </a:p>
+          <a:p>
             <a:r>
               <a:rPr lang="en-US" dirty="0" smtClean="0"/>
-              <a:t> and sign up for an account</a:t>
-            </a:r>
+              <a:t>Networking</a:t>
+            </a:r>
+          </a:p>
+          <a:p>
+            <a:pPr lvl="1"/>
+            <a:r>
+              <a:rPr lang="en-US" dirty="0"/>
+              <a:t>Private IPs</a:t>
+            </a:r>
+          </a:p>
+          <a:p>
+            <a:pPr lvl="1"/>
+            <a:r>
+              <a:rPr lang="en-US" dirty="0" smtClean="0"/>
+              <a:t>Public IPs</a:t>
+            </a:r>
+            <a:endParaRPr lang="en-US" dirty="0"/>
+          </a:p>
+          <a:p>
+            <a:r>
+              <a:rPr lang="en-US" dirty="0" smtClean="0"/>
+              <a:t>Key Pairs</a:t>
+            </a:r>
+          </a:p>
+          <a:p>
+            <a:r>
+              <a:rPr lang="en-US" dirty="0" smtClean="0"/>
+              <a:t>Security Groups – Firewalls</a:t>
+            </a:r>
+          </a:p>
+          <a:p>
+            <a:r>
+              <a:rPr lang="en-US" dirty="0" smtClean="0"/>
+              <a:t>EC2 – Elastic Compute Cloud</a:t>
+            </a:r>
+          </a:p>
+          <a:p>
+            <a:r>
+              <a:rPr lang="en-US" dirty="0" smtClean="0"/>
+              <a:t>AMI – Amazon Machine Image</a:t>
+            </a:r>
+          </a:p>
+          <a:p>
+            <a:r>
+              <a:rPr lang="en-US" dirty="0" smtClean="0"/>
+              <a:t>Storage – EBS and instance/ephemeral storage</a:t>
+            </a:r>
+          </a:p>
+          <a:p>
+            <a:pPr lvl="1"/>
+            <a:r>
+              <a:rPr lang="en-US" dirty="0" smtClean="0"/>
+              <a:t>EBS – Elastic Block Storage</a:t>
+            </a:r>
+          </a:p>
+          <a:p>
+            <a:endParaRPr lang="en-US" dirty="0" smtClean="0"/>
+          </a:p>
+          <a:p>
             <a:endParaRPr lang="en-US" dirty="0"/>
           </a:p>
         </p:txBody>
@@ -6572,7 +7153,7 @@
     </p:spTree>
     <p:extLst>
       <p:ext uri="{BB962C8B-B14F-4D97-AF65-F5344CB8AC3E}">
-        <p14:creationId xmlns:p14="http://schemas.microsoft.com/office/powerpoint/2010/main" val="3199715231"/>
+        <p14:creationId xmlns:p14="http://schemas.microsoft.com/office/powerpoint/2010/main" val="191064672"/>
       </p:ext>
     </p:extLst>
   </p:cSld>
@@ -6582,7 +7163,7 @@
   <p:timing>
     <p:tnLst>
       <p:par>
-        <p:cTn id="1" dur="indefinite" restart="never" nodeType="tmRoot"/>
+        <p:cTn xmlns:p14="http://schemas.microsoft.com/office/powerpoint/2010/main" id="1" dur="indefinite" restart="never" nodeType="tmRoot"/>
       </p:par>
     </p:tnLst>
   </p:timing>
@@ -6623,7 +7204,7 @@
           <a:p>
             <a:r>
               <a:rPr lang="en-US" dirty="0" smtClean="0"/>
-              <a:t>Understand AWS</a:t>
+              <a:t>Regions</a:t>
             </a:r>
             <a:endParaRPr lang="en-US" dirty="0"/>
           </a:p>
@@ -6641,86 +7222,13 @@
         </p:nvSpPr>
         <p:spPr/>
         <p:txBody>
-          <a:bodyPr>
-            <a:normAutofit lnSpcReduction="10000"/>
-          </a:bodyPr>
+          <a:bodyPr/>
           <a:lstStyle/>
           <a:p>
             <a:r>
               <a:rPr lang="en-US" dirty="0" smtClean="0"/>
-              <a:t>Regions</a:t>
-            </a:r>
-          </a:p>
-          <a:p>
-            <a:r>
-              <a:rPr lang="en-US" dirty="0" smtClean="0"/>
-              <a:t>Networking</a:t>
-            </a:r>
-          </a:p>
-          <a:p>
-            <a:pPr lvl="1"/>
-            <a:r>
-              <a:rPr lang="en-US" dirty="0"/>
-              <a:t>Private IPs</a:t>
-            </a:r>
-          </a:p>
-          <a:p>
-            <a:pPr lvl="1"/>
-            <a:r>
-              <a:rPr lang="en-US" dirty="0" smtClean="0"/>
-              <a:t>Public IPs</a:t>
-            </a:r>
-            <a:endParaRPr lang="en-US" dirty="0"/>
-          </a:p>
-          <a:p>
-            <a:r>
-              <a:rPr lang="en-US" dirty="0" smtClean="0"/>
-              <a:t>Key </a:t>
-            </a:r>
-            <a:r>
-              <a:rPr lang="en-US" dirty="0" smtClean="0"/>
-              <a:t>Pairs</a:t>
-            </a:r>
-          </a:p>
-          <a:p>
-            <a:r>
-              <a:rPr lang="en-US" dirty="0" smtClean="0"/>
-              <a:t>Security </a:t>
-            </a:r>
-            <a:r>
-              <a:rPr lang="en-US" dirty="0" smtClean="0"/>
-              <a:t>Groups – Firewalls</a:t>
-            </a:r>
-          </a:p>
-          <a:p>
-            <a:r>
-              <a:rPr lang="en-US" dirty="0" smtClean="0"/>
-              <a:t>EC2 – Elastic Compute Cloud</a:t>
-            </a:r>
-          </a:p>
-          <a:p>
-            <a:r>
-              <a:rPr lang="en-US" dirty="0" smtClean="0"/>
-              <a:t>AMI – Amazon Machine Image</a:t>
-            </a:r>
-          </a:p>
-          <a:p>
-            <a:r>
-              <a:rPr lang="en-US" dirty="0" smtClean="0"/>
-              <a:t>Storage – EBS and instance/ephemeral storage</a:t>
-            </a:r>
-          </a:p>
-          <a:p>
-            <a:pPr lvl="1"/>
-            <a:r>
-              <a:rPr lang="en-US" dirty="0" smtClean="0"/>
-              <a:t>EBS – Elastic Block Storage</a:t>
-            </a:r>
-          </a:p>
-          <a:p>
-            <a:endParaRPr lang="en-US" dirty="0" smtClean="0"/>
-          </a:p>
-          <a:p>
+              <a:t>Choose your region from top right corner</a:t>
+            </a:r>
             <a:endParaRPr lang="en-US" dirty="0"/>
           </a:p>
         </p:txBody>
@@ -6728,7 +7236,7 @@
     </p:spTree>
     <p:extLst>
       <p:ext uri="{BB962C8B-B14F-4D97-AF65-F5344CB8AC3E}">
-        <p14:creationId xmlns:p14="http://schemas.microsoft.com/office/powerpoint/2010/main" val="191064672"/>
+        <p14:creationId xmlns:p14="http://schemas.microsoft.com/office/powerpoint/2010/main" val="1826167535"/>
       </p:ext>
     </p:extLst>
   </p:cSld>
@@ -6738,7 +7246,7 @@
   <p:timing>
     <p:tnLst>
       <p:par>
-        <p:cTn id="1" dur="indefinite" restart="never" nodeType="tmRoot"/>
+        <p:cTn xmlns:p14="http://schemas.microsoft.com/office/powerpoint/2010/main" id="1" dur="indefinite" restart="never" nodeType="tmRoot"/>
       </p:par>
     </p:tnLst>
   </p:timing>
@@ -6764,7 +7272,7 @@
       </p:grpSpPr>
       <p:sp>
         <p:nvSpPr>
-          <p:cNvPr id="2" name="Title 1"/>
+          <p:cNvPr id="4" name="Title 3"/>
           <p:cNvSpPr>
             <a:spLocks noGrp="1"/>
           </p:cNvSpPr>
@@ -6779,7 +7287,7 @@
           <a:p>
             <a:r>
               <a:rPr lang="en-US" dirty="0" smtClean="0"/>
-              <a:t>Regions</a:t>
+              <a:t>Networking</a:t>
             </a:r>
             <a:endParaRPr lang="en-US" dirty="0"/>
           </a:p>
@@ -6787,12 +7295,99 @@
       </p:sp>
       <p:sp>
         <p:nvSpPr>
-          <p:cNvPr id="3" name="Content Placeholder 2"/>
+          <p:cNvPr id="2" name="Content Placeholder 1"/>
           <p:cNvSpPr>
             <a:spLocks noGrp="1"/>
           </p:cNvSpPr>
           <p:nvPr>
             <p:ph idx="1"/>
+          </p:nvPr>
+        </p:nvSpPr>
+        <p:spPr/>
+        <p:txBody>
+          <a:bodyPr>
+            <a:normAutofit fontScale="92500" lnSpcReduction="10000"/>
+          </a:bodyPr>
+          <a:lstStyle/>
+          <a:p>
+            <a:r>
+              <a:rPr lang="en-US" dirty="0" smtClean="0"/>
+              <a:t>Private IPs (interconnectivity between instances with in Regional AWS data center)</a:t>
+            </a:r>
+          </a:p>
+          <a:p>
+            <a:pPr lvl="1"/>
+            <a:r>
+              <a:rPr lang="en-US" dirty="0" smtClean="0"/>
+              <a:t>Typically IPs are not static</a:t>
+            </a:r>
+          </a:p>
+          <a:p>
+            <a:pPr lvl="1"/>
+            <a:r>
+              <a:rPr lang="en-US" dirty="0" smtClean="0"/>
+              <a:t>VPC (IPs are static and you might get instances close to each other)</a:t>
+            </a:r>
+          </a:p>
+          <a:p>
+            <a:r>
+              <a:rPr lang="en-US" dirty="0" smtClean="0"/>
+              <a:t>Public IPs (connectivity to external systems, for </a:t>
+            </a:r>
+            <a:r>
+              <a:rPr lang="en-US" dirty="0" err="1" smtClean="0"/>
+              <a:t>eg</a:t>
+            </a:r>
+            <a:r>
+              <a:rPr lang="en-US" dirty="0" smtClean="0"/>
+              <a:t>: your PC)</a:t>
+            </a:r>
+          </a:p>
+          <a:p>
+            <a:pPr lvl="1"/>
+            <a:r>
+              <a:rPr lang="en-US" dirty="0"/>
+              <a:t>T</a:t>
+            </a:r>
+            <a:r>
+              <a:rPr lang="en-US" dirty="0" smtClean="0"/>
+              <a:t>ypically dynamic, </a:t>
+            </a:r>
+            <a:r>
+              <a:rPr lang="en-US" dirty="0" err="1" smtClean="0"/>
+              <a:t>ips</a:t>
+            </a:r>
+            <a:r>
+              <a:rPr lang="en-US" dirty="0" smtClean="0"/>
+              <a:t> will change on stop and start of instance</a:t>
+            </a:r>
+          </a:p>
+          <a:p>
+            <a:pPr lvl="1"/>
+            <a:r>
+              <a:rPr lang="en-US" dirty="0" smtClean="0"/>
+              <a:t>Elastic IPs (Static public </a:t>
+            </a:r>
+            <a:r>
+              <a:rPr lang="en-US" dirty="0" err="1" smtClean="0"/>
+              <a:t>ips</a:t>
+            </a:r>
+            <a:r>
+              <a:rPr lang="en-US" dirty="0" smtClean="0"/>
+              <a:t>)</a:t>
+            </a:r>
+            <a:endParaRPr lang="en-US" dirty="0"/>
+          </a:p>
+        </p:txBody>
+      </p:sp>
+      <p:sp>
+        <p:nvSpPr>
+          <p:cNvPr id="3" name="Slide Number Placeholder 2"/>
+          <p:cNvSpPr>
+            <a:spLocks noGrp="1"/>
+          </p:cNvSpPr>
+          <p:nvPr>
+            <p:ph type="sldNum" sz="quarter" idx="12"/>
           </p:nvPr>
         </p:nvSpPr>
         <p:spPr/>
@@ -6800,18 +7395,19 @@
           <a:bodyPr/>
           <a:lstStyle/>
           <a:p>
-            <a:r>
-              <a:rPr lang="en-US" dirty="0" smtClean="0"/>
-              <a:t>Choose your region from top right corner</a:t>
-            </a:r>
-            <a:endParaRPr lang="en-US" dirty="0"/>
+            <a:fld id="{31E7C4D2-2F11-4011-AB4F-F84DBF4A0B01}" type="slidenum">
+              <a:rPr lang="en-US" smtClean="0"/>
+              <a:pPr/>
+              <a:t>6</a:t>
+            </a:fld>
+            <a:endParaRPr lang="en-US"/>
           </a:p>
         </p:txBody>
       </p:sp>
     </p:spTree>
     <p:extLst>
       <p:ext uri="{BB962C8B-B14F-4D97-AF65-F5344CB8AC3E}">
-        <p14:creationId xmlns:p14="http://schemas.microsoft.com/office/powerpoint/2010/main" val="1826167535"/>
+        <p14:creationId xmlns:p14="http://schemas.microsoft.com/office/powerpoint/2010/main" val="2091626583"/>
       </p:ext>
     </p:extLst>
   </p:cSld>
@@ -6821,7 +7417,7 @@
   <p:timing>
     <p:tnLst>
       <p:par>
-        <p:cTn id="1" dur="indefinite" restart="never" nodeType="tmRoot"/>
+        <p:cTn xmlns:p14="http://schemas.microsoft.com/office/powerpoint/2010/main" id="1" dur="indefinite" restart="never" nodeType="tmRoot"/>
       </p:par>
     </p:tnLst>
   </p:timing>
@@ -6847,7 +7443,7 @@
       </p:grpSpPr>
       <p:sp>
         <p:nvSpPr>
-          <p:cNvPr id="2" name="Title 1"/>
+          <p:cNvPr id="4" name="Title 3"/>
           <p:cNvSpPr>
             <a:spLocks noGrp="1"/>
           </p:cNvSpPr>
@@ -6862,7 +7458,7 @@
           <a:p>
             <a:r>
               <a:rPr lang="en-US" dirty="0" smtClean="0"/>
-              <a:t>Key Pairs</a:t>
+              <a:t>Networking</a:t>
             </a:r>
             <a:endParaRPr lang="en-US" dirty="0"/>
           </a:p>
@@ -6870,12 +7466,12 @@
       </p:sp>
       <p:sp>
         <p:nvSpPr>
-          <p:cNvPr id="3" name="Content Placeholder 2"/>
-          <p:cNvSpPr>
-            <a:spLocks noGrp="1"/>
-          </p:cNvSpPr>
-          <p:nvPr>
-            <p:ph idx="1"/>
+          <p:cNvPr id="3" name="Slide Number Placeholder 2"/>
+          <p:cNvSpPr>
+            <a:spLocks noGrp="1"/>
+          </p:cNvSpPr>
+          <p:nvPr>
+            <p:ph type="sldNum" sz="quarter" idx="12"/>
           </p:nvPr>
         </p:nvSpPr>
         <p:spPr/>
@@ -6883,268 +7479,12 @@
           <a:bodyPr/>
           <a:lstStyle/>
           <a:p>
-            <a:r>
-              <a:rPr lang="en-US" dirty="0" smtClean="0"/>
-              <a:t>To login to the EC2 node using SSH clients such as Putty</a:t>
-            </a:r>
-            <a:r>
-              <a:rPr lang="en-US" smtClean="0"/>
-              <a:t>/Cygwin</a:t>
-            </a:r>
-            <a:endParaRPr lang="en-US" dirty="0"/>
-          </a:p>
-        </p:txBody>
-      </p:sp>
-    </p:spTree>
-    <p:extLst>
-      <p:ext uri="{BB962C8B-B14F-4D97-AF65-F5344CB8AC3E}">
-        <p14:creationId xmlns:p14="http://schemas.microsoft.com/office/powerpoint/2010/main" val="2748407488"/>
-      </p:ext>
-    </p:extLst>
-  </p:cSld>
-  <p:clrMapOvr>
-    <a:masterClrMapping/>
-  </p:clrMapOvr>
-  <p:timing>
-    <p:tnLst>
-      <p:par>
-        <p:cTn id="1" dur="indefinite" restart="never" nodeType="tmRoot"/>
-      </p:par>
-    </p:tnLst>
-  </p:timing>
-</p:sld>
-</file>
-
-<file path=ppt/slides/slide8.xml><?xml version="1.0" encoding="utf-8"?>
-<p:sld xmlns:a="http://schemas.openxmlformats.org/drawingml/2006/main" xmlns:r="http://schemas.openxmlformats.org/officeDocument/2006/relationships" xmlns:p="http://schemas.openxmlformats.org/presentationml/2006/main">
-  <p:cSld>
-    <p:spTree>
-      <p:nvGrpSpPr>
-        <p:cNvPr id="1" name=""/>
-        <p:cNvGrpSpPr/>
-        <p:nvPr/>
-      </p:nvGrpSpPr>
-      <p:grpSpPr>
-        <a:xfrm>
-          <a:off x="0" y="0"/>
-          <a:ext cx="0" cy="0"/>
-          <a:chOff x="0" y="0"/>
-          <a:chExt cx="0" cy="0"/>
-        </a:xfrm>
-      </p:grpSpPr>
-      <p:sp>
-        <p:nvSpPr>
-          <p:cNvPr id="2" name="Content Placeholder 1"/>
-          <p:cNvSpPr>
-            <a:spLocks noGrp="1"/>
-          </p:cNvSpPr>
-          <p:nvPr>
-            <p:ph idx="1"/>
-          </p:nvPr>
-        </p:nvSpPr>
-        <p:spPr/>
-        <p:txBody>
-          <a:bodyPr/>
-          <a:lstStyle/>
-          <a:p>
-            <a:r>
-              <a:rPr lang="en-US" dirty="0" smtClean="0"/>
-              <a:t>Private IPs (interconnectivity between instances with in Regional AWS data center)</a:t>
-            </a:r>
-          </a:p>
-          <a:p>
-            <a:pPr lvl="1"/>
-            <a:r>
-              <a:rPr lang="en-US" dirty="0" smtClean="0"/>
-              <a:t>Typically IPs are not static</a:t>
-            </a:r>
-          </a:p>
-          <a:p>
-            <a:pPr lvl="1"/>
-            <a:r>
-              <a:rPr lang="en-US" dirty="0" smtClean="0"/>
-              <a:t>VPC (IPs are static and you might get instances close to each other)</a:t>
-            </a:r>
-          </a:p>
-          <a:p>
-            <a:r>
-              <a:rPr lang="en-US" dirty="0" smtClean="0"/>
-              <a:t>Public IPs (connectivity to external systems, for </a:t>
-            </a:r>
-            <a:r>
-              <a:rPr lang="en-US" dirty="0" err="1" smtClean="0"/>
-              <a:t>eg</a:t>
-            </a:r>
-            <a:r>
-              <a:rPr lang="en-US" dirty="0" smtClean="0"/>
-              <a:t>: your PC)</a:t>
-            </a:r>
-          </a:p>
-          <a:p>
-            <a:pPr lvl="1"/>
-            <a:r>
-              <a:rPr lang="en-US" dirty="0"/>
-              <a:t>T</a:t>
-            </a:r>
-            <a:r>
-              <a:rPr lang="en-US" dirty="0" smtClean="0"/>
-              <a:t>ypically dynamic, </a:t>
-            </a:r>
-            <a:r>
-              <a:rPr lang="en-US" dirty="0" err="1" smtClean="0"/>
-              <a:t>ips</a:t>
-            </a:r>
-            <a:r>
-              <a:rPr lang="en-US" dirty="0" smtClean="0"/>
-              <a:t> will change on stop and start of instance</a:t>
-            </a:r>
-          </a:p>
-          <a:p>
-            <a:pPr lvl="1"/>
-            <a:r>
-              <a:rPr lang="en-US" dirty="0" smtClean="0"/>
-              <a:t>Elastic IPs (Static public </a:t>
-            </a:r>
-            <a:r>
-              <a:rPr lang="en-US" dirty="0" err="1" smtClean="0"/>
-              <a:t>ips</a:t>
-            </a:r>
-            <a:r>
-              <a:rPr lang="en-US" dirty="0" smtClean="0"/>
-              <a:t>)</a:t>
-            </a:r>
-            <a:endParaRPr lang="en-US" dirty="0"/>
-          </a:p>
-        </p:txBody>
-      </p:sp>
-      <p:sp>
-        <p:nvSpPr>
-          <p:cNvPr id="3" name="Slide Number Placeholder 2"/>
-          <p:cNvSpPr>
-            <a:spLocks noGrp="1"/>
-          </p:cNvSpPr>
-          <p:nvPr>
-            <p:ph type="sldNum" sz="quarter" idx="12"/>
-          </p:nvPr>
-        </p:nvSpPr>
-        <p:spPr/>
-        <p:txBody>
-          <a:bodyPr/>
-          <a:lstStyle/>
-          <a:p>
             <a:fld id="{31E7C4D2-2F11-4011-AB4F-F84DBF4A0B01}" type="slidenum">
               <a:rPr lang="en-US" smtClean="0"/>
               <a:pPr/>
-              <a:t>8</a:t>
+              <a:t>7</a:t>
             </a:fld>
             <a:endParaRPr lang="en-US"/>
-          </a:p>
-        </p:txBody>
-      </p:sp>
-      <p:sp>
-        <p:nvSpPr>
-          <p:cNvPr id="4" name="Title 3"/>
-          <p:cNvSpPr>
-            <a:spLocks noGrp="1"/>
-          </p:cNvSpPr>
-          <p:nvPr>
-            <p:ph type="title"/>
-          </p:nvPr>
-        </p:nvSpPr>
-        <p:spPr/>
-        <p:txBody>
-          <a:bodyPr/>
-          <a:lstStyle/>
-          <a:p>
-            <a:r>
-              <a:rPr lang="en-US" dirty="0" smtClean="0"/>
-              <a:t>Networking</a:t>
-            </a:r>
-            <a:endParaRPr lang="en-US" dirty="0"/>
-          </a:p>
-        </p:txBody>
-      </p:sp>
-    </p:spTree>
-    <p:extLst>
-      <p:ext uri="{BB962C8B-B14F-4D97-AF65-F5344CB8AC3E}">
-        <p14:creationId xmlns:p14="http://schemas.microsoft.com/office/powerpoint/2010/main" val="2091626583"/>
-      </p:ext>
-    </p:extLst>
-  </p:cSld>
-  <p:clrMapOvr>
-    <a:masterClrMapping/>
-  </p:clrMapOvr>
-  <p:timing>
-    <p:tnLst>
-      <p:par>
-        <p:cTn id="1" dur="indefinite" restart="never" nodeType="tmRoot"/>
-      </p:par>
-    </p:tnLst>
-  </p:timing>
-</p:sld>
-</file>
-
-<file path=ppt/slides/slide9.xml><?xml version="1.0" encoding="utf-8"?>
-<p:sld xmlns:a="http://schemas.openxmlformats.org/drawingml/2006/main" xmlns:r="http://schemas.openxmlformats.org/officeDocument/2006/relationships" xmlns:p="http://schemas.openxmlformats.org/presentationml/2006/main">
-  <p:cSld>
-    <p:spTree>
-      <p:nvGrpSpPr>
-        <p:cNvPr id="1" name=""/>
-        <p:cNvGrpSpPr/>
-        <p:nvPr/>
-      </p:nvGrpSpPr>
-      <p:grpSpPr>
-        <a:xfrm>
-          <a:off x="0" y="0"/>
-          <a:ext cx="0" cy="0"/>
-          <a:chOff x="0" y="0"/>
-          <a:chExt cx="0" cy="0"/>
-        </a:xfrm>
-      </p:grpSpPr>
-      <p:sp>
-        <p:nvSpPr>
-          <p:cNvPr id="3" name="Slide Number Placeholder 2"/>
-          <p:cNvSpPr>
-            <a:spLocks noGrp="1"/>
-          </p:cNvSpPr>
-          <p:nvPr>
-            <p:ph type="sldNum" sz="quarter" idx="12"/>
-          </p:nvPr>
-        </p:nvSpPr>
-        <p:spPr/>
-        <p:txBody>
-          <a:bodyPr/>
-          <a:lstStyle/>
-          <a:p>
-            <a:fld id="{31E7C4D2-2F11-4011-AB4F-F84DBF4A0B01}" type="slidenum">
-              <a:rPr lang="en-US" smtClean="0"/>
-              <a:pPr/>
-              <a:t>9</a:t>
-            </a:fld>
-            <a:endParaRPr lang="en-US"/>
-          </a:p>
-        </p:txBody>
-      </p:sp>
-      <p:sp>
-        <p:nvSpPr>
-          <p:cNvPr id="4" name="Title 3"/>
-          <p:cNvSpPr>
-            <a:spLocks noGrp="1"/>
-          </p:cNvSpPr>
-          <p:nvPr>
-            <p:ph type="title"/>
-          </p:nvPr>
-        </p:nvSpPr>
-        <p:spPr/>
-        <p:txBody>
-          <a:bodyPr/>
-          <a:lstStyle/>
-          <a:p>
-            <a:r>
-              <a:rPr lang="en-US" dirty="0" smtClean="0"/>
-              <a:t>Networking</a:t>
-            </a:r>
-            <a:endParaRPr lang="en-US" dirty="0"/>
           </a:p>
         </p:txBody>
       </p:sp>
@@ -7782,7 +8122,7 @@
   <p:timing>
     <p:tnLst>
       <p:par>
-        <p:cTn id="1" dur="indefinite" restart="never" nodeType="tmRoot">
+        <p:cTn xmlns:p14="http://schemas.microsoft.com/office/powerpoint/2010/main" id="1" dur="indefinite" restart="never" nodeType="tmRoot">
           <p:childTnLst>
             <p:seq concurrent="1" nextAc="seek">
               <p:cTn id="2" dur="indefinite" nodeType="mainSeq">
@@ -9162,10 +9502,191 @@
 </p:sld>
 </file>
 
+<file path=ppt/slides/slide8.xml><?xml version="1.0" encoding="utf-8"?>
+<p:sld xmlns:a="http://schemas.openxmlformats.org/drawingml/2006/main" xmlns:r="http://schemas.openxmlformats.org/officeDocument/2006/relationships" xmlns:p="http://schemas.openxmlformats.org/presentationml/2006/main">
+  <p:cSld>
+    <p:spTree>
+      <p:nvGrpSpPr>
+        <p:cNvPr id="1" name=""/>
+        <p:cNvGrpSpPr/>
+        <p:nvPr/>
+      </p:nvGrpSpPr>
+      <p:grpSpPr>
+        <a:xfrm>
+          <a:off x="0" y="0"/>
+          <a:ext cx="0" cy="0"/>
+          <a:chOff x="0" y="0"/>
+          <a:chExt cx="0" cy="0"/>
+        </a:xfrm>
+      </p:grpSpPr>
+      <p:sp>
+        <p:nvSpPr>
+          <p:cNvPr id="2" name="Title 1"/>
+          <p:cNvSpPr>
+            <a:spLocks noGrp="1"/>
+          </p:cNvSpPr>
+          <p:nvPr>
+            <p:ph type="title"/>
+          </p:nvPr>
+        </p:nvSpPr>
+        <p:spPr/>
+        <p:txBody>
+          <a:bodyPr/>
+          <a:lstStyle/>
+          <a:p>
+            <a:r>
+              <a:rPr lang="en-US" dirty="0" smtClean="0"/>
+              <a:t>VPC	</a:t>
+            </a:r>
+            <a:endParaRPr lang="en-US" dirty="0"/>
+          </a:p>
+        </p:txBody>
+      </p:sp>
+      <p:sp>
+        <p:nvSpPr>
+          <p:cNvPr id="3" name="Content Placeholder 2"/>
+          <p:cNvSpPr>
+            <a:spLocks noGrp="1"/>
+          </p:cNvSpPr>
+          <p:nvPr>
+            <p:ph idx="1"/>
+          </p:nvPr>
+        </p:nvSpPr>
+        <p:spPr/>
+        <p:txBody>
+          <a:bodyPr/>
+          <a:lstStyle/>
+          <a:p>
+            <a:r>
+              <a:rPr lang="en-US" dirty="0" smtClean="0"/>
+              <a:t>To have static private </a:t>
+            </a:r>
+            <a:r>
+              <a:rPr lang="en-US" dirty="0" err="1" smtClean="0"/>
+              <a:t>ips</a:t>
+            </a:r>
+            <a:endParaRPr lang="en-US" dirty="0"/>
+          </a:p>
+        </p:txBody>
+      </p:sp>
+    </p:spTree>
+    <p:extLst>
+      <p:ext uri="{BB962C8B-B14F-4D97-AF65-F5344CB8AC3E}">
+        <p14:creationId xmlns:p14="http://schemas.microsoft.com/office/powerpoint/2010/main" val="2835466604"/>
+      </p:ext>
+    </p:extLst>
+  </p:cSld>
+  <p:clrMapOvr>
+    <a:masterClrMapping/>
+  </p:clrMapOvr>
+  <p:timing>
+    <p:tnLst>
+      <p:par>
+        <p:cTn xmlns:p14="http://schemas.microsoft.com/office/powerpoint/2010/main" id="1" dur="indefinite" restart="never" nodeType="tmRoot"/>
+      </p:par>
+    </p:tnLst>
+  </p:timing>
+</p:sld>
+</file>
+
+<file path=ppt/slides/slide9.xml><?xml version="1.0" encoding="utf-8"?>
+<p:sld xmlns:a="http://schemas.openxmlformats.org/drawingml/2006/main" xmlns:r="http://schemas.openxmlformats.org/officeDocument/2006/relationships" xmlns:p="http://schemas.openxmlformats.org/presentationml/2006/main">
+  <p:cSld>
+    <p:spTree>
+      <p:nvGrpSpPr>
+        <p:cNvPr id="1" name=""/>
+        <p:cNvGrpSpPr/>
+        <p:nvPr/>
+      </p:nvGrpSpPr>
+      <p:grpSpPr>
+        <a:xfrm>
+          <a:off x="0" y="0"/>
+          <a:ext cx="0" cy="0"/>
+          <a:chOff x="0" y="0"/>
+          <a:chExt cx="0" cy="0"/>
+        </a:xfrm>
+      </p:grpSpPr>
+      <p:sp>
+        <p:nvSpPr>
+          <p:cNvPr id="2" name="Title 1"/>
+          <p:cNvSpPr>
+            <a:spLocks noGrp="1"/>
+          </p:cNvSpPr>
+          <p:nvPr>
+            <p:ph type="title"/>
+          </p:nvPr>
+        </p:nvSpPr>
+        <p:spPr/>
+        <p:txBody>
+          <a:bodyPr/>
+          <a:lstStyle/>
+          <a:p>
+            <a:r>
+              <a:rPr lang="en-US" dirty="0" smtClean="0"/>
+              <a:t>Elastic IP</a:t>
+            </a:r>
+            <a:endParaRPr lang="en-US" dirty="0"/>
+          </a:p>
+        </p:txBody>
+      </p:sp>
+      <p:sp>
+        <p:nvSpPr>
+          <p:cNvPr id="3" name="Content Placeholder 2"/>
+          <p:cNvSpPr>
+            <a:spLocks noGrp="1"/>
+          </p:cNvSpPr>
+          <p:nvPr>
+            <p:ph idx="1"/>
+          </p:nvPr>
+        </p:nvSpPr>
+        <p:spPr/>
+        <p:txBody>
+          <a:bodyPr/>
+          <a:lstStyle/>
+          <a:p>
+            <a:r>
+              <a:rPr lang="en-US" dirty="0" smtClean="0"/>
+              <a:t>To have static public </a:t>
+            </a:r>
+            <a:r>
+              <a:rPr lang="en-US" dirty="0" err="1" smtClean="0"/>
+              <a:t>ip</a:t>
+            </a:r>
+            <a:endParaRPr lang="en-US" dirty="0" smtClean="0"/>
+          </a:p>
+          <a:p>
+            <a:r>
+              <a:rPr lang="en-US" dirty="0" smtClean="0"/>
+              <a:t>Limited to 5</a:t>
+            </a:r>
+            <a:endParaRPr lang="en-US" dirty="0"/>
+          </a:p>
+        </p:txBody>
+      </p:sp>
+    </p:spTree>
+    <p:extLst>
+      <p:ext uri="{BB962C8B-B14F-4D97-AF65-F5344CB8AC3E}">
+        <p14:creationId xmlns:p14="http://schemas.microsoft.com/office/powerpoint/2010/main" val="403310521"/>
+      </p:ext>
+    </p:extLst>
+  </p:cSld>
+  <p:clrMapOvr>
+    <a:masterClrMapping/>
+  </p:clrMapOvr>
+  <p:timing>
+    <p:tnLst>
+      <p:par>
+        <p:cTn xmlns:p14="http://schemas.microsoft.com/office/powerpoint/2010/main" id="1" dur="indefinite" restart="never" nodeType="tmRoot"/>
+      </p:par>
+    </p:tnLst>
+  </p:timing>
+</p:sld>
+</file>
+
 <file path=ppt/theme/theme1.xml><?xml version="1.0" encoding="utf-8"?>
-<a:theme xmlns:a="http://schemas.openxmlformats.org/drawingml/2006/main" name="Concourse">
+<a:theme xmlns:a="http://schemas.openxmlformats.org/drawingml/2006/main" name="Office Theme">
   <a:themeElements>
-    <a:clrScheme name="Concourse">
+    <a:clrScheme name="Office">
       <a:dk1>
         <a:sysClr val="windowText" lastClr="000000"/>
       </a:dk1>
@@ -9173,45 +9694,80 @@
         <a:sysClr val="window" lastClr="FFFFFF"/>
       </a:lt1>
       <a:dk2>
-        <a:srgbClr val="464646"/>
+        <a:srgbClr val="1F497D"/>
       </a:dk2>
       <a:lt2>
-        <a:srgbClr val="DEF5FA"/>
+        <a:srgbClr val="EEECE1"/>
       </a:lt2>
       <a:accent1>
-        <a:srgbClr val="2DA2BF"/>
+        <a:srgbClr val="4F81BD"/>
       </a:accent1>
       <a:accent2>
-        <a:srgbClr val="DA1F28"/>
+        <a:srgbClr val="C0504D"/>
       </a:accent2>
       <a:accent3>
-        <a:srgbClr val="EB641B"/>
+        <a:srgbClr val="9BBB59"/>
       </a:accent3>
       <a:accent4>
-        <a:srgbClr val="39639D"/>
+        <a:srgbClr val="8064A2"/>
       </a:accent4>
       <a:accent5>
-        <a:srgbClr val="474B78"/>
+        <a:srgbClr val="4BACC6"/>
       </a:accent5>
       <a:accent6>
-        <a:srgbClr val="7D3C4A"/>
+        <a:srgbClr val="F79646"/>
       </a:accent6>
       <a:hlink>
-        <a:srgbClr val="FF8119"/>
+        <a:srgbClr val="0000FF"/>
       </a:hlink>
       <a:folHlink>
-        <a:srgbClr val="44B9E8"/>
+        <a:srgbClr val="800080"/>
       </a:folHlink>
     </a:clrScheme>
-    <a:fontScheme name="Concourse">
+    <a:fontScheme name="Office">
       <a:majorFont>
-        <a:latin typeface="Lucida Sans Unicode"/>
+        <a:latin typeface="Calibri"/>
         <a:ea typeface=""/>
         <a:cs typeface=""/>
         <a:font script="Jpan" typeface="ＭＳ Ｐゴシック"/>
         <a:font script="Hang" typeface="맑은 고딕"/>
-        <a:font script="Hans" typeface="黑体"/>
-        <a:font script="Hant" typeface="微軟正黑體"/>
+        <a:font script="Hans" typeface="宋体"/>
+        <a:font script="Hant" typeface="新細明體"/>
+        <a:font script="Arab" typeface="Times New Roman"/>
+        <a:font script="Hebr" typeface="Times New Roman"/>
+        <a:font script="Thai" typeface="Angsana New"/>
+        <a:font script="Ethi" typeface="Nyala"/>
+        <a:font script="Beng" typeface="Vrinda"/>
+        <a:font script="Gujr" typeface="Shruti"/>
+        <a:font script="Khmr" typeface="MoolBoran"/>
+        <a:font script="Knda" typeface="Tunga"/>
+        <a:font script="Guru" typeface="Raavi"/>
+        <a:font script="Cans" typeface="Euphemia"/>
+        <a:font script="Cher" typeface="Plantagenet Cherokee"/>
+        <a:font script="Yiii" typeface="Microsoft Yi Baiti"/>
+        <a:font script="Tibt" typeface="Microsoft Himalaya"/>
+        <a:font script="Thaa" typeface="MV Boli"/>
+        <a:font script="Deva" typeface="Mangal"/>
+        <a:font script="Telu" typeface="Gautami"/>
+        <a:font script="Taml" typeface="Latha"/>
+        <a:font script="Syrc" typeface="Estrangelo Edessa"/>
+        <a:font script="Orya" typeface="Kalinga"/>
+        <a:font script="Mlym" typeface="Kartika"/>
+        <a:font script="Laoo" typeface="DokChampa"/>
+        <a:font script="Sinh" typeface="Iskoola Pota"/>
+        <a:font script="Mong" typeface="Mongolian Baiti"/>
+        <a:font script="Viet" typeface="Times New Roman"/>
+        <a:font script="Uigh" typeface="Microsoft Uighur"/>
+        <a:font script="Geor" typeface="Sylfaen"/>
+      </a:majorFont>
+      <a:minorFont>
+        <a:latin typeface="Calibri"/>
+        <a:ea typeface=""/>
+        <a:cs typeface=""/>
+        <a:font script="Jpan" typeface="ＭＳ Ｐゴシック"/>
+        <a:font script="Hang" typeface="맑은 고딕"/>
+        <a:font script="Hans" typeface="宋体"/>
+        <a:font script="Hant" typeface="新細明體"/>
         <a:font script="Arab" typeface="Arial"/>
         <a:font script="Hebr" typeface="Arial"/>
         <a:font script="Thai" typeface="Cordia New"/>
@@ -9235,43 +9791,12 @@
         <a:font script="Laoo" typeface="DokChampa"/>
         <a:font script="Sinh" typeface="Iskoola Pota"/>
         <a:font script="Mong" typeface="Mongolian Baiti"/>
+        <a:font script="Viet" typeface="Arial"/>
         <a:font script="Uigh" typeface="Microsoft Uighur"/>
-      </a:majorFont>
-      <a:minorFont>
-        <a:latin typeface="Lucida Sans Unicode"/>
-        <a:ea typeface=""/>
-        <a:cs typeface=""/>
-        <a:font script="Jpan" typeface="ＭＳ Ｐゴシック"/>
-        <a:font script="Hang" typeface="맑은 고딕"/>
-        <a:font script="Hans" typeface="黑体"/>
-        <a:font script="Hant" typeface="微軟正黑體"/>
-        <a:font script="Arab" typeface="Arial"/>
-        <a:font script="Hebr" typeface="Arial"/>
-        <a:font script="Thai" typeface="Cordia New"/>
-        <a:font script="Ethi" typeface="Nyala"/>
-        <a:font script="Beng" typeface="Vrinda"/>
-        <a:font script="Gujr" typeface="Shruti"/>
-        <a:font script="Khmr" typeface="DaunPenh"/>
-        <a:font script="Knda" typeface="Tunga"/>
-        <a:font script="Guru" typeface="Raavi"/>
-        <a:font script="Cans" typeface="Euphemia"/>
-        <a:font script="Cher" typeface="Plantagenet Cherokee"/>
-        <a:font script="Yiii" typeface="Microsoft Yi Baiti"/>
-        <a:font script="Tibt" typeface="Microsoft Himalaya"/>
-        <a:font script="Thaa" typeface="MV Boli"/>
-        <a:font script="Deva" typeface="Mangal"/>
-        <a:font script="Telu" typeface="Gautami"/>
-        <a:font script="Taml" typeface="Latha"/>
-        <a:font script="Syrc" typeface="Estrangelo Edessa"/>
-        <a:font script="Orya" typeface="Kalinga"/>
-        <a:font script="Mlym" typeface="Kartika"/>
-        <a:font script="Laoo" typeface="DokChampa"/>
-        <a:font script="Sinh" typeface="Iskoola Pota"/>
-        <a:font script="Mong" typeface="Mongolian Baiti"/>
-        <a:font script="Uigh" typeface="Microsoft Uighur"/>
+        <a:font script="Geor" typeface="Sylfaen"/>
       </a:minorFont>
     </a:fontScheme>
-    <a:fmtScheme name="Concourse">
+    <a:fmtScheme name="Office">
       <a:fillStyleLst>
         <a:solidFill>
           <a:schemeClr val="phClr"/>
@@ -9280,51 +9805,39 @@
           <a:gsLst>
             <a:gs pos="0">
               <a:schemeClr val="phClr">
-                <a:tint val="62000"/>
-                <a:satMod val="180000"/>
+                <a:tint val="50000"/>
+                <a:satMod val="300000"/>
               </a:schemeClr>
             </a:gs>
-            <a:gs pos="65000">
+            <a:gs pos="35000">
               <a:schemeClr val="phClr">
-                <a:tint val="32000"/>
-                <a:satMod val="250000"/>
+                <a:tint val="37000"/>
+                <a:satMod val="300000"/>
               </a:schemeClr>
             </a:gs>
             <a:gs pos="100000">
               <a:schemeClr val="phClr">
-                <a:tint val="23000"/>
-                <a:satMod val="300000"/>
+                <a:tint val="15000"/>
+                <a:satMod val="350000"/>
               </a:schemeClr>
             </a:gs>
           </a:gsLst>
-          <a:lin ang="16200000" scaled="0"/>
+          <a:lin ang="16200000" scaled="1"/>
         </a:gradFill>
         <a:gradFill rotWithShape="1">
           <a:gsLst>
             <a:gs pos="0">
               <a:schemeClr val="phClr">
-                <a:shade val="15000"/>
-                <a:satMod val="180000"/>
-              </a:schemeClr>
-            </a:gs>
-            <a:gs pos="50000">
-              <a:schemeClr val="phClr">
-                <a:shade val="45000"/>
-                <a:satMod val="170000"/>
-              </a:schemeClr>
-            </a:gs>
-            <a:gs pos="70000">
-              <a:schemeClr val="phClr">
-                <a:tint val="99000"/>
-                <a:shade val="65000"/>
-                <a:satMod val="155000"/>
+                <a:tint val="100000"/>
+                <a:shade val="100000"/>
+                <a:satMod val="130000"/>
               </a:schemeClr>
             </a:gs>
             <a:gs pos="100000">
               <a:schemeClr val="phClr">
-                <a:tint val="95500"/>
+                <a:tint val="50000"/>
                 <a:shade val="100000"/>
-                <a:satMod val="155000"/>
+                <a:satMod val="350000"/>
               </a:schemeClr>
             </a:gs>
           </a:gsLst>
@@ -9334,17 +9847,20 @@
       <a:lnStyleLst>
         <a:ln w="9525" cap="flat" cmpd="sng" algn="ctr">
           <a:solidFill>
-            <a:schemeClr val="phClr"/>
+            <a:schemeClr val="phClr">
+              <a:shade val="95000"/>
+              <a:satMod val="105000"/>
+            </a:schemeClr>
           </a:solidFill>
           <a:prstDash val="solid"/>
         </a:ln>
-        <a:ln w="55000" cap="flat" cmpd="thickThin" algn="ctr">
+        <a:ln w="25400" cap="flat" cmpd="sng" algn="ctr">
           <a:solidFill>
             <a:schemeClr val="phClr"/>
           </a:solidFill>
           <a:prstDash val="solid"/>
         </a:ln>
-        <a:ln w="63500" cap="flat" cmpd="thickThin" algn="ctr">
+        <a:ln w="38100" cap="flat" cmpd="sng" algn="ctr">
           <a:solidFill>
             <a:schemeClr val="phClr"/>
           </a:solidFill>
@@ -9354,7 +9870,16 @@
       <a:effectStyleLst>
         <a:effectStyle>
           <a:effectLst>
-            <a:outerShdw blurRad="50800" dist="38100" dir="5400000" rotWithShape="0">
+            <a:outerShdw blurRad="40000" dist="20000" dir="5400000" rotWithShape="0">
+              <a:srgbClr val="000000">
+                <a:alpha val="38000"/>
+              </a:srgbClr>
+            </a:outerShdw>
+          </a:effectLst>
+        </a:effectStyle>
+        <a:effectStyle>
+          <a:effectLst>
+            <a:outerShdw blurRad="40000" dist="23000" dir="5400000" rotWithShape="0">
               <a:srgbClr val="000000">
                 <a:alpha val="35000"/>
               </a:srgbClr>
@@ -9363,36 +9888,22 @@
         </a:effectStyle>
         <a:effectStyle>
           <a:effectLst>
-            <a:outerShdw blurRad="50800" dist="38100" dir="5400000" rotWithShape="0">
+            <a:outerShdw blurRad="40000" dist="23000" dir="5400000" rotWithShape="0">
               <a:srgbClr val="000000">
                 <a:alpha val="35000"/>
               </a:srgbClr>
             </a:outerShdw>
           </a:effectLst>
-        </a:effectStyle>
-        <a:effectStyle>
-          <a:effectLst>
-            <a:outerShdw blurRad="63500" dist="38100" dir="5400000" rotWithShape="0">
-              <a:srgbClr val="000000">
-                <a:alpha val="45000"/>
-              </a:srgbClr>
-            </a:outerShdw>
-          </a:effectLst>
           <a:scene3d>
-            <a:camera prst="orthographicFront" fov="0">
+            <a:camera prst="orthographicFront">
               <a:rot lat="0" lon="0" rev="0"/>
             </a:camera>
-            <a:lightRig rig="glow" dir="t">
-              <a:rot lat="0" lon="0" rev="6360000"/>
+            <a:lightRig rig="threePt" dir="t">
+              <a:rot lat="0" lon="0" rev="1200000"/>
             </a:lightRig>
           </a:scene3d>
-          <a:sp3d contourW="1000" prstMaterial="flat">
-            <a:bevelT w="95250" h="101600"/>
-            <a:contourClr>
-              <a:schemeClr val="phClr">
-                <a:satMod val="300000"/>
-              </a:schemeClr>
-            </a:contourClr>
+          <a:sp3d>
+            <a:bevelT w="63500" h="25400"/>
           </a:sp3d>
         </a:effectStyle>
       </a:effectStyleLst>
@@ -9404,45 +9915,90 @@
           <a:gsLst>
             <a:gs pos="0">
               <a:schemeClr val="phClr">
-                <a:tint val="55000"/>
-                <a:satMod val="300000"/>
+                <a:tint val="40000"/>
+                <a:satMod val="350000"/>
               </a:schemeClr>
             </a:gs>
             <a:gs pos="40000">
               <a:schemeClr val="phClr">
-                <a:tint val="65000"/>
+                <a:tint val="45000"/>
+                <a:shade val="99000"/>
+                <a:satMod val="350000"/>
+              </a:schemeClr>
+            </a:gs>
+            <a:gs pos="100000">
+              <a:schemeClr val="phClr">
+                <a:shade val="20000"/>
+                <a:satMod val="255000"/>
+              </a:schemeClr>
+            </a:gs>
+          </a:gsLst>
+          <a:path path="circle">
+            <a:fillToRect l="50000" t="-80000" r="50000" b="180000"/>
+          </a:path>
+        </a:gradFill>
+        <a:gradFill rotWithShape="1">
+          <a:gsLst>
+            <a:gs pos="0">
+              <a:schemeClr val="phClr">
+                <a:tint val="80000"/>
                 <a:satMod val="300000"/>
               </a:schemeClr>
             </a:gs>
             <a:gs pos="100000">
               <a:schemeClr val="phClr">
-                <a:shade val="65000"/>
-                <a:satMod val="300000"/>
+                <a:shade val="30000"/>
+                <a:satMod val="200000"/>
               </a:schemeClr>
             </a:gs>
           </a:gsLst>
           <a:path path="circle">
-            <a:fillToRect l="95000" t="-106500" r="5000" b="206500"/>
+            <a:fillToRect l="50000" t="50000" r="50000" b="50000"/>
           </a:path>
         </a:gradFill>
-        <a:blipFill>
-          <a:blip xmlns:r="http://schemas.openxmlformats.org/officeDocument/2006/relationships" r:embed="rId1">
-            <a:duotone>
-              <a:schemeClr val="phClr">
-                <a:shade val="60000"/>
-                <a:satMod val="110000"/>
-              </a:schemeClr>
-              <a:schemeClr val="phClr">
-                <a:tint val="95000"/>
-              </a:schemeClr>
-            </a:duotone>
-          </a:blip>
-          <a:tile tx="0" ty="0" sx="50000" sy="50000" flip="none" algn="tl"/>
-        </a:blipFill>
       </a:bgFillStyleLst>
     </a:fmtScheme>
   </a:themeElements>
-  <a:objectDefaults/>
+  <a:objectDefaults>
+    <a:spDef>
+      <a:spPr/>
+      <a:bodyPr/>
+      <a:lstStyle/>
+      <a:style>
+        <a:lnRef idx="1">
+          <a:schemeClr val="accent1"/>
+        </a:lnRef>
+        <a:fillRef idx="3">
+          <a:schemeClr val="accent1"/>
+        </a:fillRef>
+        <a:effectRef idx="2">
+          <a:schemeClr val="accent1"/>
+        </a:effectRef>
+        <a:fontRef idx="minor">
+          <a:schemeClr val="lt1"/>
+        </a:fontRef>
+      </a:style>
+    </a:spDef>
+    <a:lnDef>
+      <a:spPr/>
+      <a:bodyPr/>
+      <a:lstStyle/>
+      <a:style>
+        <a:lnRef idx="2">
+          <a:schemeClr val="accent1"/>
+        </a:lnRef>
+        <a:fillRef idx="0">
+          <a:schemeClr val="accent1"/>
+        </a:fillRef>
+        <a:effectRef idx="1">
+          <a:schemeClr val="accent1"/>
+        </a:effectRef>
+        <a:fontRef idx="minor">
+          <a:schemeClr val="tx1"/>
+        </a:fontRef>
+      </a:style>
+    </a:lnDef>
+  </a:objectDefaults>
   <a:extraClrSchemeLst/>
 </a:theme>
 </file>
